--- a/docs/figures.pptx
+++ b/docs/figures.pptx
@@ -260,7 +260,7 @@
           <a:p>
             <a:fld id="{86910163-A38C-4BA1-80DF-A5AB6EA28EE2}" type="datetimeFigureOut">
               <a:rPr lang="ko-KR" altLang="en-US" smtClean="0"/>
-              <a:t>2019-05-08</a:t>
+              <a:t>2019-05-10</a:t>
             </a:fld>
             <a:endParaRPr lang="ko-KR" altLang="en-US"/>
           </a:p>
@@ -458,7 +458,7 @@
           <a:p>
             <a:fld id="{86910163-A38C-4BA1-80DF-A5AB6EA28EE2}" type="datetimeFigureOut">
               <a:rPr lang="ko-KR" altLang="en-US" smtClean="0"/>
-              <a:t>2019-05-08</a:t>
+              <a:t>2019-05-10</a:t>
             </a:fld>
             <a:endParaRPr lang="ko-KR" altLang="en-US"/>
           </a:p>
@@ -666,7 +666,7 @@
           <a:p>
             <a:fld id="{86910163-A38C-4BA1-80DF-A5AB6EA28EE2}" type="datetimeFigureOut">
               <a:rPr lang="ko-KR" altLang="en-US" smtClean="0"/>
-              <a:t>2019-05-08</a:t>
+              <a:t>2019-05-10</a:t>
             </a:fld>
             <a:endParaRPr lang="ko-KR" altLang="en-US"/>
           </a:p>
@@ -864,7 +864,7 @@
           <a:p>
             <a:fld id="{86910163-A38C-4BA1-80DF-A5AB6EA28EE2}" type="datetimeFigureOut">
               <a:rPr lang="ko-KR" altLang="en-US" smtClean="0"/>
-              <a:t>2019-05-08</a:t>
+              <a:t>2019-05-10</a:t>
             </a:fld>
             <a:endParaRPr lang="ko-KR" altLang="en-US"/>
           </a:p>
@@ -1139,7 +1139,7 @@
           <a:p>
             <a:fld id="{86910163-A38C-4BA1-80DF-A5AB6EA28EE2}" type="datetimeFigureOut">
               <a:rPr lang="ko-KR" altLang="en-US" smtClean="0"/>
-              <a:t>2019-05-08</a:t>
+              <a:t>2019-05-10</a:t>
             </a:fld>
             <a:endParaRPr lang="ko-KR" altLang="en-US"/>
           </a:p>
@@ -1404,7 +1404,7 @@
           <a:p>
             <a:fld id="{86910163-A38C-4BA1-80DF-A5AB6EA28EE2}" type="datetimeFigureOut">
               <a:rPr lang="ko-KR" altLang="en-US" smtClean="0"/>
-              <a:t>2019-05-08</a:t>
+              <a:t>2019-05-10</a:t>
             </a:fld>
             <a:endParaRPr lang="ko-KR" altLang="en-US"/>
           </a:p>
@@ -1816,7 +1816,7 @@
           <a:p>
             <a:fld id="{86910163-A38C-4BA1-80DF-A5AB6EA28EE2}" type="datetimeFigureOut">
               <a:rPr lang="ko-KR" altLang="en-US" smtClean="0"/>
-              <a:t>2019-05-08</a:t>
+              <a:t>2019-05-10</a:t>
             </a:fld>
             <a:endParaRPr lang="ko-KR" altLang="en-US"/>
           </a:p>
@@ -1957,7 +1957,7 @@
           <a:p>
             <a:fld id="{86910163-A38C-4BA1-80DF-A5AB6EA28EE2}" type="datetimeFigureOut">
               <a:rPr lang="ko-KR" altLang="en-US" smtClean="0"/>
-              <a:t>2019-05-08</a:t>
+              <a:t>2019-05-10</a:t>
             </a:fld>
             <a:endParaRPr lang="ko-KR" altLang="en-US"/>
           </a:p>
@@ -2070,7 +2070,7 @@
           <a:p>
             <a:fld id="{86910163-A38C-4BA1-80DF-A5AB6EA28EE2}" type="datetimeFigureOut">
               <a:rPr lang="ko-KR" altLang="en-US" smtClean="0"/>
-              <a:t>2019-05-08</a:t>
+              <a:t>2019-05-10</a:t>
             </a:fld>
             <a:endParaRPr lang="ko-KR" altLang="en-US"/>
           </a:p>
@@ -2381,7 +2381,7 @@
           <a:p>
             <a:fld id="{86910163-A38C-4BA1-80DF-A5AB6EA28EE2}" type="datetimeFigureOut">
               <a:rPr lang="ko-KR" altLang="en-US" smtClean="0"/>
-              <a:t>2019-05-08</a:t>
+              <a:t>2019-05-10</a:t>
             </a:fld>
             <a:endParaRPr lang="ko-KR" altLang="en-US"/>
           </a:p>
@@ -2669,7 +2669,7 @@
           <a:p>
             <a:fld id="{86910163-A38C-4BA1-80DF-A5AB6EA28EE2}" type="datetimeFigureOut">
               <a:rPr lang="ko-KR" altLang="en-US" smtClean="0"/>
-              <a:t>2019-05-08</a:t>
+              <a:t>2019-05-10</a:t>
             </a:fld>
             <a:endParaRPr lang="ko-KR" altLang="en-US"/>
           </a:p>
@@ -2910,7 +2910,7 @@
           <a:p>
             <a:fld id="{86910163-A38C-4BA1-80DF-A5AB6EA28EE2}" type="datetimeFigureOut">
               <a:rPr lang="ko-KR" altLang="en-US" smtClean="0"/>
-              <a:t>2019-05-08</a:t>
+              <a:t>2019-05-10</a:t>
             </a:fld>
             <a:endParaRPr lang="ko-KR" altLang="en-US"/>
           </a:p>
@@ -3344,7 +3344,7 @@
             <p:spPr>
               <a:xfrm>
                 <a:off x="2933324" y="4505260"/>
-                <a:ext cx="5315301" cy="1477328"/>
+                <a:ext cx="5315301" cy="1200329"/>
               </a:xfrm>
               <a:prstGeom prst="rect">
                 <a:avLst/>
@@ -3357,7 +3357,6 @@
               </a:bodyPr>
               <a:lstStyle/>
               <a:p>
-                <a:pPr/>
                 <a14:m>
                   <m:oMath xmlns:m="http://schemas.openxmlformats.org/officeDocument/2006/math">
                     <m:sSub>
@@ -3526,7 +3525,7 @@
                         <a:rPr lang="en-US" altLang="ko-KR" b="0" i="1" smtClean="0">
                           <a:latin typeface="Cambria Math" panose="02040503050406030204" pitchFamily="18" charset="0"/>
                         </a:rPr>
-                        <m:t> :</m:t>
+                        <m:t>:</m:t>
                       </m:r>
                       <m:r>
                         <a:rPr lang="en-US" altLang="ko-KR" b="0" i="1" smtClean="0">
@@ -3633,165 +3632,6 @@
                     </m:oMathParaPr>
                     <m:oMath xmlns:m="http://schemas.openxmlformats.org/officeDocument/2006/math">
                       <m:r>
-                        <a:rPr lang="en-US" altLang="ko-KR" b="0" i="1" smtClean="0">
-                          <a:latin typeface="Cambria Math" panose="02040503050406030204" pitchFamily="18" charset="0"/>
-                        </a:rPr>
-                        <m:t>𝜃</m:t>
-                      </m:r>
-                      <m:r>
-                        <a:rPr lang="en-US" altLang="ko-KR" b="0" i="1" smtClean="0">
-                          <a:latin typeface="Cambria Math" panose="02040503050406030204" pitchFamily="18" charset="0"/>
-                        </a:rPr>
-                        <m:t> :</m:t>
-                      </m:r>
-                      <m:r>
-                        <a:rPr lang="en-US" altLang="ko-KR" b="0" i="1" smtClean="0">
-                          <a:latin typeface="Cambria Math" panose="02040503050406030204" pitchFamily="18" charset="0"/>
-                        </a:rPr>
-                        <m:t>𝑡h𝑒</m:t>
-                      </m:r>
-                      <m:r>
-                        <a:rPr lang="en-US" altLang="ko-KR" b="0" i="1" smtClean="0">
-                          <a:latin typeface="Cambria Math" panose="02040503050406030204" pitchFamily="18" charset="0"/>
-                        </a:rPr>
-                        <m:t> </m:t>
-                      </m:r>
-                      <m:r>
-                        <a:rPr lang="en-US" altLang="ko-KR" b="0" i="1" smtClean="0">
-                          <a:latin typeface="Cambria Math" panose="02040503050406030204" pitchFamily="18" charset="0"/>
-                        </a:rPr>
-                        <m:t>𝑎𝑛𝑔𝑙𝑒</m:t>
-                      </m:r>
-                      <m:r>
-                        <a:rPr lang="en-US" altLang="ko-KR" b="0" i="1" smtClean="0">
-                          <a:latin typeface="Cambria Math" panose="02040503050406030204" pitchFamily="18" charset="0"/>
-                        </a:rPr>
-                        <m:t> </m:t>
-                      </m:r>
-                      <m:r>
-                        <a:rPr lang="en-US" altLang="ko-KR" b="0" i="1" smtClean="0">
-                          <a:latin typeface="Cambria Math" panose="02040503050406030204" pitchFamily="18" charset="0"/>
-                        </a:rPr>
-                        <m:t>𝑜𝑓</m:t>
-                      </m:r>
-                      <m:r>
-                        <a:rPr lang="en-US" altLang="ko-KR" b="0" i="1" smtClean="0">
-                          <a:latin typeface="Cambria Math" panose="02040503050406030204" pitchFamily="18" charset="0"/>
-                        </a:rPr>
-                        <m:t> </m:t>
-                      </m:r>
-                      <m:r>
-                        <a:rPr lang="en-US" altLang="ko-KR" b="0" i="1" smtClean="0">
-                          <a:latin typeface="Cambria Math" panose="02040503050406030204" pitchFamily="18" charset="0"/>
-                        </a:rPr>
-                        <m:t>𝑑𝑒𝑣𝑖𝑐𝑒</m:t>
-                      </m:r>
-                      <m:r>
-                        <a:rPr lang="en-US" altLang="ko-KR" b="0" i="1" smtClean="0">
-                          <a:latin typeface="Cambria Math" panose="02040503050406030204" pitchFamily="18" charset="0"/>
-                        </a:rPr>
-                        <m:t>, </m:t>
-                      </m:r>
-                      <m:r>
-                        <a:rPr lang="en-US" altLang="ko-KR" b="0" i="1" smtClean="0">
-                          <a:latin typeface="Cambria Math" panose="02040503050406030204" pitchFamily="18" charset="0"/>
-                        </a:rPr>
-                        <m:t>𝜃</m:t>
-                      </m:r>
-                      <m:r>
-                        <a:rPr lang="en-US" altLang="ko-KR" b="0" i="1" smtClean="0">
-                          <a:latin typeface="Cambria Math" panose="02040503050406030204" pitchFamily="18" charset="0"/>
-                        </a:rPr>
-                        <m:t>=</m:t>
-                      </m:r>
-                      <m:r>
-                        <a:rPr lang="en-US" altLang="ko-KR" b="0" i="1" smtClean="0">
-                          <a:latin typeface="Cambria Math" panose="02040503050406030204" pitchFamily="18" charset="0"/>
-                        </a:rPr>
-                        <m:t>𝜋</m:t>
-                      </m:r>
-                      <m:r>
-                        <a:rPr lang="en-US" altLang="ko-KR" b="0" i="1" smtClean="0">
-                          <a:latin typeface="Cambria Math" panose="02040503050406030204" pitchFamily="18" charset="0"/>
-                        </a:rPr>
-                        <m:t>−(</m:t>
-                      </m:r>
-                      <m:sSub>
-                        <m:sSubPr>
-                          <m:ctrlPr>
-                            <a:rPr lang="en-US" altLang="ko-KR" b="0" i="1" smtClean="0">
-                              <a:latin typeface="Cambria Math" panose="02040503050406030204" pitchFamily="18" charset="0"/>
-                            </a:rPr>
-                          </m:ctrlPr>
-                        </m:sSubPr>
-                        <m:e>
-                          <m:r>
-                            <a:rPr lang="en-US" altLang="ko-KR" b="0" i="1" smtClean="0">
-                              <a:latin typeface="Cambria Math" panose="02040503050406030204" pitchFamily="18" charset="0"/>
-                            </a:rPr>
-                            <m:t>𝜃</m:t>
-                          </m:r>
-                        </m:e>
-                        <m:sub>
-                          <m:r>
-                            <a:rPr lang="en-US" altLang="ko-KR" b="0" i="1" smtClean="0">
-                              <a:latin typeface="Cambria Math" panose="02040503050406030204" pitchFamily="18" charset="0"/>
-                            </a:rPr>
-                            <m:t>1</m:t>
-                          </m:r>
-                        </m:sub>
-                      </m:sSub>
-                      <m:r>
-                        <a:rPr lang="en-US" altLang="ko-KR" b="0" i="1" smtClean="0">
-                          <a:latin typeface="Cambria Math" panose="02040503050406030204" pitchFamily="18" charset="0"/>
-                        </a:rPr>
-                        <m:t>+</m:t>
-                      </m:r>
-                      <m:sSub>
-                        <m:sSubPr>
-                          <m:ctrlPr>
-                            <a:rPr lang="en-US" altLang="ko-KR" b="0" i="1" smtClean="0">
-                              <a:latin typeface="Cambria Math" panose="02040503050406030204" pitchFamily="18" charset="0"/>
-                            </a:rPr>
-                          </m:ctrlPr>
-                        </m:sSubPr>
-                        <m:e>
-                          <m:r>
-                            <a:rPr lang="en-US" altLang="ko-KR" b="0" i="1" smtClean="0">
-                              <a:latin typeface="Cambria Math" panose="02040503050406030204" pitchFamily="18" charset="0"/>
-                            </a:rPr>
-                            <m:t>𝜃</m:t>
-                          </m:r>
-                        </m:e>
-                        <m:sub>
-                          <m:r>
-                            <a:rPr lang="en-US" altLang="ko-KR" b="0" i="1" smtClean="0">
-                              <a:latin typeface="Cambria Math" panose="02040503050406030204" pitchFamily="18" charset="0"/>
-                            </a:rPr>
-                            <m:t>2</m:t>
-                          </m:r>
-                        </m:sub>
-                      </m:sSub>
-                      <m:r>
-                        <a:rPr lang="en-US" altLang="ko-KR" b="0" i="1" smtClean="0">
-                          <a:latin typeface="Cambria Math" panose="02040503050406030204" pitchFamily="18" charset="0"/>
-                        </a:rPr>
-                        <m:t>)</m:t>
-                      </m:r>
-                    </m:oMath>
-                  </m:oMathPara>
-                </a14:m>
-                <a:endParaRPr lang="en-US" altLang="ko-KR" b="0" dirty="0"/>
-              </a:p>
-              <a:p>
-                <a:pPr/>
-                <a14:m>
-                  <m:oMathPara xmlns:m="http://schemas.openxmlformats.org/officeDocument/2006/math">
-                    <m:oMathParaPr>
-                      <m:jc m:val="left"/>
-                    </m:oMathParaPr>
-                    <m:oMath xmlns:m="http://schemas.openxmlformats.org/officeDocument/2006/math">
-                      <m:r>
                         <a:rPr lang="en-US" altLang="ko-KR" i="1">
                           <a:latin typeface="Cambria Math" panose="02040503050406030204" pitchFamily="18" charset="0"/>
                         </a:rPr>
@@ -3857,10 +3697,10 @@
                         </m:e>
                         <m:sub>
                           <m:r>
-                            <a:rPr lang="en-US" altLang="ko-KR" i="1">
+                            <a:rPr lang="en-US" altLang="ko-KR" b="0" i="1" smtClean="0">
                               <a:latin typeface="Cambria Math" panose="02040503050406030204" pitchFamily="18" charset="0"/>
                             </a:rPr>
-                            <m:t>1</m:t>
+                            <m:t>𝑎</m:t>
                           </m:r>
                         </m:sub>
                       </m:sSub>
@@ -3888,10 +3728,10 @@
                         </m:e>
                         <m:sub>
                           <m:r>
-                            <a:rPr lang="en-US" altLang="ko-KR" i="1">
+                            <a:rPr lang="en-US" altLang="ko-KR" b="0" i="1" smtClean="0">
                               <a:latin typeface="Cambria Math" panose="02040503050406030204" pitchFamily="18" charset="0"/>
                             </a:rPr>
-                            <m:t>2</m:t>
+                            <m:t>𝑏</m:t>
                           </m:r>
                         </m:sub>
                       </m:sSub>
@@ -4032,7 +3872,7 @@
             <p:spPr>
               <a:xfrm>
                 <a:off x="2933324" y="4505260"/>
-                <a:ext cx="5315301" cy="1477328"/>
+                <a:ext cx="5315301" cy="1200329"/>
               </a:xfrm>
               <a:prstGeom prst="rect">
                 <a:avLst/>
@@ -4040,7 +3880,7 @@
               <a:blipFill>
                 <a:blip r:embed="rId2"/>
                 <a:stretch>
-                  <a:fillRect b="-3719"/>
+                  <a:fillRect b="-4569"/>
                 </a:stretch>
               </a:blipFill>
             </p:spPr>
@@ -4059,12 +3899,301 @@
           </p:sp>
         </mc:Fallback>
       </mc:AlternateContent>
+      <mc:AlternateContent xmlns:mc="http://schemas.openxmlformats.org/markup-compatibility/2006" xmlns:a14="http://schemas.microsoft.com/office/drawing/2010/main">
+        <mc:Choice Requires="a14">
+          <p:sp>
+            <p:nvSpPr>
+              <p:cNvPr id="2" name="직사각형 1">
+                <a:extLst>
+                  <a:ext uri="{FF2B5EF4-FFF2-40B4-BE49-F238E27FC236}">
+                    <a16:creationId xmlns:a16="http://schemas.microsoft.com/office/drawing/2014/main" id="{10FF8EDE-BD95-440F-A1C3-0B3BCAE84717}"/>
+                  </a:ext>
+                </a:extLst>
+              </p:cNvPr>
+              <p:cNvSpPr/>
+              <p:nvPr/>
+            </p:nvSpPr>
+            <p:spPr>
+              <a:xfrm>
+                <a:off x="3329286" y="5971140"/>
+                <a:ext cx="4476867" cy="369332"/>
+              </a:xfrm>
+              <a:prstGeom prst="rect">
+                <a:avLst/>
+              </a:prstGeom>
+            </p:spPr>
+            <p:txBody>
+              <a:bodyPr wrap="none">
+                <a:spAutoFit/>
+              </a:bodyPr>
+              <a:lstStyle/>
+              <a:p>
+                <a:pPr/>
+                <a14:m>
+                  <m:oMathPara xmlns:m="http://schemas.openxmlformats.org/officeDocument/2006/math">
+                    <m:oMathParaPr>
+                      <m:jc m:val="left"/>
+                    </m:oMathParaPr>
+                    <m:oMath xmlns:m="http://schemas.openxmlformats.org/officeDocument/2006/math">
+                      <m:r>
+                        <a:rPr lang="en-US" altLang="ko-KR" i="1">
+                          <a:latin typeface="Cambria Math" panose="02040503050406030204" pitchFamily="18" charset="0"/>
+                        </a:rPr>
+                        <m:t>𝜃</m:t>
+                      </m:r>
+                      <m:r>
+                        <a:rPr lang="en-US" altLang="ko-KR" i="1">
+                          <a:latin typeface="Cambria Math" panose="02040503050406030204" pitchFamily="18" charset="0"/>
+                        </a:rPr>
+                        <m:t> :</m:t>
+                      </m:r>
+                      <m:r>
+                        <a:rPr lang="en-US" altLang="ko-KR" i="1">
+                          <a:latin typeface="Cambria Math" panose="02040503050406030204" pitchFamily="18" charset="0"/>
+                        </a:rPr>
+                        <m:t>𝑡h𝑒</m:t>
+                      </m:r>
+                      <m:r>
+                        <a:rPr lang="en-US" altLang="ko-KR" i="1">
+                          <a:latin typeface="Cambria Math" panose="02040503050406030204" pitchFamily="18" charset="0"/>
+                        </a:rPr>
+                        <m:t> </m:t>
+                      </m:r>
+                      <m:r>
+                        <a:rPr lang="en-US" altLang="ko-KR" i="1">
+                          <a:latin typeface="Cambria Math" panose="02040503050406030204" pitchFamily="18" charset="0"/>
+                        </a:rPr>
+                        <m:t>𝑎𝑛𝑔𝑙𝑒</m:t>
+                      </m:r>
+                      <m:r>
+                        <a:rPr lang="en-US" altLang="ko-KR" i="1">
+                          <a:latin typeface="Cambria Math" panose="02040503050406030204" pitchFamily="18" charset="0"/>
+                        </a:rPr>
+                        <m:t> </m:t>
+                      </m:r>
+                      <m:r>
+                        <a:rPr lang="en-US" altLang="ko-KR" i="1">
+                          <a:latin typeface="Cambria Math" panose="02040503050406030204" pitchFamily="18" charset="0"/>
+                        </a:rPr>
+                        <m:t>𝑜𝑓</m:t>
+                      </m:r>
+                      <m:r>
+                        <a:rPr lang="en-US" altLang="ko-KR" i="1">
+                          <a:latin typeface="Cambria Math" panose="02040503050406030204" pitchFamily="18" charset="0"/>
+                        </a:rPr>
+                        <m:t> </m:t>
+                      </m:r>
+                      <m:r>
+                        <a:rPr lang="en-US" altLang="ko-KR" i="1">
+                          <a:latin typeface="Cambria Math" panose="02040503050406030204" pitchFamily="18" charset="0"/>
+                        </a:rPr>
+                        <m:t>𝑑𝑒𝑣𝑖𝑐𝑒</m:t>
+                      </m:r>
+                      <m:r>
+                        <a:rPr lang="en-US" altLang="ko-KR" i="1">
+                          <a:latin typeface="Cambria Math" panose="02040503050406030204" pitchFamily="18" charset="0"/>
+                        </a:rPr>
+                        <m:t>, </m:t>
+                      </m:r>
+                      <m:r>
+                        <a:rPr lang="en-US" altLang="ko-KR" i="1">
+                          <a:latin typeface="Cambria Math" panose="02040503050406030204" pitchFamily="18" charset="0"/>
+                        </a:rPr>
+                        <m:t>𝜃</m:t>
+                      </m:r>
+                      <m:r>
+                        <a:rPr lang="en-US" altLang="ko-KR" i="1">
+                          <a:latin typeface="Cambria Math" panose="02040503050406030204" pitchFamily="18" charset="0"/>
+                        </a:rPr>
+                        <m:t>=</m:t>
+                      </m:r>
+                      <m:r>
+                        <a:rPr lang="en-US" altLang="ko-KR" i="1">
+                          <a:latin typeface="Cambria Math" panose="02040503050406030204" pitchFamily="18" charset="0"/>
+                        </a:rPr>
+                        <m:t>𝜋</m:t>
+                      </m:r>
+                      <m:r>
+                        <a:rPr lang="en-US" altLang="ko-KR" i="1">
+                          <a:latin typeface="Cambria Math" panose="02040503050406030204" pitchFamily="18" charset="0"/>
+                        </a:rPr>
+                        <m:t>−(</m:t>
+                      </m:r>
+                      <m:sSub>
+                        <m:sSubPr>
+                          <m:ctrlPr>
+                            <a:rPr lang="en-US" altLang="ko-KR" i="1">
+                              <a:latin typeface="Cambria Math" panose="02040503050406030204" pitchFamily="18" charset="0"/>
+                            </a:rPr>
+                          </m:ctrlPr>
+                        </m:sSubPr>
+                        <m:e>
+                          <m:r>
+                            <a:rPr lang="en-US" altLang="ko-KR" i="1">
+                              <a:latin typeface="Cambria Math" panose="02040503050406030204" pitchFamily="18" charset="0"/>
+                            </a:rPr>
+                            <m:t>𝜃</m:t>
+                          </m:r>
+                        </m:e>
+                        <m:sub>
+                          <m:r>
+                            <a:rPr lang="en-US" altLang="ko-KR" i="1">
+                              <a:latin typeface="Cambria Math" panose="02040503050406030204" pitchFamily="18" charset="0"/>
+                            </a:rPr>
+                            <m:t>1</m:t>
+                          </m:r>
+                        </m:sub>
+                      </m:sSub>
+                      <m:r>
+                        <a:rPr lang="en-US" altLang="ko-KR" i="1">
+                          <a:latin typeface="Cambria Math" panose="02040503050406030204" pitchFamily="18" charset="0"/>
+                        </a:rPr>
+                        <m:t>+</m:t>
+                      </m:r>
+                      <m:sSub>
+                        <m:sSubPr>
+                          <m:ctrlPr>
+                            <a:rPr lang="en-US" altLang="ko-KR" i="1">
+                              <a:latin typeface="Cambria Math" panose="02040503050406030204" pitchFamily="18" charset="0"/>
+                            </a:rPr>
+                          </m:ctrlPr>
+                        </m:sSubPr>
+                        <m:e>
+                          <m:r>
+                            <a:rPr lang="en-US" altLang="ko-KR" i="1">
+                              <a:latin typeface="Cambria Math" panose="02040503050406030204" pitchFamily="18" charset="0"/>
+                            </a:rPr>
+                            <m:t>𝜃</m:t>
+                          </m:r>
+                        </m:e>
+                        <m:sub>
+                          <m:r>
+                            <a:rPr lang="en-US" altLang="ko-KR" i="1">
+                              <a:latin typeface="Cambria Math" panose="02040503050406030204" pitchFamily="18" charset="0"/>
+                            </a:rPr>
+                            <m:t>2</m:t>
+                          </m:r>
+                        </m:sub>
+                      </m:sSub>
+                      <m:r>
+                        <a:rPr lang="en-US" altLang="ko-KR" i="1">
+                          <a:latin typeface="Cambria Math" panose="02040503050406030204" pitchFamily="18" charset="0"/>
+                        </a:rPr>
+                        <m:t>)</m:t>
+                      </m:r>
+                    </m:oMath>
+                  </m:oMathPara>
+                </a14:m>
+                <a:endParaRPr lang="en-US" altLang="ko-KR" dirty="0"/>
+              </a:p>
+            </p:txBody>
+          </p:sp>
+        </mc:Choice>
+        <mc:Fallback xmlns="">
+          <p:sp>
+            <p:nvSpPr>
+              <p:cNvPr id="2" name="직사각형 1">
+                <a:extLst>
+                  <a:ext uri="{FF2B5EF4-FFF2-40B4-BE49-F238E27FC236}">
+                    <a16:creationId xmlns:a16="http://schemas.microsoft.com/office/drawing/2014/main" id="{10FF8EDE-BD95-440F-A1C3-0B3BCAE84717}"/>
+                  </a:ext>
+                </a:extLst>
+              </p:cNvPr>
+              <p:cNvSpPr>
+                <a:spLocks noRot="1" noChangeAspect="1" noMove="1" noResize="1" noEditPoints="1" noAdjustHandles="1" noChangeArrowheads="1" noChangeShapeType="1" noTextEdit="1"/>
+              </p:cNvSpPr>
+              <p:nvPr/>
+            </p:nvSpPr>
+            <p:spPr>
+              <a:xfrm>
+                <a:off x="3329286" y="5971140"/>
+                <a:ext cx="4476867" cy="369332"/>
+              </a:xfrm>
+              <a:prstGeom prst="rect">
+                <a:avLst/>
+              </a:prstGeom>
+              <a:blipFill>
+                <a:blip r:embed="rId16"/>
+                <a:stretch>
+                  <a:fillRect b="-16667"/>
+                </a:stretch>
+              </a:blipFill>
+            </p:spPr>
+            <p:txBody>
+              <a:bodyPr/>
+              <a:lstStyle/>
+              <a:p>
+                <a:r>
+                  <a:rPr lang="ko-KR" altLang="en-US">
+                    <a:noFill/>
+                  </a:rPr>
+                  <a:t> </a:t>
+                </a:r>
+              </a:p>
+            </p:txBody>
+          </p:sp>
+        </mc:Fallback>
+      </mc:AlternateContent>
+      <p:sp>
+        <p:nvSpPr>
+          <p:cNvPr id="15" name="원호 14">
+            <a:extLst>
+              <a:ext uri="{FF2B5EF4-FFF2-40B4-BE49-F238E27FC236}">
+                <a16:creationId xmlns:a16="http://schemas.microsoft.com/office/drawing/2014/main" id="{FE8BA426-C3BC-40E8-B6AD-34F3FA41466C}"/>
+              </a:ext>
+            </a:extLst>
+          </p:cNvPr>
+          <p:cNvSpPr/>
+          <p:nvPr/>
+        </p:nvSpPr>
+        <p:spPr>
+          <a:xfrm>
+            <a:off x="1194823" y="538450"/>
+            <a:ext cx="828536" cy="828536"/>
+          </a:xfrm>
+          <a:prstGeom prst="arc">
+            <a:avLst>
+              <a:gd name="adj1" fmla="val 16200000"/>
+              <a:gd name="adj2" fmla="val 14902029"/>
+            </a:avLst>
+          </a:prstGeom>
+          <a:ln w="12700">
+            <a:solidFill>
+              <a:schemeClr val="bg1">
+                <a:lumMod val="65000"/>
+              </a:schemeClr>
+            </a:solidFill>
+          </a:ln>
+        </p:spPr>
+        <p:style>
+          <a:lnRef idx="1">
+            <a:schemeClr val="accent1"/>
+          </a:lnRef>
+          <a:fillRef idx="0">
+            <a:schemeClr val="accent1"/>
+          </a:fillRef>
+          <a:effectRef idx="0">
+            <a:schemeClr val="accent1"/>
+          </a:effectRef>
+          <a:fontRef idx="minor">
+            <a:schemeClr val="tx1"/>
+          </a:fontRef>
+        </p:style>
+        <p:txBody>
+          <a:bodyPr rtlCol="0" anchor="ctr"/>
+          <a:lstStyle/>
+          <a:p>
+            <a:pPr algn="ctr"/>
+            <a:endParaRPr lang="ko-KR" altLang="en-US"/>
+          </a:p>
+        </p:txBody>
+      </p:sp>
       <p:grpSp>
         <p:nvGrpSpPr>
-          <p:cNvPr id="3" name="그룹 2">
+          <p:cNvPr id="17" name="그룹 16">
             <a:extLst>
               <a:ext uri="{FF2B5EF4-FFF2-40B4-BE49-F238E27FC236}">
-                <a16:creationId xmlns:a16="http://schemas.microsoft.com/office/drawing/2014/main" id="{E15621A1-9052-45E8-9E51-889F6889C8AC}"/>
+                <a16:creationId xmlns:a16="http://schemas.microsoft.com/office/drawing/2014/main" id="{16A3A67F-EE6E-4D31-880A-6219276B1FA2}"/>
               </a:ext>
             </a:extLst>
           </p:cNvPr>
@@ -4073,10 +4202,10 @@
         </p:nvGrpSpPr>
         <p:grpSpPr>
           <a:xfrm>
-            <a:off x="3193596" y="334383"/>
-            <a:ext cx="4392634" cy="3950457"/>
-            <a:chOff x="3193596" y="334383"/>
-            <a:chExt cx="4392634" cy="3950457"/>
+            <a:off x="3018674" y="334383"/>
+            <a:ext cx="5098303" cy="3950457"/>
+            <a:chOff x="3018674" y="334383"/>
+            <a:chExt cx="5098303" cy="3950457"/>
           </a:xfrm>
         </p:grpSpPr>
         <p:grpSp>
@@ -4350,7 +4479,7 @@
             </p:nvSpPr>
             <p:spPr>
               <a:xfrm>
-                <a:off x="1540328" y="1681843"/>
+                <a:off x="1539925" y="1681893"/>
                 <a:ext cx="1317171" cy="2318657"/>
               </a:xfrm>
               <a:prstGeom prst="rect">
@@ -4602,7 +4731,7 @@
               <p:spPr>
                 <a:xfrm>
                   <a:off x="3567181" y="1231524"/>
-                  <a:ext cx="470193" cy="369332"/>
+                  <a:ext cx="483146" cy="369332"/>
                 </a:xfrm>
                 <a:prstGeom prst="rect">
                   <a:avLst/>
@@ -4643,7 +4772,7 @@
                               <a:rPr lang="en-US" altLang="ko-KR" b="0" i="1" smtClean="0">
                                 <a:latin typeface="Cambria Math" panose="02040503050406030204" pitchFamily="18" charset="0"/>
                               </a:rPr>
-                              <m:t>1</m:t>
+                              <m:t>𝑎</m:t>
                             </m:r>
                           </m:sub>
                         </m:sSub>
@@ -4673,15 +4802,15 @@
               <p:spPr>
                 <a:xfrm>
                   <a:off x="3567181" y="1231524"/>
-                  <a:ext cx="470193" cy="369332"/>
+                  <a:ext cx="483146" cy="369332"/>
                 </a:xfrm>
                 <a:prstGeom prst="rect">
                   <a:avLst/>
                 </a:prstGeom>
                 <a:blipFill>
-                  <a:blip r:embed="rId3"/>
+                  <a:blip r:embed="rId17"/>
                   <a:stretch>
-                    <a:fillRect b="-1639"/>
+                    <a:fillRect/>
                   </a:stretch>
                 </a:blipFill>
               </p:spPr>
@@ -4717,7 +4846,7 @@
               <p:spPr>
                 <a:xfrm>
                   <a:off x="3988011" y="1854064"/>
-                  <a:ext cx="475515" cy="369332"/>
+                  <a:ext cx="492955" cy="369332"/>
                 </a:xfrm>
                 <a:prstGeom prst="rect">
                   <a:avLst/>
@@ -4758,7 +4887,7 @@
                               <a:rPr lang="en-US" altLang="ko-KR" b="0" i="1" smtClean="0">
                                 <a:latin typeface="Cambria Math" panose="02040503050406030204" pitchFamily="18" charset="0"/>
                               </a:rPr>
-                              <m:t>1</m:t>
+                              <m:t>𝑎</m:t>
                             </m:r>
                           </m:sub>
                         </m:sSub>
@@ -4788,15 +4917,15 @@
               <p:spPr>
                 <a:xfrm>
                   <a:off x="3988011" y="1854064"/>
-                  <a:ext cx="475515" cy="369332"/>
+                  <a:ext cx="492955" cy="369332"/>
                 </a:xfrm>
                 <a:prstGeom prst="rect">
                   <a:avLst/>
                 </a:prstGeom>
                 <a:blipFill>
-                  <a:blip r:embed="rId4"/>
+                  <a:blip r:embed="rId18"/>
                   <a:stretch>
-                    <a:fillRect b="-1639"/>
+                    <a:fillRect/>
                   </a:stretch>
                 </a:blipFill>
               </p:spPr>
@@ -4832,7 +4961,7 @@
               <p:spPr>
                 <a:xfrm>
                   <a:off x="6573636" y="3146821"/>
-                  <a:ext cx="480837" cy="369332"/>
+                  <a:ext cx="488532" cy="369332"/>
                 </a:xfrm>
                 <a:prstGeom prst="rect">
                   <a:avLst/>
@@ -4873,7 +5002,7 @@
                               <a:rPr lang="en-US" altLang="ko-KR" b="0" i="1" smtClean="0">
                                 <a:latin typeface="Cambria Math" panose="02040503050406030204" pitchFamily="18" charset="0"/>
                               </a:rPr>
-                              <m:t>2</m:t>
+                              <m:t>𝑏</m:t>
                             </m:r>
                           </m:sub>
                         </m:sSub>
@@ -4903,15 +5032,15 @@
               <p:spPr>
                 <a:xfrm>
                   <a:off x="6573636" y="3146821"/>
-                  <a:ext cx="480837" cy="369332"/>
+                  <a:ext cx="488532" cy="369332"/>
                 </a:xfrm>
                 <a:prstGeom prst="rect">
                   <a:avLst/>
                 </a:prstGeom>
                 <a:blipFill>
-                  <a:blip r:embed="rId5"/>
+                  <a:blip r:embed="rId19"/>
                   <a:stretch>
-                    <a:fillRect b="-1639"/>
+                    <a:fillRect b="-3279"/>
                   </a:stretch>
                 </a:blipFill>
               </p:spPr>
@@ -4930,128 +5059,6 @@
             </p:sp>
           </mc:Fallback>
         </mc:AlternateContent>
-        <p:sp>
-          <p:nvSpPr>
-            <p:cNvPr id="35" name="부분 원형 34">
-              <a:extLst>
-                <a:ext uri="{FF2B5EF4-FFF2-40B4-BE49-F238E27FC236}">
-                  <a16:creationId xmlns:a16="http://schemas.microsoft.com/office/drawing/2014/main" id="{E012EB85-EA7D-46CE-B71C-92FE18111528}"/>
-                </a:ext>
-              </a:extLst>
-            </p:cNvPr>
-            <p:cNvSpPr/>
-            <p:nvPr/>
-          </p:nvSpPr>
-          <p:spPr>
-            <a:xfrm rot="12987780">
-              <a:off x="4345060" y="1904718"/>
-              <a:ext cx="593272" cy="593272"/>
-            </a:xfrm>
-            <a:prstGeom prst="pie">
-              <a:avLst>
-                <a:gd name="adj1" fmla="val 21275297"/>
-                <a:gd name="adj2" fmla="val 3235191"/>
-              </a:avLst>
-            </a:prstGeom>
-            <a:noFill/>
-            <a:ln>
-              <a:solidFill>
-                <a:schemeClr val="bg1">
-                  <a:lumMod val="65000"/>
-                </a:schemeClr>
-              </a:solidFill>
-            </a:ln>
-          </p:spPr>
-          <p:style>
-            <a:lnRef idx="2">
-              <a:schemeClr val="accent1">
-                <a:shade val="50000"/>
-              </a:schemeClr>
-            </a:lnRef>
-            <a:fillRef idx="1">
-              <a:schemeClr val="accent1"/>
-            </a:fillRef>
-            <a:effectRef idx="0">
-              <a:schemeClr val="accent1"/>
-            </a:effectRef>
-            <a:fontRef idx="minor">
-              <a:schemeClr val="lt1"/>
-            </a:fontRef>
-          </p:style>
-          <p:txBody>
-            <a:bodyPr rtlCol="0" anchor="ctr"/>
-            <a:lstStyle/>
-            <a:p>
-              <a:pPr algn="ctr"/>
-              <a:endParaRPr lang="ko-KR" altLang="en-US">
-                <a:solidFill>
-                  <a:schemeClr val="tx1"/>
-                </a:solidFill>
-              </a:endParaRPr>
-            </a:p>
-          </p:txBody>
-        </p:sp>
-        <p:sp>
-          <p:nvSpPr>
-            <p:cNvPr id="36" name="부분 원형 35">
-              <a:extLst>
-                <a:ext uri="{FF2B5EF4-FFF2-40B4-BE49-F238E27FC236}">
-                  <a16:creationId xmlns:a16="http://schemas.microsoft.com/office/drawing/2014/main" id="{31EC39FF-9401-4EAC-ADE5-8712C8A2CC51}"/>
-                </a:ext>
-              </a:extLst>
-            </p:cNvPr>
-            <p:cNvSpPr/>
-            <p:nvPr/>
-          </p:nvSpPr>
-          <p:spPr>
-            <a:xfrm rot="2113813">
-              <a:off x="5602652" y="2759718"/>
-              <a:ext cx="593272" cy="593272"/>
-            </a:xfrm>
-            <a:prstGeom prst="pie">
-              <a:avLst>
-                <a:gd name="adj1" fmla="val 21275297"/>
-                <a:gd name="adj2" fmla="val 3235191"/>
-              </a:avLst>
-            </a:prstGeom>
-            <a:noFill/>
-            <a:ln>
-              <a:solidFill>
-                <a:schemeClr val="bg1">
-                  <a:lumMod val="65000"/>
-                </a:schemeClr>
-              </a:solidFill>
-            </a:ln>
-          </p:spPr>
-          <p:style>
-            <a:lnRef idx="2">
-              <a:schemeClr val="accent1">
-                <a:shade val="50000"/>
-              </a:schemeClr>
-            </a:lnRef>
-            <a:fillRef idx="1">
-              <a:schemeClr val="accent1"/>
-            </a:fillRef>
-            <a:effectRef idx="0">
-              <a:schemeClr val="accent1"/>
-            </a:effectRef>
-            <a:fontRef idx="minor">
-              <a:schemeClr val="lt1"/>
-            </a:fontRef>
-          </p:style>
-          <p:txBody>
-            <a:bodyPr rtlCol="0" anchor="ctr"/>
-            <a:lstStyle/>
-            <a:p>
-              <a:pPr algn="ctr"/>
-              <a:endParaRPr lang="ko-KR" altLang="en-US">
-                <a:solidFill>
-                  <a:schemeClr val="tx1"/>
-                </a:solidFill>
-              </a:endParaRPr>
-            </a:p>
-          </p:txBody>
-        </p:sp>
         <p:cxnSp>
           <p:nvCxnSpPr>
             <p:cNvPr id="40" name="직선 화살표 연결선 39">
@@ -5069,7 +5076,7 @@
           <p:spPr>
             <a:xfrm flipV="1">
               <a:off x="5901415" y="1583547"/>
-              <a:ext cx="0" cy="2104464"/>
+              <a:ext cx="0" cy="1896788"/>
             </a:xfrm>
             <a:prstGeom prst="straightConnector1">
               <a:avLst/>
@@ -5098,67 +5105,6 @@
             </a:fontRef>
           </p:style>
         </p:cxnSp>
-        <p:sp>
-          <p:nvSpPr>
-            <p:cNvPr id="42" name="부분 원형 41">
-              <a:extLst>
-                <a:ext uri="{FF2B5EF4-FFF2-40B4-BE49-F238E27FC236}">
-                  <a16:creationId xmlns:a16="http://schemas.microsoft.com/office/drawing/2014/main" id="{093E2F0F-47D8-4B61-AFF1-061D18879A2D}"/>
-                </a:ext>
-              </a:extLst>
-            </p:cNvPr>
-            <p:cNvSpPr/>
-            <p:nvPr/>
-          </p:nvSpPr>
-          <p:spPr>
-            <a:xfrm rot="18565574">
-              <a:off x="5639967" y="2774377"/>
-              <a:ext cx="593272" cy="593272"/>
-            </a:xfrm>
-            <a:prstGeom prst="pie">
-              <a:avLst>
-                <a:gd name="adj1" fmla="val 21275297"/>
-                <a:gd name="adj2" fmla="val 4946748"/>
-              </a:avLst>
-            </a:prstGeom>
-            <a:noFill/>
-            <a:ln>
-              <a:solidFill>
-                <a:schemeClr val="bg1">
-                  <a:lumMod val="65000"/>
-                </a:schemeClr>
-              </a:solidFill>
-            </a:ln>
-          </p:spPr>
-          <p:style>
-            <a:lnRef idx="2">
-              <a:schemeClr val="accent1">
-                <a:shade val="50000"/>
-              </a:schemeClr>
-            </a:lnRef>
-            <a:fillRef idx="1">
-              <a:schemeClr val="accent1"/>
-            </a:fillRef>
-            <a:effectRef idx="0">
-              <a:schemeClr val="accent1"/>
-            </a:effectRef>
-            <a:fontRef idx="minor">
-              <a:schemeClr val="lt1"/>
-            </a:fontRef>
-          </p:style>
-          <p:txBody>
-            <a:bodyPr rtlCol="0" anchor="ctr"/>
-            <a:lstStyle/>
-            <a:p>
-              <a:pPr algn="ctr"/>
-              <a:endParaRPr lang="ko-KR" altLang="en-US">
-                <a:solidFill>
-                  <a:schemeClr val="tx1"/>
-                </a:solidFill>
-              </a:endParaRPr>
-            </a:p>
-          </p:txBody>
-        </p:sp>
         <mc:AlternateContent xmlns:mc="http://schemas.openxmlformats.org/markup-compatibility/2006">
           <mc:Choice xmlns:a14="http://schemas.microsoft.com/office/drawing/2010/main" Requires="a14">
             <p:sp>
@@ -5176,7 +5122,7 @@
               <p:spPr>
                 <a:xfrm>
                   <a:off x="6158072" y="2922678"/>
-                  <a:ext cx="475515" cy="369332"/>
+                  <a:ext cx="483209" cy="369332"/>
                 </a:xfrm>
                 <a:prstGeom prst="rect">
                   <a:avLst/>
@@ -5217,7 +5163,7 @@
                               <a:rPr lang="en-US" altLang="ko-KR" b="0" i="1" smtClean="0">
                                 <a:latin typeface="Cambria Math" panose="02040503050406030204" pitchFamily="18" charset="0"/>
                               </a:rPr>
-                              <m:t>2</m:t>
+                              <m:t>𝑏</m:t>
                             </m:r>
                           </m:sub>
                         </m:sSub>
@@ -5247,15 +5193,15 @@
               <p:spPr>
                 <a:xfrm>
                   <a:off x="6158072" y="2922678"/>
-                  <a:ext cx="475515" cy="369332"/>
+                  <a:ext cx="483209" cy="369332"/>
                 </a:xfrm>
                 <a:prstGeom prst="rect">
                   <a:avLst/>
                 </a:prstGeom>
                 <a:blipFill>
-                  <a:blip r:embed="rId6"/>
+                  <a:blip r:embed="rId20"/>
                   <a:stretch>
-                    <a:fillRect b="-1639"/>
+                    <a:fillRect b="-3279"/>
                   </a:stretch>
                 </a:blipFill>
               </p:spPr>
@@ -5290,8 +5236,135 @@
               </p:nvSpPr>
               <p:spPr>
                 <a:xfrm>
-                  <a:off x="5850468" y="3241603"/>
-                  <a:ext cx="490134" cy="369332"/>
+                  <a:off x="5710971" y="3367422"/>
+                  <a:ext cx="919098" cy="369332"/>
+                </a:xfrm>
+                <a:prstGeom prst="rect">
+                  <a:avLst/>
+                </a:prstGeom>
+                <a:noFill/>
+              </p:spPr>
+              <p:txBody>
+                <a:bodyPr wrap="none" rtlCol="0">
+                  <a:spAutoFit/>
+                </a:bodyPr>
+                <a:lstStyle/>
+                <a:p>
+                  <a:pPr/>
+                  <a14:m>
+                    <m:oMathPara xmlns:m="http://schemas.openxmlformats.org/officeDocument/2006/math">
+                      <m:oMathParaPr>
+                        <m:jc m:val="centerGroup"/>
+                      </m:oMathParaPr>
+                      <m:oMath xmlns:m="http://schemas.openxmlformats.org/officeDocument/2006/math">
+                        <m:r>
+                          <a:rPr lang="en-US" altLang="ko-KR" b="0" i="1" smtClean="0">
+                            <a:latin typeface="Cambria Math" panose="02040503050406030204" pitchFamily="18" charset="0"/>
+                          </a:rPr>
+                          <m:t>𝜋</m:t>
+                        </m:r>
+                        <m:r>
+                          <a:rPr lang="en-US" altLang="ko-KR" b="0" i="1" smtClean="0">
+                            <a:latin typeface="Cambria Math" panose="02040503050406030204" pitchFamily="18" charset="0"/>
+                          </a:rPr>
+                          <m:t>−</m:t>
+                        </m:r>
+                        <m:sSub>
+                          <m:sSubPr>
+                            <m:ctrlPr>
+                              <a:rPr lang="en-US" altLang="ko-KR" b="0" i="1" smtClean="0">
+                                <a:latin typeface="Cambria Math" panose="02040503050406030204" pitchFamily="18" charset="0"/>
+                              </a:rPr>
+                            </m:ctrlPr>
+                          </m:sSubPr>
+                          <m:e>
+                            <m:r>
+                              <a:rPr lang="en-US" altLang="ko-KR" b="0" i="1" smtClean="0">
+                                <a:latin typeface="Cambria Math" panose="02040503050406030204" pitchFamily="18" charset="0"/>
+                              </a:rPr>
+                              <m:t>𝜃</m:t>
+                            </m:r>
+                          </m:e>
+                          <m:sub>
+                            <m:r>
+                              <a:rPr lang="en-US" altLang="ko-KR" b="0" i="1" smtClean="0">
+                                <a:latin typeface="Cambria Math" panose="02040503050406030204" pitchFamily="18" charset="0"/>
+                              </a:rPr>
+                              <m:t>𝑎</m:t>
+                            </m:r>
+                          </m:sub>
+                        </m:sSub>
+                      </m:oMath>
+                    </m:oMathPara>
+                  </a14:m>
+                  <a:endParaRPr lang="en-US" altLang="ko-KR" b="0" dirty="0"/>
+                </a:p>
+              </p:txBody>
+            </p:sp>
+          </mc:Choice>
+          <mc:Fallback>
+            <p:sp>
+              <p:nvSpPr>
+                <p:cNvPr id="43" name="TextBox 42">
+                  <a:extLst>
+                    <a:ext uri="{FF2B5EF4-FFF2-40B4-BE49-F238E27FC236}">
+                      <a16:creationId xmlns:a16="http://schemas.microsoft.com/office/drawing/2014/main" id="{DDD18310-45B8-4A94-ABF3-39D91505A1E8}"/>
+                    </a:ext>
+                  </a:extLst>
+                </p:cNvPr>
+                <p:cNvSpPr txBox="1">
+                  <a:spLocks noRot="1" noChangeAspect="1" noMove="1" noResize="1" noEditPoints="1" noAdjustHandles="1" noChangeArrowheads="1" noChangeShapeType="1" noTextEdit="1"/>
+                </p:cNvSpPr>
+                <p:nvPr/>
+              </p:nvSpPr>
+              <p:spPr>
+                <a:xfrm>
+                  <a:off x="5710971" y="3367422"/>
+                  <a:ext cx="919098" cy="369332"/>
+                </a:xfrm>
+                <a:prstGeom prst="rect">
+                  <a:avLst/>
+                </a:prstGeom>
+                <a:blipFill>
+                  <a:blip r:embed="rId21"/>
+                  <a:stretch>
+                    <a:fillRect/>
+                  </a:stretch>
+                </a:blipFill>
+              </p:spPr>
+              <p:txBody>
+                <a:bodyPr/>
+                <a:lstStyle/>
+                <a:p>
+                  <a:r>
+                    <a:rPr lang="ko-KR" altLang="en-US">
+                      <a:noFill/>
+                    </a:rPr>
+                    <a:t> </a:t>
+                  </a:r>
+                </a:p>
+              </p:txBody>
+            </p:sp>
+          </mc:Fallback>
+        </mc:AlternateContent>
+        <mc:AlternateContent xmlns:mc="http://schemas.openxmlformats.org/markup-compatibility/2006">
+          <mc:Choice xmlns:a14="http://schemas.microsoft.com/office/drawing/2010/main" Requires="a14">
+            <p:sp>
+              <p:nvSpPr>
+                <p:cNvPr id="44" name="TextBox 43">
+                  <a:extLst>
+                    <a:ext uri="{FF2B5EF4-FFF2-40B4-BE49-F238E27FC236}">
+                      <a16:creationId xmlns:a16="http://schemas.microsoft.com/office/drawing/2014/main" id="{73AC3BEF-8F6B-4DAF-8059-D8DFCFEDC281}"/>
+                    </a:ext>
+                  </a:extLst>
+                </p:cNvPr>
+                <p:cNvSpPr txBox="1"/>
+                <p:nvPr/>
+              </p:nvSpPr>
+              <p:spPr>
+                <a:xfrm>
+                  <a:off x="6100487" y="2610118"/>
+                  <a:ext cx="503150" cy="369332"/>
                 </a:xfrm>
                 <a:prstGeom prst="rect">
                   <a:avLst/>
@@ -5332,7 +5405,7 @@
                               <a:rPr lang="en-US" altLang="ko-KR" b="0" i="1" smtClean="0">
                                 <a:latin typeface="Cambria Math" panose="02040503050406030204" pitchFamily="18" charset="0"/>
                               </a:rPr>
-                              <m:t>1</m:t>
+                              <m:t>𝑏</m:t>
                             </m:r>
                           </m:sub>
                         </m:sSub>
@@ -5347,10 +5420,10 @@
           <mc:Fallback>
             <p:sp>
               <p:nvSpPr>
-                <p:cNvPr id="43" name="TextBox 42">
+                <p:cNvPr id="44" name="TextBox 43">
                   <a:extLst>
                     <a:ext uri="{FF2B5EF4-FFF2-40B4-BE49-F238E27FC236}">
-                      <a16:creationId xmlns:a16="http://schemas.microsoft.com/office/drawing/2014/main" id="{DDD18310-45B8-4A94-ABF3-39D91505A1E8}"/>
+                      <a16:creationId xmlns:a16="http://schemas.microsoft.com/office/drawing/2014/main" id="{73AC3BEF-8F6B-4DAF-8059-D8DFCFEDC281}"/>
                     </a:ext>
                   </a:extLst>
                 </p:cNvPr>
@@ -5361,16 +5434,16 @@
               </p:nvSpPr>
               <p:spPr>
                 <a:xfrm>
-                  <a:off x="5850468" y="3241603"/>
-                  <a:ext cx="490134" cy="369332"/>
+                  <a:off x="6100487" y="2610118"/>
+                  <a:ext cx="503150" cy="369332"/>
                 </a:xfrm>
                 <a:prstGeom prst="rect">
                   <a:avLst/>
                 </a:prstGeom>
                 <a:blipFill>
-                  <a:blip r:embed="rId7"/>
+                  <a:blip r:embed="rId22"/>
                   <a:stretch>
-                    <a:fillRect b="-3333"/>
+                    <a:fillRect b="-3279"/>
                   </a:stretch>
                 </a:blipFill>
               </p:spPr>
@@ -5393,10 +5466,10 @@
           <mc:Choice xmlns:a14="http://schemas.microsoft.com/office/drawing/2010/main" Requires="a14">
             <p:sp>
               <p:nvSpPr>
-                <p:cNvPr id="44" name="TextBox 43">
+                <p:cNvPr id="45" name="TextBox 44">
                   <a:extLst>
                     <a:ext uri="{FF2B5EF4-FFF2-40B4-BE49-F238E27FC236}">
-                      <a16:creationId xmlns:a16="http://schemas.microsoft.com/office/drawing/2014/main" id="{73AC3BEF-8F6B-4DAF-8059-D8DFCFEDC281}"/>
+                      <a16:creationId xmlns:a16="http://schemas.microsoft.com/office/drawing/2014/main" id="{6B755D66-C0D8-4A9B-9A37-CBD6E8F80632}"/>
                     </a:ext>
                   </a:extLst>
                 </p:cNvPr>
@@ -5405,8 +5478,8 @@
               </p:nvSpPr>
               <p:spPr>
                 <a:xfrm>
-                  <a:off x="6100487" y="2610118"/>
-                  <a:ext cx="495457" cy="369332"/>
+                  <a:off x="3290816" y="908598"/>
+                  <a:ext cx="502189" cy="369332"/>
                 </a:xfrm>
                 <a:prstGeom prst="rect">
                   <a:avLst/>
@@ -5447,7 +5520,7 @@
                               <a:rPr lang="en-US" altLang="ko-KR" b="0" i="1" smtClean="0">
                                 <a:latin typeface="Cambria Math" panose="02040503050406030204" pitchFamily="18" charset="0"/>
                               </a:rPr>
-                              <m:t>2</m:t>
+                              <m:t>𝑎</m:t>
                             </m:r>
                           </m:sub>
                         </m:sSub>
@@ -5462,10 +5535,10 @@
           <mc:Fallback>
             <p:sp>
               <p:nvSpPr>
-                <p:cNvPr id="44" name="TextBox 43">
+                <p:cNvPr id="45" name="TextBox 44">
                   <a:extLst>
                     <a:ext uri="{FF2B5EF4-FFF2-40B4-BE49-F238E27FC236}">
-                      <a16:creationId xmlns:a16="http://schemas.microsoft.com/office/drawing/2014/main" id="{73AC3BEF-8F6B-4DAF-8059-D8DFCFEDC281}"/>
+                      <a16:creationId xmlns:a16="http://schemas.microsoft.com/office/drawing/2014/main" id="{6B755D66-C0D8-4A9B-9A37-CBD6E8F80632}"/>
                     </a:ext>
                   </a:extLst>
                 </p:cNvPr>
@@ -5476,16 +5549,16 @@
               </p:nvSpPr>
               <p:spPr>
                 <a:xfrm>
-                  <a:off x="6100487" y="2610118"/>
-                  <a:ext cx="495457" cy="369332"/>
+                  <a:off x="3290816" y="908598"/>
+                  <a:ext cx="502189" cy="369332"/>
                 </a:xfrm>
                 <a:prstGeom prst="rect">
                   <a:avLst/>
                 </a:prstGeom>
                 <a:blipFill>
-                  <a:blip r:embed="rId8"/>
+                  <a:blip r:embed="rId23"/>
                   <a:stretch>
-                    <a:fillRect b="-1639"/>
+                    <a:fillRect/>
                   </a:stretch>
                 </a:blipFill>
               </p:spPr>
@@ -5508,10 +5581,10 @@
           <mc:Choice xmlns:a14="http://schemas.microsoft.com/office/drawing/2010/main" Requires="a14">
             <p:sp>
               <p:nvSpPr>
-                <p:cNvPr id="45" name="TextBox 44">
+                <p:cNvPr id="48" name="TextBox 47">
                   <a:extLst>
                     <a:ext uri="{FF2B5EF4-FFF2-40B4-BE49-F238E27FC236}">
-                      <a16:creationId xmlns:a16="http://schemas.microsoft.com/office/drawing/2014/main" id="{6B755D66-C0D8-4A9B-9A37-CBD6E8F80632}"/>
+                      <a16:creationId xmlns:a16="http://schemas.microsoft.com/office/drawing/2014/main" id="{CAAA0859-BF04-48F6-95C2-333B3D748468}"/>
                     </a:ext>
                   </a:extLst>
                 </p:cNvPr>
@@ -5520,8 +5593,8 @@
               </p:nvSpPr>
               <p:spPr>
                 <a:xfrm>
-                  <a:off x="4185718" y="1566451"/>
-                  <a:ext cx="490134" cy="369332"/>
+                  <a:off x="5820809" y="2242710"/>
+                  <a:ext cx="509883" cy="369332"/>
                 </a:xfrm>
                 <a:prstGeom prst="rect">
                   <a:avLst/>
@@ -5559,109 +5632,16 @@
                           </m:e>
                           <m:sub>
                             <m:r>
-                              <a:rPr lang="en-US" altLang="ko-KR" b="0" i="1" smtClean="0">
+                              <m:rPr>
+                                <m:sty m:val="p"/>
+                              </m:rPr>
+                              <a:rPr lang="en-US" altLang="ko-KR" b="0" i="0" smtClean="0">
                                 <a:latin typeface="Cambria Math" panose="02040503050406030204" pitchFamily="18" charset="0"/>
                               </a:rPr>
-                              <m:t>1</m:t>
+                              <m:t>Δ</m:t>
                             </m:r>
                           </m:sub>
                         </m:sSub>
-                      </m:oMath>
-                    </m:oMathPara>
-                  </a14:m>
-                  <a:endParaRPr lang="en-US" altLang="ko-KR" b="0" dirty="0"/>
-                </a:p>
-              </p:txBody>
-            </p:sp>
-          </mc:Choice>
-          <mc:Fallback>
-            <p:sp>
-              <p:nvSpPr>
-                <p:cNvPr id="45" name="TextBox 44">
-                  <a:extLst>
-                    <a:ext uri="{FF2B5EF4-FFF2-40B4-BE49-F238E27FC236}">
-                      <a16:creationId xmlns:a16="http://schemas.microsoft.com/office/drawing/2014/main" id="{6B755D66-C0D8-4A9B-9A37-CBD6E8F80632}"/>
-                    </a:ext>
-                  </a:extLst>
-                </p:cNvPr>
-                <p:cNvSpPr txBox="1">
-                  <a:spLocks noRot="1" noChangeAspect="1" noMove="1" noResize="1" noEditPoints="1" noAdjustHandles="1" noChangeArrowheads="1" noChangeShapeType="1" noTextEdit="1"/>
-                </p:cNvSpPr>
-                <p:nvPr/>
-              </p:nvSpPr>
-              <p:spPr>
-                <a:xfrm>
-                  <a:off x="4185718" y="1566451"/>
-                  <a:ext cx="490134" cy="369332"/>
-                </a:xfrm>
-                <a:prstGeom prst="rect">
-                  <a:avLst/>
-                </a:prstGeom>
-                <a:blipFill>
-                  <a:blip r:embed="rId9"/>
-                  <a:stretch>
-                    <a:fillRect b="-1639"/>
-                  </a:stretch>
-                </a:blipFill>
-              </p:spPr>
-              <p:txBody>
-                <a:bodyPr/>
-                <a:lstStyle/>
-                <a:p>
-                  <a:r>
-                    <a:rPr lang="ko-KR" altLang="en-US">
-                      <a:noFill/>
-                    </a:rPr>
-                    <a:t> </a:t>
-                  </a:r>
-                </a:p>
-              </p:txBody>
-            </p:sp>
-          </mc:Fallback>
-        </mc:AlternateContent>
-        <mc:AlternateContent xmlns:mc="http://schemas.openxmlformats.org/markup-compatibility/2006">
-          <mc:Choice xmlns:a14="http://schemas.microsoft.com/office/drawing/2010/main" Requires="a14">
-            <p:sp>
-              <p:nvSpPr>
-                <p:cNvPr id="48" name="TextBox 47">
-                  <a:extLst>
-                    <a:ext uri="{FF2B5EF4-FFF2-40B4-BE49-F238E27FC236}">
-                      <a16:creationId xmlns:a16="http://schemas.microsoft.com/office/drawing/2014/main" id="{CAAA0859-BF04-48F6-95C2-333B3D748468}"/>
-                    </a:ext>
-                  </a:extLst>
-                </p:cNvPr>
-                <p:cNvSpPr txBox="1"/>
-                <p:nvPr/>
-              </p:nvSpPr>
-              <p:spPr>
-                <a:xfrm>
-                  <a:off x="5839859" y="2341770"/>
-                  <a:ext cx="402995" cy="369332"/>
-                </a:xfrm>
-                <a:prstGeom prst="rect">
-                  <a:avLst/>
-                </a:prstGeom>
-                <a:noFill/>
-              </p:spPr>
-              <p:txBody>
-                <a:bodyPr wrap="none" rtlCol="0">
-                  <a:spAutoFit/>
-                </a:bodyPr>
-                <a:lstStyle/>
-                <a:p>
-                  <a:pPr/>
-                  <a14:m>
-                    <m:oMathPara xmlns:m="http://schemas.openxmlformats.org/officeDocument/2006/math">
-                      <m:oMathParaPr>
-                        <m:jc m:val="centerGroup"/>
-                      </m:oMathParaPr>
-                      <m:oMath xmlns:m="http://schemas.openxmlformats.org/officeDocument/2006/math">
-                        <m:r>
-                          <a:rPr lang="en-US" altLang="ko-KR" b="0" i="1" smtClean="0">
-                            <a:latin typeface="Cambria Math" panose="02040503050406030204" pitchFamily="18" charset="0"/>
-                          </a:rPr>
-                          <m:t>𝜃</m:t>
-                        </m:r>
                       </m:oMath>
                     </m:oMathPara>
                   </a14:m>
@@ -5687,16 +5667,16 @@
               </p:nvSpPr>
               <p:spPr>
                 <a:xfrm>
-                  <a:off x="5839859" y="2341770"/>
-                  <a:ext cx="402995" cy="369332"/>
+                  <a:off x="5820809" y="2242710"/>
+                  <a:ext cx="509883" cy="369332"/>
                 </a:xfrm>
                 <a:prstGeom prst="rect">
                   <a:avLst/>
                 </a:prstGeom>
                 <a:blipFill>
-                  <a:blip r:embed="rId10"/>
+                  <a:blip r:embed="rId24"/>
                   <a:stretch>
-                    <a:fillRect/>
+                    <a:fillRect b="-3333"/>
                   </a:stretch>
                 </a:blipFill>
               </p:spPr>
@@ -5851,7 +5831,7 @@
                   <a:avLst/>
                 </a:prstGeom>
                 <a:blipFill>
-                  <a:blip r:embed="rId11"/>
+                  <a:blip r:embed="rId25"/>
                   <a:stretch>
                     <a:fillRect/>
                   </a:stretch>
@@ -5889,7 +5869,7 @@
               <p:spPr>
                 <a:xfrm>
                   <a:off x="3406353" y="3237002"/>
-                  <a:ext cx="1034257" cy="369332"/>
+                  <a:ext cx="1051698" cy="369332"/>
                 </a:xfrm>
                 <a:prstGeom prst="rect">
                   <a:avLst/>
@@ -5936,7 +5916,7 @@
                               <a:rPr lang="en-US" altLang="ko-KR" b="0" i="1" smtClean="0">
                                 <a:latin typeface="Cambria Math" panose="02040503050406030204" pitchFamily="18" charset="0"/>
                               </a:rPr>
-                              <m:t>1</m:t>
+                              <m:t>𝑎</m:t>
                             </m:r>
                           </m:sub>
                         </m:sSub>
@@ -5966,15 +5946,15 @@
               <p:spPr>
                 <a:xfrm>
                   <a:off x="3406353" y="3237002"/>
-                  <a:ext cx="1034257" cy="369332"/>
+                  <a:ext cx="1051698" cy="369332"/>
                 </a:xfrm>
                 <a:prstGeom prst="rect">
                   <a:avLst/>
                 </a:prstGeom>
                 <a:blipFill>
-                  <a:blip r:embed="rId12"/>
+                  <a:blip r:embed="rId26"/>
                   <a:stretch>
-                    <a:fillRect b="-1639"/>
+                    <a:fillRect/>
                   </a:stretch>
                 </a:blipFill>
               </p:spPr>
@@ -6009,8 +5989,8 @@
               </p:nvSpPr>
               <p:spPr>
                 <a:xfrm>
-                  <a:off x="6395829" y="1256502"/>
-                  <a:ext cx="1039579" cy="369332"/>
+                  <a:off x="7069704" y="1561235"/>
+                  <a:ext cx="1047273" cy="369332"/>
                 </a:xfrm>
                 <a:prstGeom prst="rect">
                   <a:avLst/>
@@ -6057,7 +6037,7 @@
                               <a:rPr lang="en-US" altLang="ko-KR" b="0" i="1" smtClean="0">
                                 <a:latin typeface="Cambria Math" panose="02040503050406030204" pitchFamily="18" charset="0"/>
                               </a:rPr>
-                              <m:t>2</m:t>
+                              <m:t>𝑏</m:t>
                             </m:r>
                           </m:sub>
                         </m:sSub>
@@ -6086,16 +6066,16 @@
               </p:nvSpPr>
               <p:spPr>
                 <a:xfrm>
-                  <a:off x="6395829" y="1256502"/>
-                  <a:ext cx="1039579" cy="369332"/>
+                  <a:off x="7069704" y="1561235"/>
+                  <a:ext cx="1047273" cy="369332"/>
                 </a:xfrm>
                 <a:prstGeom prst="rect">
                   <a:avLst/>
                 </a:prstGeom>
                 <a:blipFill>
-                  <a:blip r:embed="rId13"/>
+                  <a:blip r:embed="rId27"/>
                   <a:stretch>
-                    <a:fillRect b="-1639"/>
+                    <a:fillRect b="-3279"/>
                   </a:stretch>
                 </a:blipFill>
               </p:spPr>
@@ -6165,6 +6145,554 @@
             </a:p>
           </p:txBody>
         </p:sp>
+        <mc:AlternateContent xmlns:mc="http://schemas.openxmlformats.org/markup-compatibility/2006">
+          <mc:Choice xmlns:a14="http://schemas.microsoft.com/office/drawing/2010/main" Requires="a14">
+            <p:sp>
+              <p:nvSpPr>
+                <p:cNvPr id="39" name="TextBox 38">
+                  <a:extLst>
+                    <a:ext uri="{FF2B5EF4-FFF2-40B4-BE49-F238E27FC236}">
+                      <a16:creationId xmlns:a16="http://schemas.microsoft.com/office/drawing/2014/main" id="{F6615C72-BF67-4128-AE93-35D694CBD536}"/>
+                    </a:ext>
+                  </a:extLst>
+                </p:cNvPr>
+                <p:cNvSpPr txBox="1"/>
+                <p:nvPr/>
+              </p:nvSpPr>
+              <p:spPr>
+                <a:xfrm>
+                  <a:off x="6438210" y="1298249"/>
+                  <a:ext cx="497572" cy="369332"/>
+                </a:xfrm>
+                <a:prstGeom prst="rect">
+                  <a:avLst/>
+                </a:prstGeom>
+                <a:noFill/>
+              </p:spPr>
+              <p:txBody>
+                <a:bodyPr wrap="none" rtlCol="0">
+                  <a:spAutoFit/>
+                </a:bodyPr>
+                <a:lstStyle/>
+                <a:p>
+                  <a:pPr/>
+                  <a14:m>
+                    <m:oMathPara xmlns:m="http://schemas.openxmlformats.org/officeDocument/2006/math">
+                      <m:oMathParaPr>
+                        <m:jc m:val="centerGroup"/>
+                      </m:oMathParaPr>
+                      <m:oMath xmlns:m="http://schemas.openxmlformats.org/officeDocument/2006/math">
+                        <m:sSub>
+                          <m:sSubPr>
+                            <m:ctrlPr>
+                              <a:rPr lang="en-US" altLang="ko-KR" b="0" i="1" smtClean="0">
+                                <a:latin typeface="Cambria Math" panose="02040503050406030204" pitchFamily="18" charset="0"/>
+                              </a:rPr>
+                            </m:ctrlPr>
+                          </m:sSubPr>
+                          <m:e>
+                            <m:r>
+                              <a:rPr lang="en-US" altLang="ko-KR" b="0" i="1" smtClean="0">
+                                <a:latin typeface="Cambria Math" panose="02040503050406030204" pitchFamily="18" charset="0"/>
+                              </a:rPr>
+                              <m:t>𝑜</m:t>
+                            </m:r>
+                          </m:e>
+                          <m:sub>
+                            <m:r>
+                              <a:rPr lang="en-US" altLang="ko-KR" b="0" i="1" smtClean="0">
+                                <a:latin typeface="Cambria Math" panose="02040503050406030204" pitchFamily="18" charset="0"/>
+                              </a:rPr>
+                              <m:t>𝑏</m:t>
+                            </m:r>
+                          </m:sub>
+                        </m:sSub>
+                      </m:oMath>
+                    </m:oMathPara>
+                  </a14:m>
+                  <a:endParaRPr lang="en-US" altLang="ko-KR" b="0" dirty="0"/>
+                </a:p>
+              </p:txBody>
+            </p:sp>
+          </mc:Choice>
+          <mc:Fallback>
+            <p:sp>
+              <p:nvSpPr>
+                <p:cNvPr id="39" name="TextBox 38">
+                  <a:extLst>
+                    <a:ext uri="{FF2B5EF4-FFF2-40B4-BE49-F238E27FC236}">
+                      <a16:creationId xmlns:a16="http://schemas.microsoft.com/office/drawing/2014/main" id="{F6615C72-BF67-4128-AE93-35D694CBD536}"/>
+                    </a:ext>
+                  </a:extLst>
+                </p:cNvPr>
+                <p:cNvSpPr txBox="1">
+                  <a:spLocks noRot="1" noChangeAspect="1" noMove="1" noResize="1" noEditPoints="1" noAdjustHandles="1" noChangeArrowheads="1" noChangeShapeType="1" noTextEdit="1"/>
+                </p:cNvSpPr>
+                <p:nvPr/>
+              </p:nvSpPr>
+              <p:spPr>
+                <a:xfrm>
+                  <a:off x="6438210" y="1298249"/>
+                  <a:ext cx="497572" cy="369332"/>
+                </a:xfrm>
+                <a:prstGeom prst="rect">
+                  <a:avLst/>
+                </a:prstGeom>
+                <a:blipFill>
+                  <a:blip r:embed="rId28"/>
+                  <a:stretch>
+                    <a:fillRect b="-1639"/>
+                  </a:stretch>
+                </a:blipFill>
+              </p:spPr>
+              <p:txBody>
+                <a:bodyPr/>
+                <a:lstStyle/>
+                <a:p>
+                  <a:r>
+                    <a:rPr lang="ko-KR" altLang="en-US">
+                      <a:noFill/>
+                    </a:rPr>
+                    <a:t> </a:t>
+                  </a:r>
+                </a:p>
+              </p:txBody>
+            </p:sp>
+          </mc:Fallback>
+        </mc:AlternateContent>
+        <mc:AlternateContent xmlns:mc="http://schemas.openxmlformats.org/markup-compatibility/2006">
+          <mc:Choice xmlns:a14="http://schemas.microsoft.com/office/drawing/2010/main" Requires="a14">
+            <p:sp>
+              <p:nvSpPr>
+                <p:cNvPr id="41" name="TextBox 40">
+                  <a:extLst>
+                    <a:ext uri="{FF2B5EF4-FFF2-40B4-BE49-F238E27FC236}">
+                      <a16:creationId xmlns:a16="http://schemas.microsoft.com/office/drawing/2014/main" id="{2716FF8B-BBF6-43AC-9359-4E3BA5D67489}"/>
+                    </a:ext>
+                  </a:extLst>
+                </p:cNvPr>
+                <p:cNvSpPr txBox="1"/>
+                <p:nvPr/>
+              </p:nvSpPr>
+              <p:spPr>
+                <a:xfrm>
+                  <a:off x="3018674" y="452690"/>
+                  <a:ext cx="500265" cy="369332"/>
+                </a:xfrm>
+                <a:prstGeom prst="rect">
+                  <a:avLst/>
+                </a:prstGeom>
+                <a:noFill/>
+              </p:spPr>
+              <p:txBody>
+                <a:bodyPr wrap="none" rtlCol="0">
+                  <a:spAutoFit/>
+                </a:bodyPr>
+                <a:lstStyle/>
+                <a:p>
+                  <a:pPr/>
+                  <a14:m>
+                    <m:oMathPara xmlns:m="http://schemas.openxmlformats.org/officeDocument/2006/math">
+                      <m:oMathParaPr>
+                        <m:jc m:val="centerGroup"/>
+                      </m:oMathParaPr>
+                      <m:oMath xmlns:m="http://schemas.openxmlformats.org/officeDocument/2006/math">
+                        <m:sSub>
+                          <m:sSubPr>
+                            <m:ctrlPr>
+                              <a:rPr lang="en-US" altLang="ko-KR" b="0" i="1" smtClean="0">
+                                <a:latin typeface="Cambria Math" panose="02040503050406030204" pitchFamily="18" charset="0"/>
+                              </a:rPr>
+                            </m:ctrlPr>
+                          </m:sSubPr>
+                          <m:e>
+                            <m:r>
+                              <a:rPr lang="en-US" altLang="ko-KR" b="0" i="1" smtClean="0">
+                                <a:latin typeface="Cambria Math" panose="02040503050406030204" pitchFamily="18" charset="0"/>
+                              </a:rPr>
+                              <m:t>𝑜</m:t>
+                            </m:r>
+                          </m:e>
+                          <m:sub>
+                            <m:r>
+                              <a:rPr lang="en-US" altLang="ko-KR" b="0" i="1" smtClean="0">
+                                <a:latin typeface="Cambria Math" panose="02040503050406030204" pitchFamily="18" charset="0"/>
+                              </a:rPr>
+                              <m:t>𝑎</m:t>
+                            </m:r>
+                          </m:sub>
+                        </m:sSub>
+                      </m:oMath>
+                    </m:oMathPara>
+                  </a14:m>
+                  <a:endParaRPr lang="en-US" altLang="ko-KR" b="0" dirty="0"/>
+                </a:p>
+              </p:txBody>
+            </p:sp>
+          </mc:Choice>
+          <mc:Fallback>
+            <p:sp>
+              <p:nvSpPr>
+                <p:cNvPr id="41" name="TextBox 40">
+                  <a:extLst>
+                    <a:ext uri="{FF2B5EF4-FFF2-40B4-BE49-F238E27FC236}">
+                      <a16:creationId xmlns:a16="http://schemas.microsoft.com/office/drawing/2014/main" id="{2716FF8B-BBF6-43AC-9359-4E3BA5D67489}"/>
+                    </a:ext>
+                  </a:extLst>
+                </p:cNvPr>
+                <p:cNvSpPr txBox="1">
+                  <a:spLocks noRot="1" noChangeAspect="1" noMove="1" noResize="1" noEditPoints="1" noAdjustHandles="1" noChangeArrowheads="1" noChangeShapeType="1" noTextEdit="1"/>
+                </p:cNvSpPr>
+                <p:nvPr/>
+              </p:nvSpPr>
+              <p:spPr>
+                <a:xfrm>
+                  <a:off x="3018674" y="452690"/>
+                  <a:ext cx="500265" cy="369332"/>
+                </a:xfrm>
+                <a:prstGeom prst="rect">
+                  <a:avLst/>
+                </a:prstGeom>
+                <a:blipFill>
+                  <a:blip r:embed="rId29"/>
+                  <a:stretch>
+                    <a:fillRect/>
+                  </a:stretch>
+                </a:blipFill>
+              </p:spPr>
+              <p:txBody>
+                <a:bodyPr/>
+                <a:lstStyle/>
+                <a:p>
+                  <a:r>
+                    <a:rPr lang="ko-KR" altLang="en-US">
+                      <a:noFill/>
+                    </a:rPr>
+                    <a:t> </a:t>
+                  </a:r>
+                </a:p>
+              </p:txBody>
+            </p:sp>
+          </mc:Fallback>
+        </mc:AlternateContent>
+        <p:cxnSp>
+          <p:nvCxnSpPr>
+            <p:cNvPr id="46" name="직선 연결선 45">
+              <a:extLst>
+                <a:ext uri="{FF2B5EF4-FFF2-40B4-BE49-F238E27FC236}">
+                  <a16:creationId xmlns:a16="http://schemas.microsoft.com/office/drawing/2014/main" id="{6F1D993C-0C9F-47E3-A883-0AF99C5124B8}"/>
+                </a:ext>
+              </a:extLst>
+            </p:cNvPr>
+            <p:cNvCxnSpPr>
+              <a:cxnSpLocks/>
+            </p:cNvCxnSpPr>
+            <p:nvPr/>
+          </p:nvCxnSpPr>
+          <p:spPr>
+            <a:xfrm>
+              <a:off x="3180827" y="1229751"/>
+              <a:ext cx="1915219" cy="1279361"/>
+            </a:xfrm>
+            <a:prstGeom prst="line">
+              <a:avLst/>
+            </a:prstGeom>
+            <a:ln w="38100">
+              <a:solidFill>
+                <a:schemeClr val="bg1">
+                  <a:lumMod val="65000"/>
+                </a:schemeClr>
+              </a:solidFill>
+              <a:prstDash val="sysDot"/>
+            </a:ln>
+          </p:spPr>
+          <p:style>
+            <a:lnRef idx="1">
+              <a:schemeClr val="accent1"/>
+            </a:lnRef>
+            <a:fillRef idx="0">
+              <a:schemeClr val="accent1"/>
+            </a:fillRef>
+            <a:effectRef idx="0">
+              <a:schemeClr val="accent1"/>
+            </a:effectRef>
+            <a:fontRef idx="minor">
+              <a:schemeClr val="tx1"/>
+            </a:fontRef>
+          </p:style>
+        </p:cxnSp>
+        <p:sp>
+          <p:nvSpPr>
+            <p:cNvPr id="12" name="타원 11">
+              <a:extLst>
+                <a:ext uri="{FF2B5EF4-FFF2-40B4-BE49-F238E27FC236}">
+                  <a16:creationId xmlns:a16="http://schemas.microsoft.com/office/drawing/2014/main" id="{375F9B9A-FE06-4316-AAE5-64DF6AC110B1}"/>
+                </a:ext>
+              </a:extLst>
+            </p:cNvPr>
+            <p:cNvSpPr/>
+            <p:nvPr/>
+          </p:nvSpPr>
+          <p:spPr>
+            <a:xfrm>
+              <a:off x="6802120" y="1676400"/>
+              <a:ext cx="115947" cy="115947"/>
+            </a:xfrm>
+            <a:prstGeom prst="ellipse">
+              <a:avLst/>
+            </a:prstGeom>
+            <a:solidFill>
+              <a:schemeClr val="tx1">
+                <a:lumMod val="50000"/>
+                <a:lumOff val="50000"/>
+              </a:schemeClr>
+            </a:solidFill>
+            <a:ln>
+              <a:noFill/>
+            </a:ln>
+          </p:spPr>
+          <p:style>
+            <a:lnRef idx="2">
+              <a:schemeClr val="accent1">
+                <a:shade val="50000"/>
+              </a:schemeClr>
+            </a:lnRef>
+            <a:fillRef idx="1">
+              <a:schemeClr val="accent1"/>
+            </a:fillRef>
+            <a:effectRef idx="0">
+              <a:schemeClr val="accent1"/>
+            </a:effectRef>
+            <a:fontRef idx="minor">
+              <a:schemeClr val="lt1"/>
+            </a:fontRef>
+          </p:style>
+          <p:txBody>
+            <a:bodyPr rtlCol="0" anchor="ctr"/>
+            <a:lstStyle/>
+            <a:p>
+              <a:pPr algn="ctr"/>
+              <a:endParaRPr lang="ko-KR" altLang="en-US"/>
+            </a:p>
+          </p:txBody>
+        </p:sp>
+        <p:sp>
+          <p:nvSpPr>
+            <p:cNvPr id="38" name="타원 37">
+              <a:extLst>
+                <a:ext uri="{FF2B5EF4-FFF2-40B4-BE49-F238E27FC236}">
+                  <a16:creationId xmlns:a16="http://schemas.microsoft.com/office/drawing/2014/main" id="{02C44494-4895-476E-9C5D-6F048CCFCFED}"/>
+                </a:ext>
+              </a:extLst>
+            </p:cNvPr>
+            <p:cNvSpPr/>
+            <p:nvPr/>
+          </p:nvSpPr>
+          <p:spPr>
+            <a:xfrm>
+              <a:off x="3213339" y="836771"/>
+              <a:ext cx="115947" cy="115947"/>
+            </a:xfrm>
+            <a:prstGeom prst="ellipse">
+              <a:avLst/>
+            </a:prstGeom>
+            <a:solidFill>
+              <a:schemeClr val="tx1">
+                <a:lumMod val="50000"/>
+                <a:lumOff val="50000"/>
+              </a:schemeClr>
+            </a:solidFill>
+            <a:ln>
+              <a:noFill/>
+            </a:ln>
+          </p:spPr>
+          <p:style>
+            <a:lnRef idx="2">
+              <a:schemeClr val="accent1">
+                <a:shade val="50000"/>
+              </a:schemeClr>
+            </a:lnRef>
+            <a:fillRef idx="1">
+              <a:schemeClr val="accent1"/>
+            </a:fillRef>
+            <a:effectRef idx="0">
+              <a:schemeClr val="accent1"/>
+            </a:effectRef>
+            <a:fontRef idx="minor">
+              <a:schemeClr val="lt1"/>
+            </a:fontRef>
+          </p:style>
+          <p:txBody>
+            <a:bodyPr rtlCol="0" anchor="ctr"/>
+            <a:lstStyle/>
+            <a:p>
+              <a:pPr algn="ctr"/>
+              <a:endParaRPr lang="ko-KR" altLang="en-US"/>
+            </a:p>
+          </p:txBody>
+        </p:sp>
+        <p:sp>
+          <p:nvSpPr>
+            <p:cNvPr id="87" name="원호 86">
+              <a:extLst>
+                <a:ext uri="{FF2B5EF4-FFF2-40B4-BE49-F238E27FC236}">
+                  <a16:creationId xmlns:a16="http://schemas.microsoft.com/office/drawing/2014/main" id="{C97B9A11-50C9-4C3F-B451-F6F1E7954507}"/>
+                </a:ext>
+              </a:extLst>
+            </p:cNvPr>
+            <p:cNvSpPr/>
+            <p:nvPr/>
+          </p:nvSpPr>
+          <p:spPr>
+            <a:xfrm>
+              <a:off x="3056884" y="1080666"/>
+              <a:ext cx="378986" cy="378986"/>
+            </a:xfrm>
+            <a:prstGeom prst="arc">
+              <a:avLst>
+                <a:gd name="adj1" fmla="val 16200000"/>
+                <a:gd name="adj2" fmla="val 2099619"/>
+              </a:avLst>
+            </a:prstGeom>
+            <a:ln w="12700">
+              <a:solidFill>
+                <a:schemeClr val="bg1">
+                  <a:lumMod val="65000"/>
+                </a:schemeClr>
+              </a:solidFill>
+            </a:ln>
+          </p:spPr>
+          <p:style>
+            <a:lnRef idx="1">
+              <a:schemeClr val="accent1"/>
+            </a:lnRef>
+            <a:fillRef idx="0">
+              <a:schemeClr val="accent1"/>
+            </a:fillRef>
+            <a:effectRef idx="0">
+              <a:schemeClr val="accent1"/>
+            </a:effectRef>
+            <a:fontRef idx="minor">
+              <a:schemeClr val="tx1"/>
+            </a:fontRef>
+          </p:style>
+          <p:txBody>
+            <a:bodyPr rtlCol="0" anchor="ctr"/>
+            <a:lstStyle/>
+            <a:p>
+              <a:pPr algn="ctr"/>
+              <a:endParaRPr lang="ko-KR" altLang="en-US"/>
+            </a:p>
+          </p:txBody>
+        </p:sp>
+        <p:sp>
+          <p:nvSpPr>
+            <p:cNvPr id="88" name="원호 87">
+              <a:extLst>
+                <a:ext uri="{FF2B5EF4-FFF2-40B4-BE49-F238E27FC236}">
+                  <a16:creationId xmlns:a16="http://schemas.microsoft.com/office/drawing/2014/main" id="{9C7240AA-4C85-4051-B148-DD169A199DFE}"/>
+                </a:ext>
+              </a:extLst>
+            </p:cNvPr>
+            <p:cNvSpPr/>
+            <p:nvPr/>
+          </p:nvSpPr>
+          <p:spPr>
+            <a:xfrm rot="10800000">
+              <a:off x="5497378" y="2627176"/>
+              <a:ext cx="824228" cy="824228"/>
+            </a:xfrm>
+            <a:prstGeom prst="arc">
+              <a:avLst>
+                <a:gd name="adj1" fmla="val 13063511"/>
+                <a:gd name="adj2" fmla="val 16231480"/>
+              </a:avLst>
+            </a:prstGeom>
+            <a:ln w="12700">
+              <a:solidFill>
+                <a:schemeClr val="bg1">
+                  <a:lumMod val="65000"/>
+                </a:schemeClr>
+              </a:solidFill>
+            </a:ln>
+          </p:spPr>
+          <p:style>
+            <a:lnRef idx="1">
+              <a:schemeClr val="accent1"/>
+            </a:lnRef>
+            <a:fillRef idx="0">
+              <a:schemeClr val="accent1"/>
+            </a:fillRef>
+            <a:effectRef idx="0">
+              <a:schemeClr val="accent1"/>
+            </a:effectRef>
+            <a:fontRef idx="minor">
+              <a:schemeClr val="tx1"/>
+            </a:fontRef>
+          </p:style>
+          <p:txBody>
+            <a:bodyPr rtlCol="0" anchor="ctr"/>
+            <a:lstStyle/>
+            <a:p>
+              <a:pPr algn="ctr"/>
+              <a:endParaRPr lang="ko-KR" altLang="en-US"/>
+            </a:p>
+          </p:txBody>
+        </p:sp>
+        <p:sp>
+          <p:nvSpPr>
+            <p:cNvPr id="90" name="원호 89">
+              <a:extLst>
+                <a:ext uri="{FF2B5EF4-FFF2-40B4-BE49-F238E27FC236}">
+                  <a16:creationId xmlns:a16="http://schemas.microsoft.com/office/drawing/2014/main" id="{81776198-640A-4A65-B337-011AB9CB195A}"/>
+                </a:ext>
+              </a:extLst>
+            </p:cNvPr>
+            <p:cNvSpPr/>
+            <p:nvPr/>
+          </p:nvSpPr>
+          <p:spPr>
+            <a:xfrm rot="10800000">
+              <a:off x="5634488" y="2765506"/>
+              <a:ext cx="547566" cy="547566"/>
+            </a:xfrm>
+            <a:prstGeom prst="arc">
+              <a:avLst>
+                <a:gd name="adj1" fmla="val 7732106"/>
+                <a:gd name="adj2" fmla="val 12938017"/>
+              </a:avLst>
+            </a:prstGeom>
+            <a:ln w="12700">
+              <a:solidFill>
+                <a:schemeClr val="bg1">
+                  <a:lumMod val="65000"/>
+                </a:schemeClr>
+              </a:solidFill>
+            </a:ln>
+          </p:spPr>
+          <p:style>
+            <a:lnRef idx="1">
+              <a:schemeClr val="accent1"/>
+            </a:lnRef>
+            <a:fillRef idx="0">
+              <a:schemeClr val="accent1"/>
+            </a:fillRef>
+            <a:effectRef idx="0">
+              <a:schemeClr val="accent1"/>
+            </a:effectRef>
+            <a:fontRef idx="minor">
+              <a:schemeClr val="tx1"/>
+            </a:fontRef>
+          </p:style>
+          <p:txBody>
+            <a:bodyPr rtlCol="0" anchor="ctr"/>
+            <a:lstStyle/>
+            <a:p>
+              <a:pPr algn="ctr"/>
+              <a:endParaRPr lang="ko-KR" altLang="en-US"/>
+            </a:p>
+          </p:txBody>
+        </p:sp>
       </p:grpSp>
     </p:spTree>
     <p:extLst>
@@ -6196,8 +6724,8 @@
           <a:chExt cx="0" cy="0"/>
         </a:xfrm>
       </p:grpSpPr>
-      <mc:AlternateContent xmlns:mc="http://schemas.openxmlformats.org/markup-compatibility/2006">
-        <mc:Choice xmlns:a14="http://schemas.microsoft.com/office/drawing/2010/main" Requires="a14">
+      <mc:AlternateContent xmlns:mc="http://schemas.openxmlformats.org/markup-compatibility/2006" xmlns:a14="http://schemas.microsoft.com/office/drawing/2010/main">
+        <mc:Choice Requires="a14">
           <p:sp>
             <p:nvSpPr>
               <p:cNvPr id="51" name="TextBox 50">
@@ -6766,7 +7294,7 @@
             </p:txBody>
           </p:sp>
         </mc:Choice>
-        <mc:Fallback>
+        <mc:Fallback xmlns="">
           <p:sp>
             <p:nvSpPr>
               <p:cNvPr id="51" name="TextBox 50">
@@ -7386,8 +7914,8 @@
           </p:sp>
         </mc:Fallback>
       </mc:AlternateContent>
-      <mc:AlternateContent xmlns:mc="http://schemas.openxmlformats.org/markup-compatibility/2006">
-        <mc:Choice xmlns:a14="http://schemas.microsoft.com/office/drawing/2010/main" Requires="a14">
+      <mc:AlternateContent xmlns:mc="http://schemas.openxmlformats.org/markup-compatibility/2006" xmlns:a14="http://schemas.microsoft.com/office/drawing/2010/main">
+        <mc:Choice Requires="a14">
           <p:sp>
             <p:nvSpPr>
               <p:cNvPr id="2" name="직사각형 1">
@@ -7402,8 +7930,8 @@
             </p:nvSpPr>
             <p:spPr>
               <a:xfrm>
-                <a:off x="1779466" y="4595473"/>
-                <a:ext cx="4015586" cy="923330"/>
+                <a:off x="1836249" y="5605093"/>
+                <a:ext cx="4015586" cy="646331"/>
               </a:xfrm>
               <a:prstGeom prst="rect">
                 <a:avLst/>
@@ -7738,127 +8266,10 @@
                 </a14:m>
                 <a:endParaRPr lang="en-US" altLang="ko-KR" dirty="0"/>
               </a:p>
-              <a:p>
-                <a:pPr/>
-                <a14:m>
-                  <m:oMathPara xmlns:m="http://schemas.openxmlformats.org/officeDocument/2006/math">
-                    <m:oMathParaPr>
-                      <m:jc m:val="left"/>
-                    </m:oMathParaPr>
-                    <m:oMath xmlns:m="http://schemas.openxmlformats.org/officeDocument/2006/math">
-                      <m:sSub>
-                        <m:sSubPr>
-                          <m:ctrlPr>
-                            <a:rPr lang="en-US" altLang="ko-KR" i="1">
-                              <a:latin typeface="Cambria Math" panose="02040503050406030204" pitchFamily="18" charset="0"/>
-                            </a:rPr>
-                          </m:ctrlPr>
-                        </m:sSubPr>
-                        <m:e>
-                          <m:r>
-                            <a:rPr lang="en-US" altLang="ko-KR" i="1">
-                              <a:latin typeface="Cambria Math" panose="02040503050406030204" pitchFamily="18" charset="0"/>
-                            </a:rPr>
-                            <m:t>𝑣</m:t>
-                          </m:r>
-                        </m:e>
-                        <m:sub>
-                          <m:r>
-                            <a:rPr lang="en-US" altLang="ko-KR" i="1">
-                              <a:latin typeface="Cambria Math" panose="02040503050406030204" pitchFamily="18" charset="0"/>
-                            </a:rPr>
-                            <m:t>3</m:t>
-                          </m:r>
-                        </m:sub>
-                      </m:sSub>
-                      <m:r>
-                        <a:rPr lang="en-US" altLang="ko-KR" i="1">
-                          <a:latin typeface="Cambria Math" panose="02040503050406030204" pitchFamily="18" charset="0"/>
-                        </a:rPr>
-                        <m:t>,</m:t>
-                      </m:r>
-                      <m:sSub>
-                        <m:sSubPr>
-                          <m:ctrlPr>
-                            <a:rPr lang="en-US" altLang="ko-KR" i="1">
-                              <a:latin typeface="Cambria Math" panose="02040503050406030204" pitchFamily="18" charset="0"/>
-                            </a:rPr>
-                          </m:ctrlPr>
-                        </m:sSubPr>
-                        <m:e>
-                          <m:r>
-                            <a:rPr lang="en-US" altLang="ko-KR" i="1">
-                              <a:latin typeface="Cambria Math" panose="02040503050406030204" pitchFamily="18" charset="0"/>
-                            </a:rPr>
-                            <m:t>𝑣</m:t>
-                          </m:r>
-                        </m:e>
-                        <m:sub>
-                          <m:r>
-                            <a:rPr lang="en-US" altLang="ko-KR" i="1">
-                              <a:latin typeface="Cambria Math" panose="02040503050406030204" pitchFamily="18" charset="0"/>
-                            </a:rPr>
-                            <m:t>4</m:t>
-                          </m:r>
-                        </m:sub>
-                      </m:sSub>
-                      <m:r>
-                        <a:rPr lang="en-US" altLang="ko-KR" i="1">
-                          <a:latin typeface="Cambria Math" panose="02040503050406030204" pitchFamily="18" charset="0"/>
-                        </a:rPr>
-                        <m:t>:</m:t>
-                      </m:r>
-                      <m:r>
-                        <a:rPr lang="en-US" altLang="ko-KR" i="1">
-                          <a:latin typeface="Cambria Math" panose="02040503050406030204" pitchFamily="18" charset="0"/>
-                        </a:rPr>
-                        <m:t>𝑣𝑒𝑐𝑡𝑜𝑟𝑠</m:t>
-                      </m:r>
-                      <m:r>
-                        <a:rPr lang="en-US" altLang="ko-KR" i="1">
-                          <a:latin typeface="Cambria Math" panose="02040503050406030204" pitchFamily="18" charset="0"/>
-                        </a:rPr>
-                        <m:t> </m:t>
-                      </m:r>
-                      <m:r>
-                        <a:rPr lang="en-US" altLang="ko-KR" i="1">
-                          <a:latin typeface="Cambria Math" panose="02040503050406030204" pitchFamily="18" charset="0"/>
-                        </a:rPr>
-                        <m:t>𝑟𝑜𝑡𝑎𝑡𝑒𝑑</m:t>
-                      </m:r>
-                      <m:r>
-                        <a:rPr lang="en-US" altLang="ko-KR" i="1">
-                          <a:latin typeface="Cambria Math" panose="02040503050406030204" pitchFamily="18" charset="0"/>
-                        </a:rPr>
-                        <m:t> </m:t>
-                      </m:r>
-                      <m:r>
-                        <a:rPr lang="en-US" altLang="ko-KR" i="1">
-                          <a:latin typeface="Cambria Math" panose="02040503050406030204" pitchFamily="18" charset="0"/>
-                        </a:rPr>
-                        <m:t>𝑏𝑦</m:t>
-                      </m:r>
-                      <m:r>
-                        <a:rPr lang="en-US" altLang="ko-KR" i="1">
-                          <a:latin typeface="Cambria Math" panose="02040503050406030204" pitchFamily="18" charset="0"/>
-                        </a:rPr>
-                        <m:t> </m:t>
-                      </m:r>
-                      <m:r>
-                        <a:rPr lang="en-US" altLang="ko-KR" i="1">
-                          <a:latin typeface="Cambria Math" panose="02040503050406030204" pitchFamily="18" charset="0"/>
-                        </a:rPr>
-                        <m:t>𝜃</m:t>
-                      </m:r>
-                    </m:oMath>
-                  </m:oMathPara>
-                </a14:m>
-                <a:endParaRPr lang="en-US" altLang="ko-KR" dirty="0"/>
-              </a:p>
             </p:txBody>
           </p:sp>
         </mc:Choice>
-        <mc:Fallback>
+        <mc:Fallback xmlns="">
           <p:sp>
             <p:nvSpPr>
               <p:cNvPr id="2" name="직사각형 1">
@@ -7875,8 +8286,8 @@
             </p:nvSpPr>
             <p:spPr>
               <a:xfrm>
-                <a:off x="1779466" y="4595473"/>
-                <a:ext cx="4015586" cy="923330"/>
+                <a:off x="1836249" y="5605093"/>
+                <a:ext cx="4015586" cy="646331"/>
               </a:xfrm>
               <a:prstGeom prst="rect">
                 <a:avLst/>
@@ -7884,7 +8295,7 @@
               <a:blipFill>
                 <a:blip r:embed="rId5"/>
                 <a:stretch>
-                  <a:fillRect b="-5960"/>
+                  <a:fillRect b="-9434"/>
                 </a:stretch>
               </a:blipFill>
             </p:spPr>
@@ -7905,10 +8316,10 @@
       </mc:AlternateContent>
       <p:grpSp>
         <p:nvGrpSpPr>
-          <p:cNvPr id="20" name="그룹 19">
+          <p:cNvPr id="12" name="그룹 11">
             <a:extLst>
               <a:ext uri="{FF2B5EF4-FFF2-40B4-BE49-F238E27FC236}">
-                <a16:creationId xmlns:a16="http://schemas.microsoft.com/office/drawing/2014/main" id="{BBE456DC-D1F0-499C-8ACF-99B397FA0235}"/>
+                <a16:creationId xmlns:a16="http://schemas.microsoft.com/office/drawing/2014/main" id="{3039EDD5-44FE-47D3-A940-3CCFCBC6E298}"/>
               </a:ext>
             </a:extLst>
           </p:cNvPr>
@@ -7918,17 +8329,17 @@
         <p:grpSpPr>
           <a:xfrm>
             <a:off x="1469571" y="-84091"/>
-            <a:ext cx="4797587" cy="4281483"/>
+            <a:ext cx="4797587" cy="4911721"/>
             <a:chOff x="1469571" y="-84091"/>
-            <a:chExt cx="4797587" cy="4281483"/>
+            <a:chExt cx="4797587" cy="4911721"/>
           </a:xfrm>
         </p:grpSpPr>
         <p:grpSp>
           <p:nvGrpSpPr>
-            <p:cNvPr id="8" name="그룹 7">
+            <p:cNvPr id="20" name="그룹 19">
               <a:extLst>
                 <a:ext uri="{FF2B5EF4-FFF2-40B4-BE49-F238E27FC236}">
-                  <a16:creationId xmlns:a16="http://schemas.microsoft.com/office/drawing/2014/main" id="{B40DFD45-6930-4B5F-B0BA-B9F3A0F46175}"/>
+                  <a16:creationId xmlns:a16="http://schemas.microsoft.com/office/drawing/2014/main" id="{BBE456DC-D1F0-499C-8ACF-99B397FA0235}"/>
                 </a:ext>
               </a:extLst>
             </p:cNvPr>
@@ -7936,19 +8347,1771 @@
             <p:nvPr/>
           </p:nvGrpSpPr>
           <p:grpSpPr>
-            <a:xfrm rot="2000670">
-              <a:off x="4808472" y="1594599"/>
-              <a:ext cx="1458686" cy="2602793"/>
-              <a:chOff x="1469571" y="1473908"/>
-              <a:chExt cx="1458686" cy="2602793"/>
+            <a:xfrm>
+              <a:off x="1469571" y="-84091"/>
+              <a:ext cx="4797587" cy="4281483"/>
+              <a:chOff x="1469571" y="-84091"/>
+              <a:chExt cx="4797587" cy="4281483"/>
             </a:xfrm>
           </p:grpSpPr>
+          <p:grpSp>
+            <p:nvGrpSpPr>
+              <p:cNvPr id="8" name="그룹 7">
+                <a:extLst>
+                  <a:ext uri="{FF2B5EF4-FFF2-40B4-BE49-F238E27FC236}">
+                    <a16:creationId xmlns:a16="http://schemas.microsoft.com/office/drawing/2014/main" id="{B40DFD45-6930-4B5F-B0BA-B9F3A0F46175}"/>
+                  </a:ext>
+                </a:extLst>
+              </p:cNvPr>
+              <p:cNvGrpSpPr/>
+              <p:nvPr/>
+            </p:nvGrpSpPr>
+            <p:grpSpPr>
+              <a:xfrm rot="2000670">
+                <a:off x="4808472" y="1594599"/>
+                <a:ext cx="1458686" cy="2602793"/>
+                <a:chOff x="1469571" y="1473908"/>
+                <a:chExt cx="1458686" cy="2602793"/>
+              </a:xfrm>
+            </p:grpSpPr>
+            <p:sp>
+              <p:nvSpPr>
+                <p:cNvPr id="9" name="사각형: 둥근 모서리 8">
+                  <a:extLst>
+                    <a:ext uri="{FF2B5EF4-FFF2-40B4-BE49-F238E27FC236}">
+                      <a16:creationId xmlns:a16="http://schemas.microsoft.com/office/drawing/2014/main" id="{0B55B117-CD47-4D6E-BB5B-129E4C073EE3}"/>
+                    </a:ext>
+                  </a:extLst>
+                </p:cNvPr>
+                <p:cNvSpPr/>
+                <p:nvPr/>
+              </p:nvSpPr>
+              <p:spPr>
+                <a:xfrm>
+                  <a:off x="1469571" y="1611086"/>
+                  <a:ext cx="1458686" cy="2465615"/>
+                </a:xfrm>
+                <a:prstGeom prst="roundRect">
+                  <a:avLst>
+                    <a:gd name="adj" fmla="val 6219"/>
+                  </a:avLst>
+                </a:prstGeom>
+                <a:solidFill>
+                  <a:schemeClr val="bg1">
+                    <a:lumMod val="65000"/>
+                  </a:schemeClr>
+                </a:solidFill>
+                <a:ln w="38100"/>
+              </p:spPr>
+              <p:style>
+                <a:lnRef idx="2">
+                  <a:schemeClr val="accent3"/>
+                </a:lnRef>
+                <a:fillRef idx="1">
+                  <a:schemeClr val="lt1"/>
+                </a:fillRef>
+                <a:effectRef idx="0">
+                  <a:schemeClr val="accent3"/>
+                </a:effectRef>
+                <a:fontRef idx="minor">
+                  <a:schemeClr val="dk1"/>
+                </a:fontRef>
+              </p:style>
+              <p:txBody>
+                <a:bodyPr rtlCol="0" anchor="ctr"/>
+                <a:lstStyle/>
+                <a:p>
+                  <a:pPr algn="ctr"/>
+                  <a:endParaRPr lang="ko-KR" altLang="en-US"/>
+                </a:p>
+              </p:txBody>
+            </p:sp>
+            <p:sp>
+              <p:nvSpPr>
+                <p:cNvPr id="10" name="직사각형 9">
+                  <a:extLst>
+                    <a:ext uri="{FF2B5EF4-FFF2-40B4-BE49-F238E27FC236}">
+                      <a16:creationId xmlns:a16="http://schemas.microsoft.com/office/drawing/2014/main" id="{E7257A1D-7FFF-4CA1-871A-12F15593F59A}"/>
+                    </a:ext>
+                  </a:extLst>
+                </p:cNvPr>
+                <p:cNvSpPr/>
+                <p:nvPr/>
+              </p:nvSpPr>
+              <p:spPr>
+                <a:xfrm>
+                  <a:off x="1540328" y="1681843"/>
+                  <a:ext cx="1317171" cy="2318657"/>
+                </a:xfrm>
+                <a:prstGeom prst="rect">
+                  <a:avLst/>
+                </a:prstGeom>
+                <a:solidFill>
+                  <a:schemeClr val="bg1"/>
+                </a:solidFill>
+                <a:ln>
+                  <a:noFill/>
+                </a:ln>
+              </p:spPr>
+              <p:style>
+                <a:lnRef idx="2">
+                  <a:schemeClr val="accent1">
+                    <a:shade val="50000"/>
+                  </a:schemeClr>
+                </a:lnRef>
+                <a:fillRef idx="1">
+                  <a:schemeClr val="accent1"/>
+                </a:fillRef>
+                <a:effectRef idx="0">
+                  <a:schemeClr val="accent1"/>
+                </a:effectRef>
+                <a:fontRef idx="minor">
+                  <a:schemeClr val="lt1"/>
+                </a:fontRef>
+              </p:style>
+              <p:txBody>
+                <a:bodyPr rtlCol="0" anchor="ctr"/>
+                <a:lstStyle/>
+                <a:p>
+                  <a:pPr algn="ctr"/>
+                  <a:endParaRPr lang="ko-KR" altLang="en-US" dirty="0"/>
+                </a:p>
+              </p:txBody>
+            </p:sp>
+            <p:sp>
+              <p:nvSpPr>
+                <p:cNvPr id="11" name="대각선 줄무늬 10">
+                  <a:extLst>
+                    <a:ext uri="{FF2B5EF4-FFF2-40B4-BE49-F238E27FC236}">
+                      <a16:creationId xmlns:a16="http://schemas.microsoft.com/office/drawing/2014/main" id="{F504AF98-946A-463E-85B6-C12DAA9270A6}"/>
+                    </a:ext>
+                  </a:extLst>
+                </p:cNvPr>
+                <p:cNvSpPr/>
+                <p:nvPr/>
+              </p:nvSpPr>
+              <p:spPr>
+                <a:xfrm rot="13609895">
+                  <a:off x="1997778" y="1462076"/>
+                  <a:ext cx="376108" cy="399772"/>
+                </a:xfrm>
+                <a:prstGeom prst="diagStripe">
+                  <a:avLst>
+                    <a:gd name="adj" fmla="val 76072"/>
+                  </a:avLst>
+                </a:prstGeom>
+                <a:solidFill>
+                  <a:schemeClr val="bg1">
+                    <a:lumMod val="65000"/>
+                  </a:schemeClr>
+                </a:solidFill>
+                <a:ln>
+                  <a:noFill/>
+                </a:ln>
+              </p:spPr>
+              <p:style>
+                <a:lnRef idx="2">
+                  <a:schemeClr val="accent1">
+                    <a:shade val="50000"/>
+                  </a:schemeClr>
+                </a:lnRef>
+                <a:fillRef idx="1">
+                  <a:schemeClr val="accent1"/>
+                </a:fillRef>
+                <a:effectRef idx="0">
+                  <a:schemeClr val="accent1"/>
+                </a:effectRef>
+                <a:fontRef idx="minor">
+                  <a:schemeClr val="lt1"/>
+                </a:fontRef>
+              </p:style>
+              <p:txBody>
+                <a:bodyPr rtlCol="0" anchor="ctr"/>
+                <a:lstStyle/>
+                <a:p>
+                  <a:pPr algn="ctr"/>
+                  <a:endParaRPr lang="ko-KR" altLang="en-US" dirty="0">
+                    <a:solidFill>
+                      <a:schemeClr val="tx1"/>
+                    </a:solidFill>
+                  </a:endParaRPr>
+                </a:p>
+              </p:txBody>
+            </p:sp>
+          </p:grpSp>
+          <p:grpSp>
+            <p:nvGrpSpPr>
+              <p:cNvPr id="7" name="그룹 6">
+                <a:extLst>
+                  <a:ext uri="{FF2B5EF4-FFF2-40B4-BE49-F238E27FC236}">
+                    <a16:creationId xmlns:a16="http://schemas.microsoft.com/office/drawing/2014/main" id="{CF11C455-38AB-4F40-BA77-8BE586B1B994}"/>
+                  </a:ext>
+                </a:extLst>
+              </p:cNvPr>
+              <p:cNvGrpSpPr/>
+              <p:nvPr/>
+            </p:nvGrpSpPr>
+            <p:grpSpPr>
+              <a:xfrm>
+                <a:off x="1469571" y="1479499"/>
+                <a:ext cx="1458686" cy="2597202"/>
+                <a:chOff x="1469571" y="1479499"/>
+                <a:chExt cx="1458686" cy="2597202"/>
+              </a:xfrm>
+            </p:grpSpPr>
+            <p:sp>
+              <p:nvSpPr>
+                <p:cNvPr id="4" name="사각형: 둥근 모서리 3">
+                  <a:extLst>
+                    <a:ext uri="{FF2B5EF4-FFF2-40B4-BE49-F238E27FC236}">
+                      <a16:creationId xmlns:a16="http://schemas.microsoft.com/office/drawing/2014/main" id="{94C2B93F-A0CD-4E3F-92A1-EC2E537D6755}"/>
+                    </a:ext>
+                  </a:extLst>
+                </p:cNvPr>
+                <p:cNvSpPr/>
+                <p:nvPr/>
+              </p:nvSpPr>
+              <p:spPr>
+                <a:xfrm>
+                  <a:off x="1469571" y="1611086"/>
+                  <a:ext cx="1458686" cy="2465615"/>
+                </a:xfrm>
+                <a:prstGeom prst="roundRect">
+                  <a:avLst>
+                    <a:gd name="adj" fmla="val 6219"/>
+                  </a:avLst>
+                </a:prstGeom>
+                <a:solidFill>
+                  <a:schemeClr val="bg1">
+                    <a:lumMod val="65000"/>
+                  </a:schemeClr>
+                </a:solidFill>
+                <a:ln w="38100"/>
+              </p:spPr>
+              <p:style>
+                <a:lnRef idx="2">
+                  <a:schemeClr val="accent3"/>
+                </a:lnRef>
+                <a:fillRef idx="1">
+                  <a:schemeClr val="lt1"/>
+                </a:fillRef>
+                <a:effectRef idx="0">
+                  <a:schemeClr val="accent3"/>
+                </a:effectRef>
+                <a:fontRef idx="minor">
+                  <a:schemeClr val="dk1"/>
+                </a:fontRef>
+              </p:style>
+              <p:txBody>
+                <a:bodyPr rtlCol="0" anchor="ctr"/>
+                <a:lstStyle/>
+                <a:p>
+                  <a:pPr algn="ctr"/>
+                  <a:endParaRPr lang="ko-KR" altLang="en-US"/>
+                </a:p>
+              </p:txBody>
+            </p:sp>
+            <p:sp>
+              <p:nvSpPr>
+                <p:cNvPr id="5" name="직사각형 4">
+                  <a:extLst>
+                    <a:ext uri="{FF2B5EF4-FFF2-40B4-BE49-F238E27FC236}">
+                      <a16:creationId xmlns:a16="http://schemas.microsoft.com/office/drawing/2014/main" id="{1A4C8227-0CB9-4989-92C9-566A75B6EFBA}"/>
+                    </a:ext>
+                  </a:extLst>
+                </p:cNvPr>
+                <p:cNvSpPr/>
+                <p:nvPr/>
+              </p:nvSpPr>
+              <p:spPr>
+                <a:xfrm>
+                  <a:off x="1540328" y="1681843"/>
+                  <a:ext cx="1317171" cy="2318657"/>
+                </a:xfrm>
+                <a:prstGeom prst="rect">
+                  <a:avLst/>
+                </a:prstGeom>
+                <a:solidFill>
+                  <a:schemeClr val="bg1"/>
+                </a:solidFill>
+                <a:ln>
+                  <a:noFill/>
+                </a:ln>
+              </p:spPr>
+              <p:style>
+                <a:lnRef idx="2">
+                  <a:schemeClr val="accent1">
+                    <a:shade val="50000"/>
+                  </a:schemeClr>
+                </a:lnRef>
+                <a:fillRef idx="1">
+                  <a:schemeClr val="accent1"/>
+                </a:fillRef>
+                <a:effectRef idx="0">
+                  <a:schemeClr val="accent1"/>
+                </a:effectRef>
+                <a:fontRef idx="minor">
+                  <a:schemeClr val="lt1"/>
+                </a:fontRef>
+              </p:style>
+              <p:txBody>
+                <a:bodyPr rtlCol="0" anchor="ctr"/>
+                <a:lstStyle/>
+                <a:p>
+                  <a:pPr algn="ctr"/>
+                  <a:endParaRPr lang="ko-KR" altLang="en-US" dirty="0"/>
+                </a:p>
+              </p:txBody>
+            </p:sp>
+            <p:sp>
+              <p:nvSpPr>
+                <p:cNvPr id="6" name="대각선 줄무늬 5">
+                  <a:extLst>
+                    <a:ext uri="{FF2B5EF4-FFF2-40B4-BE49-F238E27FC236}">
+                      <a16:creationId xmlns:a16="http://schemas.microsoft.com/office/drawing/2014/main" id="{EAAAA7CB-88B3-450B-9727-1C3A60C5F13C}"/>
+                    </a:ext>
+                  </a:extLst>
+                </p:cNvPr>
+                <p:cNvSpPr/>
+                <p:nvPr/>
+              </p:nvSpPr>
+              <p:spPr>
+                <a:xfrm rot="13609895">
+                  <a:off x="2010859" y="1467667"/>
+                  <a:ext cx="376108" cy="399772"/>
+                </a:xfrm>
+                <a:prstGeom prst="diagStripe">
+                  <a:avLst>
+                    <a:gd name="adj" fmla="val 76072"/>
+                  </a:avLst>
+                </a:prstGeom>
+                <a:solidFill>
+                  <a:schemeClr val="bg1">
+                    <a:lumMod val="65000"/>
+                  </a:schemeClr>
+                </a:solidFill>
+                <a:ln>
+                  <a:noFill/>
+                </a:ln>
+              </p:spPr>
+              <p:style>
+                <a:lnRef idx="2">
+                  <a:schemeClr val="accent1">
+                    <a:shade val="50000"/>
+                  </a:schemeClr>
+                </a:lnRef>
+                <a:fillRef idx="1">
+                  <a:schemeClr val="accent1"/>
+                </a:fillRef>
+                <a:effectRef idx="0">
+                  <a:schemeClr val="accent1"/>
+                </a:effectRef>
+                <a:fontRef idx="minor">
+                  <a:schemeClr val="lt1"/>
+                </a:fontRef>
+              </p:style>
+              <p:txBody>
+                <a:bodyPr rtlCol="0" anchor="ctr"/>
+                <a:lstStyle/>
+                <a:p>
+                  <a:pPr algn="ctr"/>
+                  <a:endParaRPr lang="ko-KR" altLang="en-US">
+                    <a:solidFill>
+                      <a:schemeClr val="tx1"/>
+                    </a:solidFill>
+                  </a:endParaRPr>
+                </a:p>
+              </p:txBody>
+            </p:sp>
+          </p:grpSp>
+          <p:cxnSp>
+            <p:nvCxnSpPr>
+              <p:cNvPr id="21" name="직선 연결선 20">
+                <a:extLst>
+                  <a:ext uri="{FF2B5EF4-FFF2-40B4-BE49-F238E27FC236}">
+                    <a16:creationId xmlns:a16="http://schemas.microsoft.com/office/drawing/2014/main" id="{EE1CE41D-DACA-4A03-900E-AF53A4EE1A0E}"/>
+                  </a:ext>
+                </a:extLst>
+              </p:cNvPr>
+              <p:cNvCxnSpPr>
+                <a:cxnSpLocks/>
+              </p:cNvCxnSpPr>
+              <p:nvPr/>
+            </p:nvCxnSpPr>
+            <p:spPr>
+              <a:xfrm>
+                <a:off x="1929145" y="2768659"/>
+                <a:ext cx="683441" cy="28970"/>
+              </a:xfrm>
+              <a:prstGeom prst="line">
+                <a:avLst/>
+              </a:prstGeom>
+              <a:ln w="38100">
+                <a:solidFill>
+                  <a:schemeClr val="bg1">
+                    <a:lumMod val="65000"/>
+                  </a:schemeClr>
+                </a:solidFill>
+                <a:headEnd type="oval" w="med" len="med"/>
+                <a:tailEnd type="oval" w="med" len="med"/>
+              </a:ln>
+            </p:spPr>
+            <p:style>
+              <a:lnRef idx="1">
+                <a:schemeClr val="accent1"/>
+              </a:lnRef>
+              <a:fillRef idx="0">
+                <a:schemeClr val="accent1"/>
+              </a:fillRef>
+              <a:effectRef idx="0">
+                <a:schemeClr val="accent1"/>
+              </a:effectRef>
+              <a:fontRef idx="minor">
+                <a:schemeClr val="tx1"/>
+              </a:fontRef>
+            </p:style>
+          </p:cxnSp>
+          <p:cxnSp>
+            <p:nvCxnSpPr>
+              <p:cNvPr id="22" name="직선 연결선 21">
+                <a:extLst>
+                  <a:ext uri="{FF2B5EF4-FFF2-40B4-BE49-F238E27FC236}">
+                    <a16:creationId xmlns:a16="http://schemas.microsoft.com/office/drawing/2014/main" id="{453FF949-4F20-4989-BEAC-587FCF744DB4}"/>
+                  </a:ext>
+                </a:extLst>
+              </p:cNvPr>
+              <p:cNvCxnSpPr>
+                <a:cxnSpLocks/>
+              </p:cNvCxnSpPr>
+              <p:nvPr/>
+            </p:nvCxnSpPr>
+            <p:spPr>
+              <a:xfrm>
+                <a:off x="5148086" y="2846804"/>
+                <a:ext cx="773374" cy="5319"/>
+              </a:xfrm>
+              <a:prstGeom prst="line">
+                <a:avLst/>
+              </a:prstGeom>
+              <a:ln w="38100">
+                <a:solidFill>
+                  <a:schemeClr val="bg1">
+                    <a:lumMod val="65000"/>
+                  </a:schemeClr>
+                </a:solidFill>
+                <a:headEnd type="oval" w="med" len="med"/>
+                <a:tailEnd type="oval" w="med" len="med"/>
+              </a:ln>
+            </p:spPr>
+            <p:style>
+              <a:lnRef idx="1">
+                <a:schemeClr val="accent1"/>
+              </a:lnRef>
+              <a:fillRef idx="0">
+                <a:schemeClr val="accent1"/>
+              </a:fillRef>
+              <a:effectRef idx="0">
+                <a:schemeClr val="accent1"/>
+              </a:effectRef>
+              <a:fontRef idx="minor">
+                <a:schemeClr val="tx1"/>
+              </a:fontRef>
+            </p:style>
+          </p:cxnSp>
+          <p:cxnSp>
+            <p:nvCxnSpPr>
+              <p:cNvPr id="23" name="직선 연결선 22">
+                <a:extLst>
+                  <a:ext uri="{FF2B5EF4-FFF2-40B4-BE49-F238E27FC236}">
+                    <a16:creationId xmlns:a16="http://schemas.microsoft.com/office/drawing/2014/main" id="{806350CE-E519-436D-81D4-F6D79392AC03}"/>
+                  </a:ext>
+                </a:extLst>
+              </p:cNvPr>
+              <p:cNvCxnSpPr>
+                <a:cxnSpLocks/>
+              </p:cNvCxnSpPr>
+              <p:nvPr/>
+            </p:nvCxnSpPr>
+            <p:spPr>
+              <a:xfrm>
+                <a:off x="2612586" y="2797629"/>
+                <a:ext cx="2462913" cy="54494"/>
+              </a:xfrm>
+              <a:prstGeom prst="line">
+                <a:avLst/>
+              </a:prstGeom>
+              <a:ln w="38100">
+                <a:solidFill>
+                  <a:schemeClr val="bg1">
+                    <a:lumMod val="65000"/>
+                  </a:schemeClr>
+                </a:solidFill>
+                <a:prstDash val="sysDot"/>
+              </a:ln>
+            </p:spPr>
+            <p:style>
+              <a:lnRef idx="1">
+                <a:schemeClr val="accent1"/>
+              </a:lnRef>
+              <a:fillRef idx="0">
+                <a:schemeClr val="accent1"/>
+              </a:fillRef>
+              <a:effectRef idx="0">
+                <a:schemeClr val="accent1"/>
+              </a:effectRef>
+              <a:fontRef idx="minor">
+                <a:schemeClr val="tx1"/>
+              </a:fontRef>
+            </p:style>
+          </p:cxnSp>
           <p:sp>
             <p:nvSpPr>
-              <p:cNvPr id="9" name="사각형: 둥근 모서리 8">
+              <p:cNvPr id="45" name="TextBox 44">
                 <a:extLst>
                   <a:ext uri="{FF2B5EF4-FFF2-40B4-BE49-F238E27FC236}">
-                    <a16:creationId xmlns:a16="http://schemas.microsoft.com/office/drawing/2014/main" id="{0B55B117-CD47-4D6E-BB5B-129E4C073EE3}"/>
+                    <a16:creationId xmlns:a16="http://schemas.microsoft.com/office/drawing/2014/main" id="{6B755D66-C0D8-4A9B-9A37-CBD6E8F80632}"/>
+                  </a:ext>
+                </a:extLst>
+              </p:cNvPr>
+              <p:cNvSpPr txBox="1"/>
+              <p:nvPr/>
+            </p:nvSpPr>
+            <p:spPr>
+              <a:xfrm>
+                <a:off x="2461693" y="2361434"/>
+                <a:ext cx="184731" cy="369332"/>
+              </a:xfrm>
+              <a:prstGeom prst="rect">
+                <a:avLst/>
+              </a:prstGeom>
+              <a:noFill/>
+            </p:spPr>
+            <p:txBody>
+              <a:bodyPr wrap="none" rtlCol="0">
+                <a:spAutoFit/>
+              </a:bodyPr>
+              <a:lstStyle/>
+              <a:p>
+                <a:endParaRPr lang="en-US" altLang="ko-KR" b="0" dirty="0"/>
+              </a:p>
+            </p:txBody>
+          </p:sp>
+          <mc:AlternateContent xmlns:mc="http://schemas.openxmlformats.org/markup-compatibility/2006" xmlns:a14="http://schemas.microsoft.com/office/drawing/2010/main">
+            <mc:Choice Requires="a14">
+              <p:sp>
+                <p:nvSpPr>
+                  <p:cNvPr id="55" name="TextBox 54">
+                    <a:extLst>
+                      <a:ext uri="{FF2B5EF4-FFF2-40B4-BE49-F238E27FC236}">
+                        <a16:creationId xmlns:a16="http://schemas.microsoft.com/office/drawing/2014/main" id="{19F20FFF-C42D-41E0-8B3F-E9452127DDAD}"/>
+                      </a:ext>
+                    </a:extLst>
+                  </p:cNvPr>
+                  <p:cNvSpPr txBox="1"/>
+                  <p:nvPr/>
+                </p:nvSpPr>
+                <p:spPr>
+                  <a:xfrm>
+                    <a:off x="3686838" y="3383336"/>
+                    <a:ext cx="406778" cy="369332"/>
+                  </a:xfrm>
+                  <a:prstGeom prst="rect">
+                    <a:avLst/>
+                  </a:prstGeom>
+                  <a:noFill/>
+                </p:spPr>
+                <p:txBody>
+                  <a:bodyPr wrap="none" rtlCol="0">
+                    <a:spAutoFit/>
+                  </a:bodyPr>
+                  <a:lstStyle/>
+                  <a:p>
+                    <a:pPr/>
+                    <a14:m>
+                      <m:oMathPara xmlns:m="http://schemas.openxmlformats.org/officeDocument/2006/math">
+                        <m:oMathParaPr>
+                          <m:jc m:val="centerGroup"/>
+                        </m:oMathParaPr>
+                        <m:oMath xmlns:m="http://schemas.openxmlformats.org/officeDocument/2006/math">
+                          <m:r>
+                            <a:rPr lang="en-US" altLang="ko-KR" b="0" i="1" smtClean="0">
+                              <a:latin typeface="Cambria Math" panose="02040503050406030204" pitchFamily="18" charset="0"/>
+                            </a:rPr>
+                            <m:t>𝑑</m:t>
+                          </m:r>
+                        </m:oMath>
+                      </m:oMathPara>
+                    </a14:m>
+                    <a:endParaRPr lang="en-US" altLang="ko-KR" b="0" dirty="0"/>
+                  </a:p>
+                </p:txBody>
+              </p:sp>
+            </mc:Choice>
+            <mc:Fallback xmlns="">
+              <p:sp>
+                <p:nvSpPr>
+                  <p:cNvPr id="55" name="TextBox 54">
+                    <a:extLst>
+                      <a:ext uri="{FF2B5EF4-FFF2-40B4-BE49-F238E27FC236}">
+                        <a16:creationId xmlns:a16="http://schemas.microsoft.com/office/drawing/2014/main" id="{19F20FFF-C42D-41E0-8B3F-E9452127DDAD}"/>
+                      </a:ext>
+                    </a:extLst>
+                  </p:cNvPr>
+                  <p:cNvSpPr txBox="1">
+                    <a:spLocks noRot="1" noChangeAspect="1" noMove="1" noResize="1" noEditPoints="1" noAdjustHandles="1" noChangeArrowheads="1" noChangeShapeType="1" noTextEdit="1"/>
+                  </p:cNvSpPr>
+                  <p:nvPr/>
+                </p:nvSpPr>
+                <p:spPr>
+                  <a:xfrm>
+                    <a:off x="3686838" y="3383336"/>
+                    <a:ext cx="406778" cy="369332"/>
+                  </a:xfrm>
+                  <a:prstGeom prst="rect">
+                    <a:avLst/>
+                  </a:prstGeom>
+                  <a:blipFill>
+                    <a:blip r:embed="rId6"/>
+                    <a:stretch>
+                      <a:fillRect/>
+                    </a:stretch>
+                  </a:blipFill>
+                </p:spPr>
+                <p:txBody>
+                  <a:bodyPr/>
+                  <a:lstStyle/>
+                  <a:p>
+                    <a:r>
+                      <a:rPr lang="ko-KR" altLang="en-US">
+                        <a:noFill/>
+                      </a:rPr>
+                      <a:t> </a:t>
+                    </a:r>
+                  </a:p>
+                </p:txBody>
+              </p:sp>
+            </mc:Fallback>
+          </mc:AlternateContent>
+          <p:cxnSp>
+            <p:nvCxnSpPr>
+              <p:cNvPr id="31" name="직선 연결선 30">
+                <a:extLst>
+                  <a:ext uri="{FF2B5EF4-FFF2-40B4-BE49-F238E27FC236}">
+                    <a16:creationId xmlns:a16="http://schemas.microsoft.com/office/drawing/2014/main" id="{9BFB23E9-7043-4809-9DDD-29B8E4D87795}"/>
+                  </a:ext>
+                </a:extLst>
+              </p:cNvPr>
+              <p:cNvCxnSpPr>
+                <a:cxnSpLocks/>
+              </p:cNvCxnSpPr>
+              <p:nvPr/>
+            </p:nvCxnSpPr>
+            <p:spPr>
+              <a:xfrm>
+                <a:off x="1533525" y="1666875"/>
+                <a:ext cx="390945" cy="1063891"/>
+              </a:xfrm>
+              <a:prstGeom prst="line">
+                <a:avLst/>
+              </a:prstGeom>
+              <a:ln w="19050">
+                <a:solidFill>
+                  <a:schemeClr val="bg1">
+                    <a:lumMod val="65000"/>
+                  </a:schemeClr>
+                </a:solidFill>
+                <a:headEnd type="none" w="med" len="med"/>
+                <a:tailEnd type="arrow" w="med" len="med"/>
+              </a:ln>
+            </p:spPr>
+            <p:style>
+              <a:lnRef idx="1">
+                <a:schemeClr val="accent1"/>
+              </a:lnRef>
+              <a:fillRef idx="0">
+                <a:schemeClr val="accent1"/>
+              </a:fillRef>
+              <a:effectRef idx="0">
+                <a:schemeClr val="accent1"/>
+              </a:effectRef>
+              <a:fontRef idx="minor">
+                <a:schemeClr val="tx1"/>
+              </a:fontRef>
+            </p:style>
+          </p:cxnSp>
+          <p:cxnSp>
+            <p:nvCxnSpPr>
+              <p:cNvPr id="37" name="직선 연결선 36">
+                <a:extLst>
+                  <a:ext uri="{FF2B5EF4-FFF2-40B4-BE49-F238E27FC236}">
+                    <a16:creationId xmlns:a16="http://schemas.microsoft.com/office/drawing/2014/main" id="{9CBC9BFB-0B25-4514-AA7C-E44A660DD71B}"/>
+                  </a:ext>
+                </a:extLst>
+              </p:cNvPr>
+              <p:cNvCxnSpPr>
+                <a:cxnSpLocks/>
+              </p:cNvCxnSpPr>
+              <p:nvPr/>
+            </p:nvCxnSpPr>
+            <p:spPr>
+              <a:xfrm>
+                <a:off x="1546639" y="1679199"/>
+                <a:ext cx="1035967" cy="1089460"/>
+              </a:xfrm>
+              <a:prstGeom prst="line">
+                <a:avLst/>
+              </a:prstGeom>
+              <a:ln w="19050">
+                <a:solidFill>
+                  <a:schemeClr val="bg1">
+                    <a:lumMod val="65000"/>
+                  </a:schemeClr>
+                </a:solidFill>
+                <a:headEnd type="none" w="med" len="med"/>
+                <a:tailEnd type="arrow" w="med" len="med"/>
+              </a:ln>
+            </p:spPr>
+            <p:style>
+              <a:lnRef idx="1">
+                <a:schemeClr val="accent1"/>
+              </a:lnRef>
+              <a:fillRef idx="0">
+                <a:schemeClr val="accent1"/>
+              </a:fillRef>
+              <a:effectRef idx="0">
+                <a:schemeClr val="accent1"/>
+              </a:effectRef>
+              <a:fontRef idx="minor">
+                <a:schemeClr val="tx1"/>
+              </a:fontRef>
+            </p:style>
+          </p:cxnSp>
+          <p:cxnSp>
+            <p:nvCxnSpPr>
+              <p:cNvPr id="38" name="직선 연결선 37">
+                <a:extLst>
+                  <a:ext uri="{FF2B5EF4-FFF2-40B4-BE49-F238E27FC236}">
+                    <a16:creationId xmlns:a16="http://schemas.microsoft.com/office/drawing/2014/main" id="{E622C9F0-157A-4794-B9CA-83E99996F34B}"/>
+                  </a:ext>
+                </a:extLst>
+              </p:cNvPr>
+              <p:cNvCxnSpPr>
+                <a:cxnSpLocks/>
+              </p:cNvCxnSpPr>
+              <p:nvPr/>
+            </p:nvCxnSpPr>
+            <p:spPr>
+              <a:xfrm>
+                <a:off x="1549241" y="1688321"/>
+                <a:ext cx="3540832" cy="1136555"/>
+              </a:xfrm>
+              <a:prstGeom prst="line">
+                <a:avLst/>
+              </a:prstGeom>
+              <a:ln w="19050">
+                <a:solidFill>
+                  <a:schemeClr val="bg1">
+                    <a:lumMod val="65000"/>
+                  </a:schemeClr>
+                </a:solidFill>
+                <a:headEnd type="none" w="med" len="med"/>
+                <a:tailEnd type="arrow" w="med" len="med"/>
+              </a:ln>
+            </p:spPr>
+            <p:style>
+              <a:lnRef idx="1">
+                <a:schemeClr val="accent1"/>
+              </a:lnRef>
+              <a:fillRef idx="0">
+                <a:schemeClr val="accent1"/>
+              </a:fillRef>
+              <a:effectRef idx="0">
+                <a:schemeClr val="accent1"/>
+              </a:effectRef>
+              <a:fontRef idx="minor">
+                <a:schemeClr val="tx1"/>
+              </a:fontRef>
+            </p:style>
+          </p:cxnSp>
+          <p:cxnSp>
+            <p:nvCxnSpPr>
+              <p:cNvPr id="53" name="직선 연결선 52">
+                <a:extLst>
+                  <a:ext uri="{FF2B5EF4-FFF2-40B4-BE49-F238E27FC236}">
+                    <a16:creationId xmlns:a16="http://schemas.microsoft.com/office/drawing/2014/main" id="{10C25FAB-84A4-4C15-B665-F1925FB6DDEC}"/>
+                  </a:ext>
+                </a:extLst>
+              </p:cNvPr>
+              <p:cNvCxnSpPr>
+                <a:cxnSpLocks/>
+              </p:cNvCxnSpPr>
+              <p:nvPr/>
+            </p:nvCxnSpPr>
+            <p:spPr>
+              <a:xfrm flipV="1">
+                <a:off x="1538599" y="1617564"/>
+                <a:ext cx="3961515" cy="64279"/>
+              </a:xfrm>
+              <a:prstGeom prst="line">
+                <a:avLst/>
+              </a:prstGeom>
+              <a:ln w="19050">
+                <a:solidFill>
+                  <a:schemeClr val="bg1">
+                    <a:lumMod val="65000"/>
+                  </a:schemeClr>
+                </a:solidFill>
+                <a:headEnd type="none" w="med" len="med"/>
+                <a:tailEnd type="arrow" w="med" len="med"/>
+              </a:ln>
+            </p:spPr>
+            <p:style>
+              <a:lnRef idx="1">
+                <a:schemeClr val="accent1"/>
+              </a:lnRef>
+              <a:fillRef idx="0">
+                <a:schemeClr val="accent1"/>
+              </a:fillRef>
+              <a:effectRef idx="0">
+                <a:schemeClr val="accent1"/>
+              </a:effectRef>
+              <a:fontRef idx="minor">
+                <a:schemeClr val="tx1"/>
+              </a:fontRef>
+            </p:style>
+          </p:cxnSp>
+          <mc:AlternateContent xmlns:mc="http://schemas.openxmlformats.org/markup-compatibility/2006" xmlns:a14="http://schemas.microsoft.com/office/drawing/2010/main">
+            <mc:Choice Requires="a14">
+              <p:sp>
+                <p:nvSpPr>
+                  <p:cNvPr id="54" name="TextBox 53">
+                    <a:extLst>
+                      <a:ext uri="{FF2B5EF4-FFF2-40B4-BE49-F238E27FC236}">
+                        <a16:creationId xmlns:a16="http://schemas.microsoft.com/office/drawing/2014/main" id="{3BB2D41C-6E28-4013-9724-0C89D5B72D39}"/>
+                      </a:ext>
+                    </a:extLst>
+                  </p:cNvPr>
+                  <p:cNvSpPr txBox="1"/>
+                  <p:nvPr/>
+                </p:nvSpPr>
+                <p:spPr>
+                  <a:xfrm>
+                    <a:off x="1482560" y="2228697"/>
+                    <a:ext cx="491224" cy="369332"/>
+                  </a:xfrm>
+                  <a:prstGeom prst="rect">
+                    <a:avLst/>
+                  </a:prstGeom>
+                  <a:noFill/>
+                </p:spPr>
+                <p:txBody>
+                  <a:bodyPr wrap="none" rtlCol="0">
+                    <a:spAutoFit/>
+                  </a:bodyPr>
+                  <a:lstStyle/>
+                  <a:p>
+                    <a:pPr/>
+                    <a14:m>
+                      <m:oMathPara xmlns:m="http://schemas.openxmlformats.org/officeDocument/2006/math">
+                        <m:oMathParaPr>
+                          <m:jc m:val="centerGroup"/>
+                        </m:oMathParaPr>
+                        <m:oMath xmlns:m="http://schemas.openxmlformats.org/officeDocument/2006/math">
+                          <m:sSub>
+                            <m:sSubPr>
+                              <m:ctrlPr>
+                                <a:rPr lang="en-US" altLang="ko-KR" b="0" i="1" smtClean="0">
+                                  <a:latin typeface="Cambria Math" panose="02040503050406030204" pitchFamily="18" charset="0"/>
+                                </a:rPr>
+                              </m:ctrlPr>
+                            </m:sSubPr>
+                            <m:e>
+                              <m:r>
+                                <a:rPr lang="en-US" altLang="ko-KR" b="0" i="1" smtClean="0">
+                                  <a:latin typeface="Cambria Math" panose="02040503050406030204" pitchFamily="18" charset="0"/>
+                                </a:rPr>
+                                <m:t>𝑣</m:t>
+                              </m:r>
+                            </m:e>
+                            <m:sub>
+                              <m:r>
+                                <a:rPr lang="en-US" altLang="ko-KR" b="0" i="1" smtClean="0">
+                                  <a:latin typeface="Cambria Math" panose="02040503050406030204" pitchFamily="18" charset="0"/>
+                                </a:rPr>
+                                <m:t>1</m:t>
+                              </m:r>
+                            </m:sub>
+                          </m:sSub>
+                        </m:oMath>
+                      </m:oMathPara>
+                    </a14:m>
+                    <a:endParaRPr lang="en-US" altLang="ko-KR" b="0" dirty="0"/>
+                  </a:p>
+                </p:txBody>
+              </p:sp>
+            </mc:Choice>
+            <mc:Fallback xmlns="">
+              <p:sp>
+                <p:nvSpPr>
+                  <p:cNvPr id="54" name="TextBox 53">
+                    <a:extLst>
+                      <a:ext uri="{FF2B5EF4-FFF2-40B4-BE49-F238E27FC236}">
+                        <a16:creationId xmlns:a16="http://schemas.microsoft.com/office/drawing/2014/main" id="{3BB2D41C-6E28-4013-9724-0C89D5B72D39}"/>
+                      </a:ext>
+                    </a:extLst>
+                  </p:cNvPr>
+                  <p:cNvSpPr txBox="1">
+                    <a:spLocks noRot="1" noChangeAspect="1" noMove="1" noResize="1" noEditPoints="1" noAdjustHandles="1" noChangeArrowheads="1" noChangeShapeType="1" noTextEdit="1"/>
+                  </p:cNvSpPr>
+                  <p:nvPr/>
+                </p:nvSpPr>
+                <p:spPr>
+                  <a:xfrm>
+                    <a:off x="1482560" y="2228697"/>
+                    <a:ext cx="491224" cy="369332"/>
+                  </a:xfrm>
+                  <a:prstGeom prst="rect">
+                    <a:avLst/>
+                  </a:prstGeom>
+                  <a:blipFill>
+                    <a:blip r:embed="rId7"/>
+                    <a:stretch>
+                      <a:fillRect b="-3333"/>
+                    </a:stretch>
+                  </a:blipFill>
+                </p:spPr>
+                <p:txBody>
+                  <a:bodyPr/>
+                  <a:lstStyle/>
+                  <a:p>
+                    <a:r>
+                      <a:rPr lang="ko-KR" altLang="en-US">
+                        <a:noFill/>
+                      </a:rPr>
+                      <a:t> </a:t>
+                    </a:r>
+                  </a:p>
+                </p:txBody>
+              </p:sp>
+            </mc:Fallback>
+          </mc:AlternateContent>
+          <mc:AlternateContent xmlns:mc="http://schemas.openxmlformats.org/markup-compatibility/2006" xmlns:a14="http://schemas.microsoft.com/office/drawing/2010/main">
+            <mc:Choice Requires="a14">
+              <p:sp>
+                <p:nvSpPr>
+                  <p:cNvPr id="57" name="TextBox 56">
+                    <a:extLst>
+                      <a:ext uri="{FF2B5EF4-FFF2-40B4-BE49-F238E27FC236}">
+                        <a16:creationId xmlns:a16="http://schemas.microsoft.com/office/drawing/2014/main" id="{EFDD34FF-1015-40ED-94EF-1B98C86B780A}"/>
+                      </a:ext>
+                    </a:extLst>
+                  </p:cNvPr>
+                  <p:cNvSpPr txBox="1"/>
+                  <p:nvPr/>
+                </p:nvSpPr>
+                <p:spPr>
+                  <a:xfrm>
+                    <a:off x="2109886" y="2113085"/>
+                    <a:ext cx="496546" cy="369332"/>
+                  </a:xfrm>
+                  <a:prstGeom prst="rect">
+                    <a:avLst/>
+                  </a:prstGeom>
+                  <a:noFill/>
+                </p:spPr>
+                <p:txBody>
+                  <a:bodyPr wrap="none" rtlCol="0">
+                    <a:spAutoFit/>
+                  </a:bodyPr>
+                  <a:lstStyle/>
+                  <a:p>
+                    <a:pPr/>
+                    <a14:m>
+                      <m:oMathPara xmlns:m="http://schemas.openxmlformats.org/officeDocument/2006/math">
+                        <m:oMathParaPr>
+                          <m:jc m:val="centerGroup"/>
+                        </m:oMathParaPr>
+                        <m:oMath xmlns:m="http://schemas.openxmlformats.org/officeDocument/2006/math">
+                          <m:sSub>
+                            <m:sSubPr>
+                              <m:ctrlPr>
+                                <a:rPr lang="en-US" altLang="ko-KR" b="0" i="1" smtClean="0">
+                                  <a:latin typeface="Cambria Math" panose="02040503050406030204" pitchFamily="18" charset="0"/>
+                                </a:rPr>
+                              </m:ctrlPr>
+                            </m:sSubPr>
+                            <m:e>
+                              <m:r>
+                                <a:rPr lang="en-US" altLang="ko-KR" b="0" i="1" smtClean="0">
+                                  <a:latin typeface="Cambria Math" panose="02040503050406030204" pitchFamily="18" charset="0"/>
+                                </a:rPr>
+                                <m:t>𝑣</m:t>
+                              </m:r>
+                            </m:e>
+                            <m:sub>
+                              <m:r>
+                                <a:rPr lang="en-US" altLang="ko-KR" b="0" i="1" smtClean="0">
+                                  <a:latin typeface="Cambria Math" panose="02040503050406030204" pitchFamily="18" charset="0"/>
+                                </a:rPr>
+                                <m:t>2</m:t>
+                              </m:r>
+                            </m:sub>
+                          </m:sSub>
+                        </m:oMath>
+                      </m:oMathPara>
+                    </a14:m>
+                    <a:endParaRPr lang="en-US" altLang="ko-KR" b="0" dirty="0"/>
+                  </a:p>
+                </p:txBody>
+              </p:sp>
+            </mc:Choice>
+            <mc:Fallback xmlns="">
+              <p:sp>
+                <p:nvSpPr>
+                  <p:cNvPr id="57" name="TextBox 56">
+                    <a:extLst>
+                      <a:ext uri="{FF2B5EF4-FFF2-40B4-BE49-F238E27FC236}">
+                        <a16:creationId xmlns:a16="http://schemas.microsoft.com/office/drawing/2014/main" id="{EFDD34FF-1015-40ED-94EF-1B98C86B780A}"/>
+                      </a:ext>
+                    </a:extLst>
+                  </p:cNvPr>
+                  <p:cNvSpPr txBox="1">
+                    <a:spLocks noRot="1" noChangeAspect="1" noMove="1" noResize="1" noEditPoints="1" noAdjustHandles="1" noChangeArrowheads="1" noChangeShapeType="1" noTextEdit="1"/>
+                  </p:cNvSpPr>
+                  <p:nvPr/>
+                </p:nvSpPr>
+                <p:spPr>
+                  <a:xfrm>
+                    <a:off x="2109886" y="2113085"/>
+                    <a:ext cx="496546" cy="369332"/>
+                  </a:xfrm>
+                  <a:prstGeom prst="rect">
+                    <a:avLst/>
+                  </a:prstGeom>
+                  <a:blipFill>
+                    <a:blip r:embed="rId8"/>
+                    <a:stretch>
+                      <a:fillRect b="-3333"/>
+                    </a:stretch>
+                  </a:blipFill>
+                </p:spPr>
+                <p:txBody>
+                  <a:bodyPr/>
+                  <a:lstStyle/>
+                  <a:p>
+                    <a:r>
+                      <a:rPr lang="ko-KR" altLang="en-US">
+                        <a:noFill/>
+                      </a:rPr>
+                      <a:t> </a:t>
+                    </a:r>
+                  </a:p>
+                </p:txBody>
+              </p:sp>
+            </mc:Fallback>
+          </mc:AlternateContent>
+          <mc:AlternateContent xmlns:mc="http://schemas.openxmlformats.org/markup-compatibility/2006" xmlns:a14="http://schemas.microsoft.com/office/drawing/2010/main">
+            <mc:Choice Requires="a14">
+              <p:sp>
+                <p:nvSpPr>
+                  <p:cNvPr id="58" name="TextBox 57">
+                    <a:extLst>
+                      <a:ext uri="{FF2B5EF4-FFF2-40B4-BE49-F238E27FC236}">
+                        <a16:creationId xmlns:a16="http://schemas.microsoft.com/office/drawing/2014/main" id="{43663B29-6541-4B6A-AAE6-6E20F59B8122}"/>
+                      </a:ext>
+                    </a:extLst>
+                  </p:cNvPr>
+                  <p:cNvSpPr txBox="1"/>
+                  <p:nvPr/>
+                </p:nvSpPr>
+                <p:spPr>
+                  <a:xfrm>
+                    <a:off x="3355799" y="1978025"/>
+                    <a:ext cx="496546" cy="369332"/>
+                  </a:xfrm>
+                  <a:prstGeom prst="rect">
+                    <a:avLst/>
+                  </a:prstGeom>
+                  <a:noFill/>
+                </p:spPr>
+                <p:txBody>
+                  <a:bodyPr wrap="none" rtlCol="0">
+                    <a:spAutoFit/>
+                  </a:bodyPr>
+                  <a:lstStyle/>
+                  <a:p>
+                    <a:pPr/>
+                    <a14:m>
+                      <m:oMathPara xmlns:m="http://schemas.openxmlformats.org/officeDocument/2006/math">
+                        <m:oMathParaPr>
+                          <m:jc m:val="centerGroup"/>
+                        </m:oMathParaPr>
+                        <m:oMath xmlns:m="http://schemas.openxmlformats.org/officeDocument/2006/math">
+                          <m:sSub>
+                            <m:sSubPr>
+                              <m:ctrlPr>
+                                <a:rPr lang="en-US" altLang="ko-KR" b="0" i="1" smtClean="0">
+                                  <a:latin typeface="Cambria Math" panose="02040503050406030204" pitchFamily="18" charset="0"/>
+                                </a:rPr>
+                              </m:ctrlPr>
+                            </m:sSubPr>
+                            <m:e>
+                              <m:r>
+                                <a:rPr lang="en-US" altLang="ko-KR" b="0" i="1" smtClean="0">
+                                  <a:latin typeface="Cambria Math" panose="02040503050406030204" pitchFamily="18" charset="0"/>
+                                </a:rPr>
+                                <m:t>𝑣</m:t>
+                              </m:r>
+                            </m:e>
+                            <m:sub>
+                              <m:r>
+                                <a:rPr lang="en-US" altLang="ko-KR" b="0" i="1" smtClean="0">
+                                  <a:latin typeface="Cambria Math" panose="02040503050406030204" pitchFamily="18" charset="0"/>
+                                </a:rPr>
+                                <m:t>6</m:t>
+                              </m:r>
+                            </m:sub>
+                          </m:sSub>
+                        </m:oMath>
+                      </m:oMathPara>
+                    </a14:m>
+                    <a:endParaRPr lang="en-US" altLang="ko-KR" b="0" dirty="0"/>
+                  </a:p>
+                </p:txBody>
+              </p:sp>
+            </mc:Choice>
+            <mc:Fallback xmlns="">
+              <p:sp>
+                <p:nvSpPr>
+                  <p:cNvPr id="58" name="TextBox 57">
+                    <a:extLst>
+                      <a:ext uri="{FF2B5EF4-FFF2-40B4-BE49-F238E27FC236}">
+                        <a16:creationId xmlns:a16="http://schemas.microsoft.com/office/drawing/2014/main" id="{43663B29-6541-4B6A-AAE6-6E20F59B8122}"/>
+                      </a:ext>
+                    </a:extLst>
+                  </p:cNvPr>
+                  <p:cNvSpPr txBox="1">
+                    <a:spLocks noRot="1" noChangeAspect="1" noMove="1" noResize="1" noEditPoints="1" noAdjustHandles="1" noChangeArrowheads="1" noChangeShapeType="1" noTextEdit="1"/>
+                  </p:cNvSpPr>
+                  <p:nvPr/>
+                </p:nvSpPr>
+                <p:spPr>
+                  <a:xfrm>
+                    <a:off x="3355799" y="1978025"/>
+                    <a:ext cx="496546" cy="369332"/>
+                  </a:xfrm>
+                  <a:prstGeom prst="rect">
+                    <a:avLst/>
+                  </a:prstGeom>
+                  <a:blipFill>
+                    <a:blip r:embed="rId9"/>
+                    <a:stretch>
+                      <a:fillRect b="-1639"/>
+                    </a:stretch>
+                  </a:blipFill>
+                </p:spPr>
+                <p:txBody>
+                  <a:bodyPr/>
+                  <a:lstStyle/>
+                  <a:p>
+                    <a:r>
+                      <a:rPr lang="ko-KR" altLang="en-US">
+                        <a:noFill/>
+                      </a:rPr>
+                      <a:t> </a:t>
+                    </a:r>
+                  </a:p>
+                </p:txBody>
+              </p:sp>
+            </mc:Fallback>
+          </mc:AlternateContent>
+          <mc:AlternateContent xmlns:mc="http://schemas.openxmlformats.org/markup-compatibility/2006" xmlns:a14="http://schemas.microsoft.com/office/drawing/2010/main">
+            <mc:Choice Requires="a14">
+              <p:sp>
+                <p:nvSpPr>
+                  <p:cNvPr id="59" name="TextBox 58">
+                    <a:extLst>
+                      <a:ext uri="{FF2B5EF4-FFF2-40B4-BE49-F238E27FC236}">
+                        <a16:creationId xmlns:a16="http://schemas.microsoft.com/office/drawing/2014/main" id="{982A1BF9-8506-4464-A646-BB6FA7C2BCF3}"/>
+                      </a:ext>
+                    </a:extLst>
+                  </p:cNvPr>
+                  <p:cNvSpPr txBox="1"/>
+                  <p:nvPr/>
+                </p:nvSpPr>
+                <p:spPr>
+                  <a:xfrm>
+                    <a:off x="3653525" y="1292605"/>
+                    <a:ext cx="496546" cy="369332"/>
+                  </a:xfrm>
+                  <a:prstGeom prst="rect">
+                    <a:avLst/>
+                  </a:prstGeom>
+                  <a:noFill/>
+                </p:spPr>
+                <p:txBody>
+                  <a:bodyPr wrap="none" rtlCol="0">
+                    <a:spAutoFit/>
+                  </a:bodyPr>
+                  <a:lstStyle/>
+                  <a:p>
+                    <a:pPr/>
+                    <a14:m>
+                      <m:oMathPara xmlns:m="http://schemas.openxmlformats.org/officeDocument/2006/math">
+                        <m:oMathParaPr>
+                          <m:jc m:val="centerGroup"/>
+                        </m:oMathParaPr>
+                        <m:oMath xmlns:m="http://schemas.openxmlformats.org/officeDocument/2006/math">
+                          <m:sSub>
+                            <m:sSubPr>
+                              <m:ctrlPr>
+                                <a:rPr lang="en-US" altLang="ko-KR" b="0" i="1" smtClean="0">
+                                  <a:latin typeface="Cambria Math" panose="02040503050406030204" pitchFamily="18" charset="0"/>
+                                </a:rPr>
+                              </m:ctrlPr>
+                            </m:sSubPr>
+                            <m:e>
+                              <m:r>
+                                <a:rPr lang="en-US" altLang="ko-KR" b="0" i="1" smtClean="0">
+                                  <a:latin typeface="Cambria Math" panose="02040503050406030204" pitchFamily="18" charset="0"/>
+                                </a:rPr>
+                                <m:t>𝑣</m:t>
+                              </m:r>
+                            </m:e>
+                            <m:sub>
+                              <m:r>
+                                <a:rPr lang="en-US" altLang="ko-KR" b="0" i="1" smtClean="0">
+                                  <a:latin typeface="Cambria Math" panose="02040503050406030204" pitchFamily="18" charset="0"/>
+                                </a:rPr>
+                                <m:t>5</m:t>
+                              </m:r>
+                            </m:sub>
+                          </m:sSub>
+                        </m:oMath>
+                      </m:oMathPara>
+                    </a14:m>
+                    <a:endParaRPr lang="en-US" altLang="ko-KR" b="0" dirty="0"/>
+                  </a:p>
+                </p:txBody>
+              </p:sp>
+            </mc:Choice>
+            <mc:Fallback xmlns="">
+              <p:sp>
+                <p:nvSpPr>
+                  <p:cNvPr id="59" name="TextBox 58">
+                    <a:extLst>
+                      <a:ext uri="{FF2B5EF4-FFF2-40B4-BE49-F238E27FC236}">
+                        <a16:creationId xmlns:a16="http://schemas.microsoft.com/office/drawing/2014/main" id="{982A1BF9-8506-4464-A646-BB6FA7C2BCF3}"/>
+                      </a:ext>
+                    </a:extLst>
+                  </p:cNvPr>
+                  <p:cNvSpPr txBox="1">
+                    <a:spLocks noRot="1" noChangeAspect="1" noMove="1" noResize="1" noEditPoints="1" noAdjustHandles="1" noChangeArrowheads="1" noChangeShapeType="1" noTextEdit="1"/>
+                  </p:cNvSpPr>
+                  <p:nvPr/>
+                </p:nvSpPr>
+                <p:spPr>
+                  <a:xfrm>
+                    <a:off x="3653525" y="1292605"/>
+                    <a:ext cx="496546" cy="369332"/>
+                  </a:xfrm>
+                  <a:prstGeom prst="rect">
+                    <a:avLst/>
+                  </a:prstGeom>
+                  <a:blipFill>
+                    <a:blip r:embed="rId10"/>
+                    <a:stretch>
+                      <a:fillRect b="-3279"/>
+                    </a:stretch>
+                  </a:blipFill>
+                </p:spPr>
+                <p:txBody>
+                  <a:bodyPr/>
+                  <a:lstStyle/>
+                  <a:p>
+                    <a:r>
+                      <a:rPr lang="ko-KR" altLang="en-US">
+                        <a:noFill/>
+                      </a:rPr>
+                      <a:t> </a:t>
+                    </a:r>
+                  </a:p>
+                </p:txBody>
+              </p:sp>
+            </mc:Fallback>
+          </mc:AlternateContent>
+          <p:cxnSp>
+            <p:nvCxnSpPr>
+              <p:cNvPr id="60" name="직선 연결선 59">
+                <a:extLst>
+                  <a:ext uri="{FF2B5EF4-FFF2-40B4-BE49-F238E27FC236}">
+                    <a16:creationId xmlns:a16="http://schemas.microsoft.com/office/drawing/2014/main" id="{D721F629-2928-4DF3-B678-D3212F069F41}"/>
+                  </a:ext>
+                </a:extLst>
+              </p:cNvPr>
+              <p:cNvCxnSpPr>
+                <a:cxnSpLocks/>
+              </p:cNvCxnSpPr>
+              <p:nvPr/>
+            </p:nvCxnSpPr>
+            <p:spPr>
+              <a:xfrm flipH="1">
+                <a:off x="5148086" y="1611086"/>
+                <a:ext cx="460835" cy="1172058"/>
+              </a:xfrm>
+              <a:prstGeom prst="line">
+                <a:avLst/>
+              </a:prstGeom>
+              <a:ln w="19050">
+                <a:solidFill>
+                  <a:schemeClr val="bg1">
+                    <a:lumMod val="65000"/>
+                  </a:schemeClr>
+                </a:solidFill>
+                <a:headEnd type="none" w="med" len="med"/>
+                <a:tailEnd type="arrow" w="med" len="med"/>
+              </a:ln>
+            </p:spPr>
+            <p:style>
+              <a:lnRef idx="1">
+                <a:schemeClr val="accent1"/>
+              </a:lnRef>
+              <a:fillRef idx="0">
+                <a:schemeClr val="accent1"/>
+              </a:fillRef>
+              <a:effectRef idx="0">
+                <a:schemeClr val="accent1"/>
+              </a:effectRef>
+              <a:fontRef idx="minor">
+                <a:schemeClr val="tx1"/>
+              </a:fontRef>
+            </p:style>
+          </p:cxnSp>
+          <p:cxnSp>
+            <p:nvCxnSpPr>
+              <p:cNvPr id="61" name="직선 연결선 60">
+                <a:extLst>
+                  <a:ext uri="{FF2B5EF4-FFF2-40B4-BE49-F238E27FC236}">
+                    <a16:creationId xmlns:a16="http://schemas.microsoft.com/office/drawing/2014/main" id="{7A8F608C-FC89-41C5-A9AB-6CB9D135A795}"/>
+                  </a:ext>
+                </a:extLst>
+              </p:cNvPr>
+              <p:cNvCxnSpPr>
+                <a:cxnSpLocks/>
+              </p:cNvCxnSpPr>
+              <p:nvPr/>
+            </p:nvCxnSpPr>
+            <p:spPr>
+              <a:xfrm>
+                <a:off x="5608921" y="1611086"/>
+                <a:ext cx="300475" cy="1213790"/>
+              </a:xfrm>
+              <a:prstGeom prst="line">
+                <a:avLst/>
+              </a:prstGeom>
+              <a:ln w="19050">
+                <a:solidFill>
+                  <a:schemeClr val="bg1">
+                    <a:lumMod val="65000"/>
+                  </a:schemeClr>
+                </a:solidFill>
+                <a:headEnd type="none" w="med" len="med"/>
+                <a:tailEnd type="arrow" w="med" len="med"/>
+              </a:ln>
+            </p:spPr>
+            <p:style>
+              <a:lnRef idx="1">
+                <a:schemeClr val="accent1"/>
+              </a:lnRef>
+              <a:fillRef idx="0">
+                <a:schemeClr val="accent1"/>
+              </a:fillRef>
+              <a:effectRef idx="0">
+                <a:schemeClr val="accent1"/>
+              </a:effectRef>
+              <a:fontRef idx="minor">
+                <a:schemeClr val="tx1"/>
+              </a:fontRef>
+            </p:style>
+          </p:cxnSp>
+          <mc:AlternateContent xmlns:mc="http://schemas.openxmlformats.org/markup-compatibility/2006" xmlns:a14="http://schemas.microsoft.com/office/drawing/2010/main">
+            <mc:Choice Requires="a14">
+              <p:sp>
+                <p:nvSpPr>
+                  <p:cNvPr id="64" name="TextBox 63">
+                    <a:extLst>
+                      <a:ext uri="{FF2B5EF4-FFF2-40B4-BE49-F238E27FC236}">
+                        <a16:creationId xmlns:a16="http://schemas.microsoft.com/office/drawing/2014/main" id="{D06B9E96-FFF6-42D5-B34A-550F1529CCA1}"/>
+                      </a:ext>
+                    </a:extLst>
+                  </p:cNvPr>
+                  <p:cNvSpPr txBox="1"/>
+                  <p:nvPr/>
+                </p:nvSpPr>
+                <p:spPr>
+                  <a:xfrm>
+                    <a:off x="5188076" y="2167221"/>
+                    <a:ext cx="496546" cy="369332"/>
+                  </a:xfrm>
+                  <a:prstGeom prst="rect">
+                    <a:avLst/>
+                  </a:prstGeom>
+                  <a:noFill/>
+                </p:spPr>
+                <p:txBody>
+                  <a:bodyPr wrap="none" rtlCol="0">
+                    <a:spAutoFit/>
+                  </a:bodyPr>
+                  <a:lstStyle/>
+                  <a:p>
+                    <a:pPr/>
+                    <a14:m>
+                      <m:oMathPara xmlns:m="http://schemas.openxmlformats.org/officeDocument/2006/math">
+                        <m:oMathParaPr>
+                          <m:jc m:val="centerGroup"/>
+                        </m:oMathParaPr>
+                        <m:oMath xmlns:m="http://schemas.openxmlformats.org/officeDocument/2006/math">
+                          <m:sSub>
+                            <m:sSubPr>
+                              <m:ctrlPr>
+                                <a:rPr lang="en-US" altLang="ko-KR" b="0" i="1" smtClean="0">
+                                  <a:latin typeface="Cambria Math" panose="02040503050406030204" pitchFamily="18" charset="0"/>
+                                </a:rPr>
+                              </m:ctrlPr>
+                            </m:sSubPr>
+                            <m:e>
+                              <m:r>
+                                <a:rPr lang="en-US" altLang="ko-KR" b="0" i="1" smtClean="0">
+                                  <a:latin typeface="Cambria Math" panose="02040503050406030204" pitchFamily="18" charset="0"/>
+                                </a:rPr>
+                                <m:t>𝑣</m:t>
+                              </m:r>
+                            </m:e>
+                            <m:sub>
+                              <m:r>
+                                <a:rPr lang="en-US" altLang="ko-KR" b="0" i="1" smtClean="0">
+                                  <a:latin typeface="Cambria Math" panose="02040503050406030204" pitchFamily="18" charset="0"/>
+                                </a:rPr>
+                                <m:t>3</m:t>
+                              </m:r>
+                            </m:sub>
+                          </m:sSub>
+                        </m:oMath>
+                      </m:oMathPara>
+                    </a14:m>
+                    <a:endParaRPr lang="en-US" altLang="ko-KR" b="0" dirty="0"/>
+                  </a:p>
+                </p:txBody>
+              </p:sp>
+            </mc:Choice>
+            <mc:Fallback xmlns="">
+              <p:sp>
+                <p:nvSpPr>
+                  <p:cNvPr id="64" name="TextBox 63">
+                    <a:extLst>
+                      <a:ext uri="{FF2B5EF4-FFF2-40B4-BE49-F238E27FC236}">
+                        <a16:creationId xmlns:a16="http://schemas.microsoft.com/office/drawing/2014/main" id="{D06B9E96-FFF6-42D5-B34A-550F1529CCA1}"/>
+                      </a:ext>
+                    </a:extLst>
+                  </p:cNvPr>
+                  <p:cNvSpPr txBox="1">
+                    <a:spLocks noRot="1" noChangeAspect="1" noMove="1" noResize="1" noEditPoints="1" noAdjustHandles="1" noChangeArrowheads="1" noChangeShapeType="1" noTextEdit="1"/>
+                  </p:cNvSpPr>
+                  <p:nvPr/>
+                </p:nvSpPr>
+                <p:spPr>
+                  <a:xfrm>
+                    <a:off x="5188076" y="2167221"/>
+                    <a:ext cx="496546" cy="369332"/>
+                  </a:xfrm>
+                  <a:prstGeom prst="rect">
+                    <a:avLst/>
+                  </a:prstGeom>
+                  <a:blipFill>
+                    <a:blip r:embed="rId11"/>
+                    <a:stretch>
+                      <a:fillRect b="-3333"/>
+                    </a:stretch>
+                  </a:blipFill>
+                </p:spPr>
+                <p:txBody>
+                  <a:bodyPr/>
+                  <a:lstStyle/>
+                  <a:p>
+                    <a:r>
+                      <a:rPr lang="ko-KR" altLang="en-US">
+                        <a:noFill/>
+                      </a:rPr>
+                      <a:t> </a:t>
+                    </a:r>
+                  </a:p>
+                </p:txBody>
+              </p:sp>
+            </mc:Fallback>
+          </mc:AlternateContent>
+          <mc:AlternateContent xmlns:mc="http://schemas.openxmlformats.org/markup-compatibility/2006" xmlns:a14="http://schemas.microsoft.com/office/drawing/2010/main">
+            <mc:Choice Requires="a14">
+              <p:sp>
+                <p:nvSpPr>
+                  <p:cNvPr id="65" name="TextBox 64">
+                    <a:extLst>
+                      <a:ext uri="{FF2B5EF4-FFF2-40B4-BE49-F238E27FC236}">
+                        <a16:creationId xmlns:a16="http://schemas.microsoft.com/office/drawing/2014/main" id="{5DC177E3-0275-455F-B7E7-5B1C41BEAF71}"/>
+                      </a:ext>
+                    </a:extLst>
+                  </p:cNvPr>
+                  <p:cNvSpPr txBox="1"/>
+                  <p:nvPr/>
+                </p:nvSpPr>
+                <p:spPr>
+                  <a:xfrm>
+                    <a:off x="5682503" y="2064671"/>
+                    <a:ext cx="486672" cy="369332"/>
+                  </a:xfrm>
+                  <a:prstGeom prst="rect">
+                    <a:avLst/>
+                  </a:prstGeom>
+                  <a:noFill/>
+                </p:spPr>
+                <p:txBody>
+                  <a:bodyPr wrap="none" rtlCol="0">
+                    <a:spAutoFit/>
+                  </a:bodyPr>
+                  <a:lstStyle/>
+                  <a:p>
+                    <a:pPr/>
+                    <a14:m>
+                      <m:oMathPara xmlns:m="http://schemas.openxmlformats.org/officeDocument/2006/math">
+                        <m:oMathParaPr>
+                          <m:jc m:val="centerGroup"/>
+                        </m:oMathParaPr>
+                        <m:oMath xmlns:m="http://schemas.openxmlformats.org/officeDocument/2006/math">
+                          <m:sSub>
+                            <m:sSubPr>
+                              <m:ctrlPr>
+                                <a:rPr lang="en-US" altLang="ko-KR" b="0" i="1" smtClean="0">
+                                  <a:latin typeface="Cambria Math" panose="02040503050406030204" pitchFamily="18" charset="0"/>
+                                </a:rPr>
+                              </m:ctrlPr>
+                            </m:sSubPr>
+                            <m:e>
+                              <m:r>
+                                <a:rPr lang="en-US" altLang="ko-KR" b="0" i="1" smtClean="0">
+                                  <a:latin typeface="Cambria Math" panose="02040503050406030204" pitchFamily="18" charset="0"/>
+                                </a:rPr>
+                                <m:t>𝑣</m:t>
+                              </m:r>
+                            </m:e>
+                            <m:sub>
+                              <m:r>
+                                <a:rPr lang="en-US" altLang="ko-KR" b="0" i="1" smtClean="0">
+                                  <a:latin typeface="Cambria Math" panose="02040503050406030204" pitchFamily="18" charset="0"/>
+                                </a:rPr>
+                                <m:t>4</m:t>
+                              </m:r>
+                            </m:sub>
+                          </m:sSub>
+                        </m:oMath>
+                      </m:oMathPara>
+                    </a14:m>
+                    <a:endParaRPr lang="en-US" altLang="ko-KR" b="0" dirty="0"/>
+                  </a:p>
+                </p:txBody>
+              </p:sp>
+            </mc:Choice>
+            <mc:Fallback xmlns="">
+              <p:sp>
+                <p:nvSpPr>
+                  <p:cNvPr id="65" name="TextBox 64">
+                    <a:extLst>
+                      <a:ext uri="{FF2B5EF4-FFF2-40B4-BE49-F238E27FC236}">
+                        <a16:creationId xmlns:a16="http://schemas.microsoft.com/office/drawing/2014/main" id="{5DC177E3-0275-455F-B7E7-5B1C41BEAF71}"/>
+                      </a:ext>
+                    </a:extLst>
+                  </p:cNvPr>
+                  <p:cNvSpPr txBox="1">
+                    <a:spLocks noRot="1" noChangeAspect="1" noMove="1" noResize="1" noEditPoints="1" noAdjustHandles="1" noChangeArrowheads="1" noChangeShapeType="1" noTextEdit="1"/>
+                  </p:cNvSpPr>
+                  <p:nvPr/>
+                </p:nvSpPr>
+                <p:spPr>
+                  <a:xfrm>
+                    <a:off x="5682503" y="2064671"/>
+                    <a:ext cx="486672" cy="369332"/>
+                  </a:xfrm>
+                  <a:prstGeom prst="rect">
+                    <a:avLst/>
+                  </a:prstGeom>
+                  <a:blipFill>
+                    <a:blip r:embed="rId12"/>
+                    <a:stretch>
+                      <a:fillRect b="-3333"/>
+                    </a:stretch>
+                  </a:blipFill>
+                </p:spPr>
+                <p:txBody>
+                  <a:bodyPr/>
+                  <a:lstStyle/>
+                  <a:p>
+                    <a:r>
+                      <a:rPr lang="ko-KR" altLang="en-US">
+                        <a:noFill/>
+                      </a:rPr>
+                      <a:t> </a:t>
+                    </a:r>
+                  </a:p>
+                </p:txBody>
+              </p:sp>
+            </mc:Fallback>
+          </mc:AlternateContent>
+          <p:cxnSp>
+            <p:nvCxnSpPr>
+              <p:cNvPr id="66" name="직선 화살표 연결선 65">
+                <a:extLst>
+                  <a:ext uri="{FF2B5EF4-FFF2-40B4-BE49-F238E27FC236}">
+                    <a16:creationId xmlns:a16="http://schemas.microsoft.com/office/drawing/2014/main" id="{760C391D-5915-48B4-9B34-27DA19B44906}"/>
+                  </a:ext>
+                </a:extLst>
+              </p:cNvPr>
+              <p:cNvCxnSpPr>
+                <a:cxnSpLocks/>
+              </p:cNvCxnSpPr>
+              <p:nvPr/>
+            </p:nvCxnSpPr>
+            <p:spPr>
+              <a:xfrm flipV="1">
+                <a:off x="4866083" y="1084943"/>
+                <a:ext cx="0" cy="1579148"/>
+              </a:xfrm>
+              <a:prstGeom prst="straightConnector1">
+                <a:avLst/>
+              </a:prstGeom>
+              <a:ln w="19050">
+                <a:solidFill>
+                  <a:schemeClr val="bg1">
+                    <a:lumMod val="65000"/>
+                  </a:schemeClr>
+                </a:solidFill>
+                <a:tailEnd type="triangle"/>
+              </a:ln>
+            </p:spPr>
+            <p:style>
+              <a:lnRef idx="1">
+                <a:schemeClr val="accent1"/>
+              </a:lnRef>
+              <a:fillRef idx="0">
+                <a:schemeClr val="accent1"/>
+              </a:fillRef>
+              <a:effectRef idx="0">
+                <a:schemeClr val="accent1"/>
+              </a:effectRef>
+              <a:fontRef idx="minor">
+                <a:schemeClr val="tx1"/>
+              </a:fontRef>
+            </p:style>
+          </p:cxnSp>
+          <mc:AlternateContent xmlns:mc="http://schemas.openxmlformats.org/markup-compatibility/2006" xmlns:a14="http://schemas.microsoft.com/office/drawing/2010/main">
+            <mc:Choice Requires="a14">
+              <p:sp>
+                <p:nvSpPr>
+                  <p:cNvPr id="67" name="TextBox 66">
+                    <a:extLst>
+                      <a:ext uri="{FF2B5EF4-FFF2-40B4-BE49-F238E27FC236}">
+                        <a16:creationId xmlns:a16="http://schemas.microsoft.com/office/drawing/2014/main" id="{468352D4-B8C6-44C7-AD56-847525BC79DB}"/>
+                      </a:ext>
+                    </a:extLst>
+                  </p:cNvPr>
+                  <p:cNvSpPr txBox="1"/>
+                  <p:nvPr/>
+                </p:nvSpPr>
+                <p:spPr>
+                  <a:xfrm>
+                    <a:off x="4798739" y="1967713"/>
+                    <a:ext cx="402995" cy="369332"/>
+                  </a:xfrm>
+                  <a:prstGeom prst="rect">
+                    <a:avLst/>
+                  </a:prstGeom>
+                  <a:noFill/>
+                </p:spPr>
+                <p:txBody>
+                  <a:bodyPr wrap="none" rtlCol="0">
+                    <a:spAutoFit/>
+                  </a:bodyPr>
+                  <a:lstStyle/>
+                  <a:p>
+                    <a:pPr/>
+                    <a14:m>
+                      <m:oMathPara xmlns:m="http://schemas.openxmlformats.org/officeDocument/2006/math">
+                        <m:oMathParaPr>
+                          <m:jc m:val="centerGroup"/>
+                        </m:oMathParaPr>
+                        <m:oMath xmlns:m="http://schemas.openxmlformats.org/officeDocument/2006/math">
+                          <m:r>
+                            <a:rPr lang="en-US" altLang="ko-KR" b="0" i="1" smtClean="0">
+                              <a:latin typeface="Cambria Math" panose="02040503050406030204" pitchFamily="18" charset="0"/>
+                            </a:rPr>
+                            <m:t>𝜃</m:t>
+                          </m:r>
+                        </m:oMath>
+                      </m:oMathPara>
+                    </a14:m>
+                    <a:endParaRPr lang="en-US" altLang="ko-KR" b="0" dirty="0"/>
+                  </a:p>
+                </p:txBody>
+              </p:sp>
+            </mc:Choice>
+            <mc:Fallback xmlns="">
+              <p:sp>
+                <p:nvSpPr>
+                  <p:cNvPr id="67" name="TextBox 66">
+                    <a:extLst>
+                      <a:ext uri="{FF2B5EF4-FFF2-40B4-BE49-F238E27FC236}">
+                        <a16:creationId xmlns:a16="http://schemas.microsoft.com/office/drawing/2014/main" id="{468352D4-B8C6-44C7-AD56-847525BC79DB}"/>
+                      </a:ext>
+                    </a:extLst>
+                  </p:cNvPr>
+                  <p:cNvSpPr txBox="1">
+                    <a:spLocks noRot="1" noChangeAspect="1" noMove="1" noResize="1" noEditPoints="1" noAdjustHandles="1" noChangeArrowheads="1" noChangeShapeType="1" noTextEdit="1"/>
+                  </p:cNvSpPr>
+                  <p:nvPr/>
+                </p:nvSpPr>
+                <p:spPr>
+                  <a:xfrm>
+                    <a:off x="4798739" y="1967713"/>
+                    <a:ext cx="402995" cy="369332"/>
+                  </a:xfrm>
+                  <a:prstGeom prst="rect">
+                    <a:avLst/>
+                  </a:prstGeom>
+                  <a:blipFill>
+                    <a:blip r:embed="rId13"/>
+                    <a:stretch>
+                      <a:fillRect/>
+                    </a:stretch>
+                  </a:blipFill>
+                </p:spPr>
+                <p:txBody>
+                  <a:bodyPr/>
+                  <a:lstStyle/>
+                  <a:p>
+                    <a:r>
+                      <a:rPr lang="ko-KR" altLang="en-US">
+                        <a:noFill/>
+                      </a:rPr>
+                      <a:t> </a:t>
+                    </a:r>
+                  </a:p>
+                </p:txBody>
+              </p:sp>
+            </mc:Fallback>
+          </mc:AlternateContent>
+          <p:sp>
+            <p:nvSpPr>
+              <p:cNvPr id="68" name="부분 원형 67">
+                <a:extLst>
+                  <a:ext uri="{FF2B5EF4-FFF2-40B4-BE49-F238E27FC236}">
+                    <a16:creationId xmlns:a16="http://schemas.microsoft.com/office/drawing/2014/main" id="{8F52A7AB-9CF7-4FD5-8140-DAEF7790B7F0}"/>
                   </a:ext>
                 </a:extLst>
               </p:cNvPr>
@@ -7957,310 +10120,22 @@
             </p:nvSpPr>
             <p:spPr>
               <a:xfrm>
-                <a:off x="1469571" y="1611086"/>
-                <a:ext cx="1458686" cy="2465615"/>
+                <a:off x="4573316" y="2281005"/>
+                <a:ext cx="593272" cy="593272"/>
               </a:xfrm>
-              <a:prstGeom prst="roundRect">
+              <a:prstGeom prst="pie">
                 <a:avLst>
-                  <a:gd name="adj" fmla="val 6219"/>
+                  <a:gd name="adj1" fmla="val 16148038"/>
+                  <a:gd name="adj2" fmla="val 19025696"/>
                 </a:avLst>
               </a:prstGeom>
-              <a:solidFill>
-                <a:schemeClr val="bg1">
-                  <a:lumMod val="65000"/>
-                </a:schemeClr>
-              </a:solidFill>
-              <a:ln w="38100"/>
-            </p:spPr>
-            <p:style>
-              <a:lnRef idx="2">
-                <a:schemeClr val="accent3"/>
-              </a:lnRef>
-              <a:fillRef idx="1">
-                <a:schemeClr val="lt1"/>
-              </a:fillRef>
-              <a:effectRef idx="0">
-                <a:schemeClr val="accent3"/>
-              </a:effectRef>
-              <a:fontRef idx="minor">
-                <a:schemeClr val="dk1"/>
-              </a:fontRef>
-            </p:style>
-            <p:txBody>
-              <a:bodyPr rtlCol="0" anchor="ctr"/>
-              <a:lstStyle/>
-              <a:p>
-                <a:pPr algn="ctr"/>
-                <a:endParaRPr lang="ko-KR" altLang="en-US"/>
-              </a:p>
-            </p:txBody>
-          </p:sp>
-          <p:sp>
-            <p:nvSpPr>
-              <p:cNvPr id="10" name="직사각형 9">
-                <a:extLst>
-                  <a:ext uri="{FF2B5EF4-FFF2-40B4-BE49-F238E27FC236}">
-                    <a16:creationId xmlns:a16="http://schemas.microsoft.com/office/drawing/2014/main" id="{E7257A1D-7FFF-4CA1-871A-12F15593F59A}"/>
-                  </a:ext>
-                </a:extLst>
-              </p:cNvPr>
-              <p:cNvSpPr/>
-              <p:nvPr/>
-            </p:nvSpPr>
-            <p:spPr>
-              <a:xfrm>
-                <a:off x="1540328" y="1681843"/>
-                <a:ext cx="1317171" cy="2318657"/>
-              </a:xfrm>
-              <a:prstGeom prst="rect">
-                <a:avLst/>
-              </a:prstGeom>
-              <a:solidFill>
-                <a:schemeClr val="bg1"/>
-              </a:solidFill>
+              <a:noFill/>
               <a:ln>
-                <a:noFill/>
-              </a:ln>
-            </p:spPr>
-            <p:style>
-              <a:lnRef idx="2">
-                <a:schemeClr val="accent1">
-                  <a:shade val="50000"/>
-                </a:schemeClr>
-              </a:lnRef>
-              <a:fillRef idx="1">
-                <a:schemeClr val="accent1"/>
-              </a:fillRef>
-              <a:effectRef idx="0">
-                <a:schemeClr val="accent1"/>
-              </a:effectRef>
-              <a:fontRef idx="minor">
-                <a:schemeClr val="lt1"/>
-              </a:fontRef>
-            </p:style>
-            <p:txBody>
-              <a:bodyPr rtlCol="0" anchor="ctr"/>
-              <a:lstStyle/>
-              <a:p>
-                <a:pPr algn="ctr"/>
-                <a:endParaRPr lang="ko-KR" altLang="en-US" dirty="0"/>
-              </a:p>
-            </p:txBody>
-          </p:sp>
-          <p:sp>
-            <p:nvSpPr>
-              <p:cNvPr id="11" name="대각선 줄무늬 10">
-                <a:extLst>
-                  <a:ext uri="{FF2B5EF4-FFF2-40B4-BE49-F238E27FC236}">
-                    <a16:creationId xmlns:a16="http://schemas.microsoft.com/office/drawing/2014/main" id="{F504AF98-946A-463E-85B6-C12DAA9270A6}"/>
-                  </a:ext>
-                </a:extLst>
-              </p:cNvPr>
-              <p:cNvSpPr/>
-              <p:nvPr/>
-            </p:nvSpPr>
-            <p:spPr>
-              <a:xfrm rot="13609895">
-                <a:off x="1997778" y="1462076"/>
-                <a:ext cx="376108" cy="399772"/>
-              </a:xfrm>
-              <a:prstGeom prst="diagStripe">
-                <a:avLst>
-                  <a:gd name="adj" fmla="val 76072"/>
-                </a:avLst>
-              </a:prstGeom>
-              <a:solidFill>
-                <a:schemeClr val="bg1">
-                  <a:lumMod val="65000"/>
-                </a:schemeClr>
-              </a:solidFill>
-              <a:ln>
-                <a:noFill/>
-              </a:ln>
-            </p:spPr>
-            <p:style>
-              <a:lnRef idx="2">
-                <a:schemeClr val="accent1">
-                  <a:shade val="50000"/>
-                </a:schemeClr>
-              </a:lnRef>
-              <a:fillRef idx="1">
-                <a:schemeClr val="accent1"/>
-              </a:fillRef>
-              <a:effectRef idx="0">
-                <a:schemeClr val="accent1"/>
-              </a:effectRef>
-              <a:fontRef idx="minor">
-                <a:schemeClr val="lt1"/>
-              </a:fontRef>
-            </p:style>
-            <p:txBody>
-              <a:bodyPr rtlCol="0" anchor="ctr"/>
-              <a:lstStyle/>
-              <a:p>
-                <a:pPr algn="ctr"/>
-                <a:endParaRPr lang="ko-KR" altLang="en-US" dirty="0">
-                  <a:solidFill>
-                    <a:schemeClr val="tx1"/>
-                  </a:solidFill>
-                </a:endParaRPr>
-              </a:p>
-            </p:txBody>
-          </p:sp>
-        </p:grpSp>
-        <p:grpSp>
-          <p:nvGrpSpPr>
-            <p:cNvPr id="7" name="그룹 6">
-              <a:extLst>
-                <a:ext uri="{FF2B5EF4-FFF2-40B4-BE49-F238E27FC236}">
-                  <a16:creationId xmlns:a16="http://schemas.microsoft.com/office/drawing/2014/main" id="{CF11C455-38AB-4F40-BA77-8BE586B1B994}"/>
-                </a:ext>
-              </a:extLst>
-            </p:cNvPr>
-            <p:cNvGrpSpPr/>
-            <p:nvPr/>
-          </p:nvGrpSpPr>
-          <p:grpSpPr>
-            <a:xfrm>
-              <a:off x="1469571" y="1479499"/>
-              <a:ext cx="1458686" cy="2597202"/>
-              <a:chOff x="1469571" y="1479499"/>
-              <a:chExt cx="1458686" cy="2597202"/>
-            </a:xfrm>
-          </p:grpSpPr>
-          <p:sp>
-            <p:nvSpPr>
-              <p:cNvPr id="4" name="사각형: 둥근 모서리 3">
-                <a:extLst>
-                  <a:ext uri="{FF2B5EF4-FFF2-40B4-BE49-F238E27FC236}">
-                    <a16:creationId xmlns:a16="http://schemas.microsoft.com/office/drawing/2014/main" id="{94C2B93F-A0CD-4E3F-92A1-EC2E537D6755}"/>
-                  </a:ext>
-                </a:extLst>
-              </p:cNvPr>
-              <p:cNvSpPr/>
-              <p:nvPr/>
-            </p:nvSpPr>
-            <p:spPr>
-              <a:xfrm>
-                <a:off x="1469571" y="1611086"/>
-                <a:ext cx="1458686" cy="2465615"/>
-              </a:xfrm>
-              <a:prstGeom prst="roundRect">
-                <a:avLst>
-                  <a:gd name="adj" fmla="val 6219"/>
-                </a:avLst>
-              </a:prstGeom>
-              <a:solidFill>
-                <a:schemeClr val="bg1">
-                  <a:lumMod val="65000"/>
-                </a:schemeClr>
-              </a:solidFill>
-              <a:ln w="38100"/>
-            </p:spPr>
-            <p:style>
-              <a:lnRef idx="2">
-                <a:schemeClr val="accent3"/>
-              </a:lnRef>
-              <a:fillRef idx="1">
-                <a:schemeClr val="lt1"/>
-              </a:fillRef>
-              <a:effectRef idx="0">
-                <a:schemeClr val="accent3"/>
-              </a:effectRef>
-              <a:fontRef idx="minor">
-                <a:schemeClr val="dk1"/>
-              </a:fontRef>
-            </p:style>
-            <p:txBody>
-              <a:bodyPr rtlCol="0" anchor="ctr"/>
-              <a:lstStyle/>
-              <a:p>
-                <a:pPr algn="ctr"/>
-                <a:endParaRPr lang="ko-KR" altLang="en-US"/>
-              </a:p>
-            </p:txBody>
-          </p:sp>
-          <p:sp>
-            <p:nvSpPr>
-              <p:cNvPr id="5" name="직사각형 4">
-                <a:extLst>
-                  <a:ext uri="{FF2B5EF4-FFF2-40B4-BE49-F238E27FC236}">
-                    <a16:creationId xmlns:a16="http://schemas.microsoft.com/office/drawing/2014/main" id="{1A4C8227-0CB9-4989-92C9-566A75B6EFBA}"/>
-                  </a:ext>
-                </a:extLst>
-              </p:cNvPr>
-              <p:cNvSpPr/>
-              <p:nvPr/>
-            </p:nvSpPr>
-            <p:spPr>
-              <a:xfrm>
-                <a:off x="1540328" y="1681843"/>
-                <a:ext cx="1317171" cy="2318657"/>
-              </a:xfrm>
-              <a:prstGeom prst="rect">
-                <a:avLst/>
-              </a:prstGeom>
-              <a:solidFill>
-                <a:schemeClr val="bg1"/>
-              </a:solidFill>
-              <a:ln>
-                <a:noFill/>
-              </a:ln>
-            </p:spPr>
-            <p:style>
-              <a:lnRef idx="2">
-                <a:schemeClr val="accent1">
-                  <a:shade val="50000"/>
-                </a:schemeClr>
-              </a:lnRef>
-              <a:fillRef idx="1">
-                <a:schemeClr val="accent1"/>
-              </a:fillRef>
-              <a:effectRef idx="0">
-                <a:schemeClr val="accent1"/>
-              </a:effectRef>
-              <a:fontRef idx="minor">
-                <a:schemeClr val="lt1"/>
-              </a:fontRef>
-            </p:style>
-            <p:txBody>
-              <a:bodyPr rtlCol="0" anchor="ctr"/>
-              <a:lstStyle/>
-              <a:p>
-                <a:pPr algn="ctr"/>
-                <a:endParaRPr lang="ko-KR" altLang="en-US" dirty="0"/>
-              </a:p>
-            </p:txBody>
-          </p:sp>
-          <p:sp>
-            <p:nvSpPr>
-              <p:cNvPr id="6" name="대각선 줄무늬 5">
-                <a:extLst>
-                  <a:ext uri="{FF2B5EF4-FFF2-40B4-BE49-F238E27FC236}">
-                    <a16:creationId xmlns:a16="http://schemas.microsoft.com/office/drawing/2014/main" id="{EAAAA7CB-88B3-450B-9727-1C3A60C5F13C}"/>
-                  </a:ext>
-                </a:extLst>
-              </p:cNvPr>
-              <p:cNvSpPr/>
-              <p:nvPr/>
-            </p:nvSpPr>
-            <p:spPr>
-              <a:xfrm rot="13609895">
-                <a:off x="2010859" y="1467667"/>
-                <a:ext cx="376108" cy="399772"/>
-              </a:xfrm>
-              <a:prstGeom prst="diagStripe">
-                <a:avLst>
-                  <a:gd name="adj" fmla="val 76072"/>
-                </a:avLst>
-              </a:prstGeom>
-              <a:solidFill>
-                <a:schemeClr val="bg1">
-                  <a:lumMod val="65000"/>
-                </a:schemeClr>
-              </a:solidFill>
-              <a:ln>
-                <a:noFill/>
+                <a:solidFill>
+                  <a:schemeClr val="bg1">
+                    <a:lumMod val="65000"/>
+                  </a:schemeClr>
+                </a:solidFill>
               </a:ln>
             </p:spPr>
             <p:style>
@@ -8292,205 +10167,83 @@
               </a:p>
             </p:txBody>
           </p:sp>
+          <p:sp>
+            <p:nvSpPr>
+              <p:cNvPr id="52" name="원호 51">
+                <a:extLst>
+                  <a:ext uri="{FF2B5EF4-FFF2-40B4-BE49-F238E27FC236}">
+                    <a16:creationId xmlns:a16="http://schemas.microsoft.com/office/drawing/2014/main" id="{F8537441-0E19-4C5C-BBDF-3C1B5D818D96}"/>
+                  </a:ext>
+                </a:extLst>
+              </p:cNvPr>
+              <p:cNvSpPr/>
+              <p:nvPr/>
+            </p:nvSpPr>
+            <p:spPr>
+              <a:xfrm rot="8265375">
+                <a:off x="2190927" y="-84091"/>
+                <a:ext cx="3595935" cy="3432865"/>
+              </a:xfrm>
+              <a:prstGeom prst="arc">
+                <a:avLst/>
+              </a:prstGeom>
+              <a:ln w="19050">
+                <a:solidFill>
+                  <a:schemeClr val="bg1">
+                    <a:lumMod val="65000"/>
+                  </a:schemeClr>
+                </a:solidFill>
+              </a:ln>
+            </p:spPr>
+            <p:style>
+              <a:lnRef idx="1">
+                <a:schemeClr val="accent1"/>
+              </a:lnRef>
+              <a:fillRef idx="0">
+                <a:schemeClr val="accent1"/>
+              </a:fillRef>
+              <a:effectRef idx="0">
+                <a:schemeClr val="accent1"/>
+              </a:effectRef>
+              <a:fontRef idx="minor">
+                <a:schemeClr val="tx1"/>
+              </a:fontRef>
+            </p:style>
+            <p:txBody>
+              <a:bodyPr rtlCol="0" anchor="ctr"/>
+              <a:lstStyle/>
+              <a:p>
+                <a:pPr algn="ctr"/>
+                <a:endParaRPr lang="ko-KR" altLang="en-US"/>
+              </a:p>
+            </p:txBody>
+          </p:sp>
         </p:grpSp>
-        <p:cxnSp>
-          <p:nvCxnSpPr>
-            <p:cNvPr id="21" name="직선 연결선 20">
-              <a:extLst>
-                <a:ext uri="{FF2B5EF4-FFF2-40B4-BE49-F238E27FC236}">
-                  <a16:creationId xmlns:a16="http://schemas.microsoft.com/office/drawing/2014/main" id="{EE1CE41D-DACA-4A03-900E-AF53A4EE1A0E}"/>
-                </a:ext>
-              </a:extLst>
-            </p:cNvPr>
-            <p:cNvCxnSpPr>
-              <a:cxnSpLocks/>
-            </p:cNvCxnSpPr>
-            <p:nvPr/>
-          </p:nvCxnSpPr>
-          <p:spPr>
-            <a:xfrm>
-              <a:off x="1929145" y="2768659"/>
-              <a:ext cx="683441" cy="28970"/>
-            </a:xfrm>
-            <a:prstGeom prst="line">
-              <a:avLst/>
-            </a:prstGeom>
-            <a:ln w="38100">
-              <a:solidFill>
-                <a:schemeClr val="bg1">
-                  <a:lumMod val="65000"/>
-                </a:schemeClr>
-              </a:solidFill>
-              <a:headEnd type="oval" w="med" len="med"/>
-              <a:tailEnd type="oval" w="med" len="med"/>
-            </a:ln>
-          </p:spPr>
-          <p:style>
-            <a:lnRef idx="1">
-              <a:schemeClr val="accent1"/>
-            </a:lnRef>
-            <a:fillRef idx="0">
-              <a:schemeClr val="accent1"/>
-            </a:fillRef>
-            <a:effectRef idx="0">
-              <a:schemeClr val="accent1"/>
-            </a:effectRef>
-            <a:fontRef idx="minor">
-              <a:schemeClr val="tx1"/>
-            </a:fontRef>
-          </p:style>
-        </p:cxnSp>
-        <p:cxnSp>
-          <p:nvCxnSpPr>
-            <p:cNvPr id="22" name="직선 연결선 21">
-              <a:extLst>
-                <a:ext uri="{FF2B5EF4-FFF2-40B4-BE49-F238E27FC236}">
-                  <a16:creationId xmlns:a16="http://schemas.microsoft.com/office/drawing/2014/main" id="{453FF949-4F20-4989-BEAC-587FCF744DB4}"/>
-                </a:ext>
-              </a:extLst>
-            </p:cNvPr>
-            <p:cNvCxnSpPr>
-              <a:cxnSpLocks/>
-            </p:cNvCxnSpPr>
-            <p:nvPr/>
-          </p:nvCxnSpPr>
-          <p:spPr>
-            <a:xfrm>
-              <a:off x="5148086" y="2846804"/>
-              <a:ext cx="773374" cy="5319"/>
-            </a:xfrm>
-            <a:prstGeom prst="line">
-              <a:avLst/>
-            </a:prstGeom>
-            <a:ln w="38100">
-              <a:solidFill>
-                <a:schemeClr val="bg1">
-                  <a:lumMod val="65000"/>
-                </a:schemeClr>
-              </a:solidFill>
-              <a:headEnd type="oval" w="med" len="med"/>
-              <a:tailEnd type="oval" w="med" len="med"/>
-            </a:ln>
-          </p:spPr>
-          <p:style>
-            <a:lnRef idx="1">
-              <a:schemeClr val="accent1"/>
-            </a:lnRef>
-            <a:fillRef idx="0">
-              <a:schemeClr val="accent1"/>
-            </a:fillRef>
-            <a:effectRef idx="0">
-              <a:schemeClr val="accent1"/>
-            </a:effectRef>
-            <a:fontRef idx="minor">
-              <a:schemeClr val="tx1"/>
-            </a:fontRef>
-          </p:style>
-        </p:cxnSp>
-        <p:cxnSp>
-          <p:nvCxnSpPr>
-            <p:cNvPr id="23" name="직선 연결선 22">
-              <a:extLst>
-                <a:ext uri="{FF2B5EF4-FFF2-40B4-BE49-F238E27FC236}">
-                  <a16:creationId xmlns:a16="http://schemas.microsoft.com/office/drawing/2014/main" id="{806350CE-E519-436D-81D4-F6D79392AC03}"/>
-                </a:ext>
-              </a:extLst>
-            </p:cNvPr>
-            <p:cNvCxnSpPr>
-              <a:cxnSpLocks/>
-            </p:cNvCxnSpPr>
-            <p:nvPr/>
-          </p:nvCxnSpPr>
-          <p:spPr>
-            <a:xfrm>
-              <a:off x="2612586" y="2797629"/>
-              <a:ext cx="2462913" cy="54494"/>
-            </a:xfrm>
-            <a:prstGeom prst="line">
-              <a:avLst/>
-            </a:prstGeom>
-            <a:ln w="38100">
-              <a:solidFill>
-                <a:schemeClr val="bg1">
-                  <a:lumMod val="65000"/>
-                </a:schemeClr>
-              </a:solidFill>
-              <a:prstDash val="sysDot"/>
-            </a:ln>
-          </p:spPr>
-          <p:style>
-            <a:lnRef idx="1">
-              <a:schemeClr val="accent1"/>
-            </a:lnRef>
-            <a:fillRef idx="0">
-              <a:schemeClr val="accent1"/>
-            </a:fillRef>
-            <a:effectRef idx="0">
-              <a:schemeClr val="accent1"/>
-            </a:effectRef>
-            <a:fontRef idx="minor">
-              <a:schemeClr val="tx1"/>
-            </a:fontRef>
-          </p:style>
-        </p:cxnSp>
-        <p:sp>
-          <p:nvSpPr>
-            <p:cNvPr id="45" name="TextBox 44">
-              <a:extLst>
-                <a:ext uri="{FF2B5EF4-FFF2-40B4-BE49-F238E27FC236}">
-                  <a16:creationId xmlns:a16="http://schemas.microsoft.com/office/drawing/2014/main" id="{6B755D66-C0D8-4A9B-9A37-CBD6E8F80632}"/>
-                </a:ext>
-              </a:extLst>
-            </p:cNvPr>
-            <p:cNvSpPr txBox="1"/>
-            <p:nvPr/>
-          </p:nvSpPr>
-          <p:spPr>
-            <a:xfrm>
-              <a:off x="2461693" y="2361434"/>
-              <a:ext cx="184731" cy="369332"/>
-            </a:xfrm>
-            <a:prstGeom prst="rect">
-              <a:avLst/>
-            </a:prstGeom>
-            <a:noFill/>
-          </p:spPr>
-          <p:txBody>
-            <a:bodyPr wrap="none" rtlCol="0">
-              <a:spAutoFit/>
-            </a:bodyPr>
-            <a:lstStyle/>
-            <a:p>
-              <a:endParaRPr lang="en-US" altLang="ko-KR" b="0" dirty="0"/>
-            </a:p>
-          </p:txBody>
-        </p:sp>
-        <mc:AlternateContent xmlns:mc="http://schemas.openxmlformats.org/markup-compatibility/2006">
-          <mc:Choice xmlns:a14="http://schemas.microsoft.com/office/drawing/2010/main" Requires="a14">
+        <mc:AlternateContent xmlns:mc="http://schemas.openxmlformats.org/markup-compatibility/2006" xmlns:a14="http://schemas.microsoft.com/office/drawing/2010/main">
+          <mc:Choice Requires="a14">
             <p:sp>
               <p:nvSpPr>
-                <p:cNvPr id="55" name="TextBox 54">
+                <p:cNvPr id="3" name="직사각형 2">
                   <a:extLst>
                     <a:ext uri="{FF2B5EF4-FFF2-40B4-BE49-F238E27FC236}">
-                      <a16:creationId xmlns:a16="http://schemas.microsoft.com/office/drawing/2014/main" id="{19F20FFF-C42D-41E0-8B3F-E9452127DDAD}"/>
+                      <a16:creationId xmlns:a16="http://schemas.microsoft.com/office/drawing/2014/main" id="{FEB85010-8AEE-4B1F-8B12-C116C1517900}"/>
                     </a:ext>
                   </a:extLst>
                 </p:cNvPr>
-                <p:cNvSpPr txBox="1"/>
+                <p:cNvSpPr/>
                 <p:nvPr/>
               </p:nvSpPr>
               <p:spPr>
                 <a:xfrm>
-                  <a:off x="3686838" y="3383336"/>
-                  <a:ext cx="406778" cy="369332"/>
+                  <a:off x="2264565" y="4458298"/>
+                  <a:ext cx="3030253" cy="369332"/>
                 </a:xfrm>
                 <a:prstGeom prst="rect">
                   <a:avLst/>
                 </a:prstGeom>
-                <a:noFill/>
               </p:spPr>
               <p:txBody>
-                <a:bodyPr wrap="none" rtlCol="0">
+                <a:bodyPr wrap="none">
                   <a:spAutoFit/>
                 </a:bodyPr>
                 <a:lstStyle/>
@@ -8499,50 +10252,148 @@
                   <a14:m>
                     <m:oMathPara xmlns:m="http://schemas.openxmlformats.org/officeDocument/2006/math">
                       <m:oMathParaPr>
-                        <m:jc m:val="centerGroup"/>
+                        <m:jc m:val="left"/>
                       </m:oMathParaPr>
                       <m:oMath xmlns:m="http://schemas.openxmlformats.org/officeDocument/2006/math">
+                        <m:sSub>
+                          <m:sSubPr>
+                            <m:ctrlPr>
+                              <a:rPr lang="en-US" altLang="ko-KR" i="1">
+                                <a:latin typeface="Cambria Math" panose="02040503050406030204" pitchFamily="18" charset="0"/>
+                              </a:rPr>
+                            </m:ctrlPr>
+                          </m:sSubPr>
+                          <m:e>
+                            <m:r>
+                              <a:rPr lang="en-US" altLang="ko-KR" i="1">
+                                <a:latin typeface="Cambria Math" panose="02040503050406030204" pitchFamily="18" charset="0"/>
+                              </a:rPr>
+                              <m:t>𝑣</m:t>
+                            </m:r>
+                          </m:e>
+                          <m:sub>
+                            <m:r>
+                              <a:rPr lang="en-US" altLang="ko-KR" i="1">
+                                <a:latin typeface="Cambria Math" panose="02040503050406030204" pitchFamily="18" charset="0"/>
+                              </a:rPr>
+                              <m:t>3</m:t>
+                            </m:r>
+                          </m:sub>
+                        </m:sSub>
                         <m:r>
-                          <a:rPr lang="en-US" altLang="ko-KR" b="0" i="1" smtClean="0">
+                          <a:rPr lang="en-US" altLang="ko-KR" i="1">
                             <a:latin typeface="Cambria Math" panose="02040503050406030204" pitchFamily="18" charset="0"/>
                           </a:rPr>
-                          <m:t>𝑑</m:t>
+                          <m:t>,</m:t>
+                        </m:r>
+                        <m:sSub>
+                          <m:sSubPr>
+                            <m:ctrlPr>
+                              <a:rPr lang="en-US" altLang="ko-KR" i="1">
+                                <a:latin typeface="Cambria Math" panose="02040503050406030204" pitchFamily="18" charset="0"/>
+                              </a:rPr>
+                            </m:ctrlPr>
+                          </m:sSubPr>
+                          <m:e>
+                            <m:r>
+                              <a:rPr lang="en-US" altLang="ko-KR" i="1">
+                                <a:latin typeface="Cambria Math" panose="02040503050406030204" pitchFamily="18" charset="0"/>
+                              </a:rPr>
+                              <m:t>𝑣</m:t>
+                            </m:r>
+                          </m:e>
+                          <m:sub>
+                            <m:r>
+                              <a:rPr lang="en-US" altLang="ko-KR" i="1">
+                                <a:latin typeface="Cambria Math" panose="02040503050406030204" pitchFamily="18" charset="0"/>
+                              </a:rPr>
+                              <m:t>4</m:t>
+                            </m:r>
+                          </m:sub>
+                        </m:sSub>
+                        <m:r>
+                          <a:rPr lang="en-US" altLang="ko-KR" i="1">
+                            <a:latin typeface="Cambria Math" panose="02040503050406030204" pitchFamily="18" charset="0"/>
+                          </a:rPr>
+                          <m:t>:</m:t>
+                        </m:r>
+                        <m:r>
+                          <a:rPr lang="en-US" altLang="ko-KR" i="1">
+                            <a:latin typeface="Cambria Math" panose="02040503050406030204" pitchFamily="18" charset="0"/>
+                          </a:rPr>
+                          <m:t>𝑣𝑒𝑐𝑡𝑜𝑟𝑠</m:t>
+                        </m:r>
+                        <m:r>
+                          <a:rPr lang="en-US" altLang="ko-KR" i="1">
+                            <a:latin typeface="Cambria Math" panose="02040503050406030204" pitchFamily="18" charset="0"/>
+                          </a:rPr>
+                          <m:t> </m:t>
+                        </m:r>
+                        <m:r>
+                          <a:rPr lang="en-US" altLang="ko-KR" i="1">
+                            <a:latin typeface="Cambria Math" panose="02040503050406030204" pitchFamily="18" charset="0"/>
+                          </a:rPr>
+                          <m:t>𝑟𝑜𝑡𝑎𝑡𝑒𝑑</m:t>
+                        </m:r>
+                        <m:r>
+                          <a:rPr lang="en-US" altLang="ko-KR" i="1">
+                            <a:latin typeface="Cambria Math" panose="02040503050406030204" pitchFamily="18" charset="0"/>
+                          </a:rPr>
+                          <m:t> </m:t>
+                        </m:r>
+                        <m:r>
+                          <a:rPr lang="en-US" altLang="ko-KR" i="1">
+                            <a:latin typeface="Cambria Math" panose="02040503050406030204" pitchFamily="18" charset="0"/>
+                          </a:rPr>
+                          <m:t>𝑏𝑦</m:t>
+                        </m:r>
+                        <m:r>
+                          <a:rPr lang="en-US" altLang="ko-KR" i="1">
+                            <a:latin typeface="Cambria Math" panose="02040503050406030204" pitchFamily="18" charset="0"/>
+                          </a:rPr>
+                          <m:t> </m:t>
+                        </m:r>
+                        <m:r>
+                          <a:rPr lang="en-US" altLang="ko-KR" i="1">
+                            <a:latin typeface="Cambria Math" panose="02040503050406030204" pitchFamily="18" charset="0"/>
+                          </a:rPr>
+                          <m:t>𝜃</m:t>
                         </m:r>
                       </m:oMath>
                     </m:oMathPara>
                   </a14:m>
-                  <a:endParaRPr lang="en-US" altLang="ko-KR" b="0" dirty="0"/>
+                  <a:endParaRPr lang="en-US" altLang="ko-KR" dirty="0"/>
                 </a:p>
               </p:txBody>
             </p:sp>
           </mc:Choice>
-          <mc:Fallback>
+          <mc:Fallback xmlns="">
             <p:sp>
               <p:nvSpPr>
-                <p:cNvPr id="55" name="TextBox 54">
+                <p:cNvPr id="3" name="직사각형 2">
                   <a:extLst>
                     <a:ext uri="{FF2B5EF4-FFF2-40B4-BE49-F238E27FC236}">
-                      <a16:creationId xmlns:a16="http://schemas.microsoft.com/office/drawing/2014/main" id="{19F20FFF-C42D-41E0-8B3F-E9452127DDAD}"/>
+                      <a16:creationId xmlns:a16="http://schemas.microsoft.com/office/drawing/2014/main" id="{FEB85010-8AEE-4B1F-8B12-C116C1517900}"/>
                     </a:ext>
                   </a:extLst>
                 </p:cNvPr>
-                <p:cNvSpPr txBox="1">
+                <p:cNvSpPr>
                   <a:spLocks noRot="1" noChangeAspect="1" noMove="1" noResize="1" noEditPoints="1" noAdjustHandles="1" noChangeArrowheads="1" noChangeShapeType="1" noTextEdit="1"/>
                 </p:cNvSpPr>
                 <p:nvPr/>
               </p:nvSpPr>
               <p:spPr>
                 <a:xfrm>
-                  <a:off x="3686838" y="3383336"/>
-                  <a:ext cx="406778" cy="369332"/>
+                  <a:off x="2264565" y="4458298"/>
+                  <a:ext cx="3030253" cy="369332"/>
                 </a:xfrm>
                 <a:prstGeom prst="rect">
                   <a:avLst/>
                 </a:prstGeom>
                 <a:blipFill>
-                  <a:blip r:embed="rId6"/>
+                  <a:blip r:embed="rId14"/>
                   <a:stretch>
-                    <a:fillRect/>
+                    <a:fillRect b="-16393"/>
                   </a:stretch>
                 </a:blipFill>
               </p:spPr>
@@ -8561,1232 +10412,6 @@
             </p:sp>
           </mc:Fallback>
         </mc:AlternateContent>
-        <p:cxnSp>
-          <p:nvCxnSpPr>
-            <p:cNvPr id="31" name="직선 연결선 30">
-              <a:extLst>
-                <a:ext uri="{FF2B5EF4-FFF2-40B4-BE49-F238E27FC236}">
-                  <a16:creationId xmlns:a16="http://schemas.microsoft.com/office/drawing/2014/main" id="{9BFB23E9-7043-4809-9DDD-29B8E4D87795}"/>
-                </a:ext>
-              </a:extLst>
-            </p:cNvPr>
-            <p:cNvCxnSpPr>
-              <a:cxnSpLocks/>
-            </p:cNvCxnSpPr>
-            <p:nvPr/>
-          </p:nvCxnSpPr>
-          <p:spPr>
-            <a:xfrm>
-              <a:off x="1533525" y="1666875"/>
-              <a:ext cx="390945" cy="1063891"/>
-            </a:xfrm>
-            <a:prstGeom prst="line">
-              <a:avLst/>
-            </a:prstGeom>
-            <a:ln w="19050">
-              <a:solidFill>
-                <a:schemeClr val="bg1">
-                  <a:lumMod val="65000"/>
-                </a:schemeClr>
-              </a:solidFill>
-              <a:headEnd type="none" w="med" len="med"/>
-              <a:tailEnd type="arrow" w="med" len="med"/>
-            </a:ln>
-          </p:spPr>
-          <p:style>
-            <a:lnRef idx="1">
-              <a:schemeClr val="accent1"/>
-            </a:lnRef>
-            <a:fillRef idx="0">
-              <a:schemeClr val="accent1"/>
-            </a:fillRef>
-            <a:effectRef idx="0">
-              <a:schemeClr val="accent1"/>
-            </a:effectRef>
-            <a:fontRef idx="minor">
-              <a:schemeClr val="tx1"/>
-            </a:fontRef>
-          </p:style>
-        </p:cxnSp>
-        <p:cxnSp>
-          <p:nvCxnSpPr>
-            <p:cNvPr id="37" name="직선 연결선 36">
-              <a:extLst>
-                <a:ext uri="{FF2B5EF4-FFF2-40B4-BE49-F238E27FC236}">
-                  <a16:creationId xmlns:a16="http://schemas.microsoft.com/office/drawing/2014/main" id="{9CBC9BFB-0B25-4514-AA7C-E44A660DD71B}"/>
-                </a:ext>
-              </a:extLst>
-            </p:cNvPr>
-            <p:cNvCxnSpPr>
-              <a:cxnSpLocks/>
-            </p:cNvCxnSpPr>
-            <p:nvPr/>
-          </p:nvCxnSpPr>
-          <p:spPr>
-            <a:xfrm>
-              <a:off x="1546639" y="1679199"/>
-              <a:ext cx="1035967" cy="1089460"/>
-            </a:xfrm>
-            <a:prstGeom prst="line">
-              <a:avLst/>
-            </a:prstGeom>
-            <a:ln w="19050">
-              <a:solidFill>
-                <a:schemeClr val="bg1">
-                  <a:lumMod val="65000"/>
-                </a:schemeClr>
-              </a:solidFill>
-              <a:headEnd type="none" w="med" len="med"/>
-              <a:tailEnd type="arrow" w="med" len="med"/>
-            </a:ln>
-          </p:spPr>
-          <p:style>
-            <a:lnRef idx="1">
-              <a:schemeClr val="accent1"/>
-            </a:lnRef>
-            <a:fillRef idx="0">
-              <a:schemeClr val="accent1"/>
-            </a:fillRef>
-            <a:effectRef idx="0">
-              <a:schemeClr val="accent1"/>
-            </a:effectRef>
-            <a:fontRef idx="minor">
-              <a:schemeClr val="tx1"/>
-            </a:fontRef>
-          </p:style>
-        </p:cxnSp>
-        <p:cxnSp>
-          <p:nvCxnSpPr>
-            <p:cNvPr id="38" name="직선 연결선 37">
-              <a:extLst>
-                <a:ext uri="{FF2B5EF4-FFF2-40B4-BE49-F238E27FC236}">
-                  <a16:creationId xmlns:a16="http://schemas.microsoft.com/office/drawing/2014/main" id="{E622C9F0-157A-4794-B9CA-83E99996F34B}"/>
-                </a:ext>
-              </a:extLst>
-            </p:cNvPr>
-            <p:cNvCxnSpPr>
-              <a:cxnSpLocks/>
-            </p:cNvCxnSpPr>
-            <p:nvPr/>
-          </p:nvCxnSpPr>
-          <p:spPr>
-            <a:xfrm>
-              <a:off x="1549241" y="1688321"/>
-              <a:ext cx="3540832" cy="1136555"/>
-            </a:xfrm>
-            <a:prstGeom prst="line">
-              <a:avLst/>
-            </a:prstGeom>
-            <a:ln w="19050">
-              <a:solidFill>
-                <a:schemeClr val="bg1">
-                  <a:lumMod val="65000"/>
-                </a:schemeClr>
-              </a:solidFill>
-              <a:headEnd type="none" w="med" len="med"/>
-              <a:tailEnd type="arrow" w="med" len="med"/>
-            </a:ln>
-          </p:spPr>
-          <p:style>
-            <a:lnRef idx="1">
-              <a:schemeClr val="accent1"/>
-            </a:lnRef>
-            <a:fillRef idx="0">
-              <a:schemeClr val="accent1"/>
-            </a:fillRef>
-            <a:effectRef idx="0">
-              <a:schemeClr val="accent1"/>
-            </a:effectRef>
-            <a:fontRef idx="minor">
-              <a:schemeClr val="tx1"/>
-            </a:fontRef>
-          </p:style>
-        </p:cxnSp>
-        <p:cxnSp>
-          <p:nvCxnSpPr>
-            <p:cNvPr id="53" name="직선 연결선 52">
-              <a:extLst>
-                <a:ext uri="{FF2B5EF4-FFF2-40B4-BE49-F238E27FC236}">
-                  <a16:creationId xmlns:a16="http://schemas.microsoft.com/office/drawing/2014/main" id="{10C25FAB-84A4-4C15-B665-F1925FB6DDEC}"/>
-                </a:ext>
-              </a:extLst>
-            </p:cNvPr>
-            <p:cNvCxnSpPr>
-              <a:cxnSpLocks/>
-            </p:cNvCxnSpPr>
-            <p:nvPr/>
-          </p:nvCxnSpPr>
-          <p:spPr>
-            <a:xfrm flipV="1">
-              <a:off x="1538599" y="1617564"/>
-              <a:ext cx="3961515" cy="64279"/>
-            </a:xfrm>
-            <a:prstGeom prst="line">
-              <a:avLst/>
-            </a:prstGeom>
-            <a:ln w="19050">
-              <a:solidFill>
-                <a:schemeClr val="bg1">
-                  <a:lumMod val="65000"/>
-                </a:schemeClr>
-              </a:solidFill>
-              <a:headEnd type="none" w="med" len="med"/>
-              <a:tailEnd type="arrow" w="med" len="med"/>
-            </a:ln>
-          </p:spPr>
-          <p:style>
-            <a:lnRef idx="1">
-              <a:schemeClr val="accent1"/>
-            </a:lnRef>
-            <a:fillRef idx="0">
-              <a:schemeClr val="accent1"/>
-            </a:fillRef>
-            <a:effectRef idx="0">
-              <a:schemeClr val="accent1"/>
-            </a:effectRef>
-            <a:fontRef idx="minor">
-              <a:schemeClr val="tx1"/>
-            </a:fontRef>
-          </p:style>
-        </p:cxnSp>
-        <mc:AlternateContent xmlns:mc="http://schemas.openxmlformats.org/markup-compatibility/2006">
-          <mc:Choice xmlns:a14="http://schemas.microsoft.com/office/drawing/2010/main" Requires="a14">
-            <p:sp>
-              <p:nvSpPr>
-                <p:cNvPr id="54" name="TextBox 53">
-                  <a:extLst>
-                    <a:ext uri="{FF2B5EF4-FFF2-40B4-BE49-F238E27FC236}">
-                      <a16:creationId xmlns:a16="http://schemas.microsoft.com/office/drawing/2014/main" id="{3BB2D41C-6E28-4013-9724-0C89D5B72D39}"/>
-                    </a:ext>
-                  </a:extLst>
-                </p:cNvPr>
-                <p:cNvSpPr txBox="1"/>
-                <p:nvPr/>
-              </p:nvSpPr>
-              <p:spPr>
-                <a:xfrm>
-                  <a:off x="1482560" y="2228697"/>
-                  <a:ext cx="491224" cy="369332"/>
-                </a:xfrm>
-                <a:prstGeom prst="rect">
-                  <a:avLst/>
-                </a:prstGeom>
-                <a:noFill/>
-              </p:spPr>
-              <p:txBody>
-                <a:bodyPr wrap="none" rtlCol="0">
-                  <a:spAutoFit/>
-                </a:bodyPr>
-                <a:lstStyle/>
-                <a:p>
-                  <a:pPr/>
-                  <a14:m>
-                    <m:oMathPara xmlns:m="http://schemas.openxmlformats.org/officeDocument/2006/math">
-                      <m:oMathParaPr>
-                        <m:jc m:val="centerGroup"/>
-                      </m:oMathParaPr>
-                      <m:oMath xmlns:m="http://schemas.openxmlformats.org/officeDocument/2006/math">
-                        <m:sSub>
-                          <m:sSubPr>
-                            <m:ctrlPr>
-                              <a:rPr lang="en-US" altLang="ko-KR" b="0" i="1" smtClean="0">
-                                <a:latin typeface="Cambria Math" panose="02040503050406030204" pitchFamily="18" charset="0"/>
-                              </a:rPr>
-                            </m:ctrlPr>
-                          </m:sSubPr>
-                          <m:e>
-                            <m:r>
-                              <a:rPr lang="en-US" altLang="ko-KR" b="0" i="1" smtClean="0">
-                                <a:latin typeface="Cambria Math" panose="02040503050406030204" pitchFamily="18" charset="0"/>
-                              </a:rPr>
-                              <m:t>𝑣</m:t>
-                            </m:r>
-                          </m:e>
-                          <m:sub>
-                            <m:r>
-                              <a:rPr lang="en-US" altLang="ko-KR" b="0" i="1" smtClean="0">
-                                <a:latin typeface="Cambria Math" panose="02040503050406030204" pitchFamily="18" charset="0"/>
-                              </a:rPr>
-                              <m:t>1</m:t>
-                            </m:r>
-                          </m:sub>
-                        </m:sSub>
-                      </m:oMath>
-                    </m:oMathPara>
-                  </a14:m>
-                  <a:endParaRPr lang="en-US" altLang="ko-KR" b="0" dirty="0"/>
-                </a:p>
-              </p:txBody>
-            </p:sp>
-          </mc:Choice>
-          <mc:Fallback>
-            <p:sp>
-              <p:nvSpPr>
-                <p:cNvPr id="54" name="TextBox 53">
-                  <a:extLst>
-                    <a:ext uri="{FF2B5EF4-FFF2-40B4-BE49-F238E27FC236}">
-                      <a16:creationId xmlns:a16="http://schemas.microsoft.com/office/drawing/2014/main" id="{3BB2D41C-6E28-4013-9724-0C89D5B72D39}"/>
-                    </a:ext>
-                  </a:extLst>
-                </p:cNvPr>
-                <p:cNvSpPr txBox="1">
-                  <a:spLocks noRot="1" noChangeAspect="1" noMove="1" noResize="1" noEditPoints="1" noAdjustHandles="1" noChangeArrowheads="1" noChangeShapeType="1" noTextEdit="1"/>
-                </p:cNvSpPr>
-                <p:nvPr/>
-              </p:nvSpPr>
-              <p:spPr>
-                <a:xfrm>
-                  <a:off x="1482560" y="2228697"/>
-                  <a:ext cx="491224" cy="369332"/>
-                </a:xfrm>
-                <a:prstGeom prst="rect">
-                  <a:avLst/>
-                </a:prstGeom>
-                <a:blipFill>
-                  <a:blip r:embed="rId7"/>
-                  <a:stretch>
-                    <a:fillRect b="-3333"/>
-                  </a:stretch>
-                </a:blipFill>
-              </p:spPr>
-              <p:txBody>
-                <a:bodyPr/>
-                <a:lstStyle/>
-                <a:p>
-                  <a:r>
-                    <a:rPr lang="ko-KR" altLang="en-US">
-                      <a:noFill/>
-                    </a:rPr>
-                    <a:t> </a:t>
-                  </a:r>
-                </a:p>
-              </p:txBody>
-            </p:sp>
-          </mc:Fallback>
-        </mc:AlternateContent>
-        <mc:AlternateContent xmlns:mc="http://schemas.openxmlformats.org/markup-compatibility/2006">
-          <mc:Choice xmlns:a14="http://schemas.microsoft.com/office/drawing/2010/main" Requires="a14">
-            <p:sp>
-              <p:nvSpPr>
-                <p:cNvPr id="57" name="TextBox 56">
-                  <a:extLst>
-                    <a:ext uri="{FF2B5EF4-FFF2-40B4-BE49-F238E27FC236}">
-                      <a16:creationId xmlns:a16="http://schemas.microsoft.com/office/drawing/2014/main" id="{EFDD34FF-1015-40ED-94EF-1B98C86B780A}"/>
-                    </a:ext>
-                  </a:extLst>
-                </p:cNvPr>
-                <p:cNvSpPr txBox="1"/>
-                <p:nvPr/>
-              </p:nvSpPr>
-              <p:spPr>
-                <a:xfrm>
-                  <a:off x="2109886" y="2113085"/>
-                  <a:ext cx="496546" cy="369332"/>
-                </a:xfrm>
-                <a:prstGeom prst="rect">
-                  <a:avLst/>
-                </a:prstGeom>
-                <a:noFill/>
-              </p:spPr>
-              <p:txBody>
-                <a:bodyPr wrap="none" rtlCol="0">
-                  <a:spAutoFit/>
-                </a:bodyPr>
-                <a:lstStyle/>
-                <a:p>
-                  <a:pPr/>
-                  <a14:m>
-                    <m:oMathPara xmlns:m="http://schemas.openxmlformats.org/officeDocument/2006/math">
-                      <m:oMathParaPr>
-                        <m:jc m:val="centerGroup"/>
-                      </m:oMathParaPr>
-                      <m:oMath xmlns:m="http://schemas.openxmlformats.org/officeDocument/2006/math">
-                        <m:sSub>
-                          <m:sSubPr>
-                            <m:ctrlPr>
-                              <a:rPr lang="en-US" altLang="ko-KR" b="0" i="1" smtClean="0">
-                                <a:latin typeface="Cambria Math" panose="02040503050406030204" pitchFamily="18" charset="0"/>
-                              </a:rPr>
-                            </m:ctrlPr>
-                          </m:sSubPr>
-                          <m:e>
-                            <m:r>
-                              <a:rPr lang="en-US" altLang="ko-KR" b="0" i="1" smtClean="0">
-                                <a:latin typeface="Cambria Math" panose="02040503050406030204" pitchFamily="18" charset="0"/>
-                              </a:rPr>
-                              <m:t>𝑣</m:t>
-                            </m:r>
-                          </m:e>
-                          <m:sub>
-                            <m:r>
-                              <a:rPr lang="en-US" altLang="ko-KR" b="0" i="1" smtClean="0">
-                                <a:latin typeface="Cambria Math" panose="02040503050406030204" pitchFamily="18" charset="0"/>
-                              </a:rPr>
-                              <m:t>2</m:t>
-                            </m:r>
-                          </m:sub>
-                        </m:sSub>
-                      </m:oMath>
-                    </m:oMathPara>
-                  </a14:m>
-                  <a:endParaRPr lang="en-US" altLang="ko-KR" b="0" dirty="0"/>
-                </a:p>
-              </p:txBody>
-            </p:sp>
-          </mc:Choice>
-          <mc:Fallback>
-            <p:sp>
-              <p:nvSpPr>
-                <p:cNvPr id="57" name="TextBox 56">
-                  <a:extLst>
-                    <a:ext uri="{FF2B5EF4-FFF2-40B4-BE49-F238E27FC236}">
-                      <a16:creationId xmlns:a16="http://schemas.microsoft.com/office/drawing/2014/main" id="{EFDD34FF-1015-40ED-94EF-1B98C86B780A}"/>
-                    </a:ext>
-                  </a:extLst>
-                </p:cNvPr>
-                <p:cNvSpPr txBox="1">
-                  <a:spLocks noRot="1" noChangeAspect="1" noMove="1" noResize="1" noEditPoints="1" noAdjustHandles="1" noChangeArrowheads="1" noChangeShapeType="1" noTextEdit="1"/>
-                </p:cNvSpPr>
-                <p:nvPr/>
-              </p:nvSpPr>
-              <p:spPr>
-                <a:xfrm>
-                  <a:off x="2109886" y="2113085"/>
-                  <a:ext cx="496546" cy="369332"/>
-                </a:xfrm>
-                <a:prstGeom prst="rect">
-                  <a:avLst/>
-                </a:prstGeom>
-                <a:blipFill>
-                  <a:blip r:embed="rId8"/>
-                  <a:stretch>
-                    <a:fillRect b="-3333"/>
-                  </a:stretch>
-                </a:blipFill>
-              </p:spPr>
-              <p:txBody>
-                <a:bodyPr/>
-                <a:lstStyle/>
-                <a:p>
-                  <a:r>
-                    <a:rPr lang="ko-KR" altLang="en-US">
-                      <a:noFill/>
-                    </a:rPr>
-                    <a:t> </a:t>
-                  </a:r>
-                </a:p>
-              </p:txBody>
-            </p:sp>
-          </mc:Fallback>
-        </mc:AlternateContent>
-        <mc:AlternateContent xmlns:mc="http://schemas.openxmlformats.org/markup-compatibility/2006">
-          <mc:Choice xmlns:a14="http://schemas.microsoft.com/office/drawing/2010/main" Requires="a14">
-            <p:sp>
-              <p:nvSpPr>
-                <p:cNvPr id="58" name="TextBox 57">
-                  <a:extLst>
-                    <a:ext uri="{FF2B5EF4-FFF2-40B4-BE49-F238E27FC236}">
-                      <a16:creationId xmlns:a16="http://schemas.microsoft.com/office/drawing/2014/main" id="{43663B29-6541-4B6A-AAE6-6E20F59B8122}"/>
-                    </a:ext>
-                  </a:extLst>
-                </p:cNvPr>
-                <p:cNvSpPr txBox="1"/>
-                <p:nvPr/>
-              </p:nvSpPr>
-              <p:spPr>
-                <a:xfrm>
-                  <a:off x="3355799" y="1978025"/>
-                  <a:ext cx="496546" cy="369332"/>
-                </a:xfrm>
-                <a:prstGeom prst="rect">
-                  <a:avLst/>
-                </a:prstGeom>
-                <a:noFill/>
-              </p:spPr>
-              <p:txBody>
-                <a:bodyPr wrap="none" rtlCol="0">
-                  <a:spAutoFit/>
-                </a:bodyPr>
-                <a:lstStyle/>
-                <a:p>
-                  <a:pPr/>
-                  <a14:m>
-                    <m:oMathPara xmlns:m="http://schemas.openxmlformats.org/officeDocument/2006/math">
-                      <m:oMathParaPr>
-                        <m:jc m:val="centerGroup"/>
-                      </m:oMathParaPr>
-                      <m:oMath xmlns:m="http://schemas.openxmlformats.org/officeDocument/2006/math">
-                        <m:sSub>
-                          <m:sSubPr>
-                            <m:ctrlPr>
-                              <a:rPr lang="en-US" altLang="ko-KR" b="0" i="1" smtClean="0">
-                                <a:latin typeface="Cambria Math" panose="02040503050406030204" pitchFamily="18" charset="0"/>
-                              </a:rPr>
-                            </m:ctrlPr>
-                          </m:sSubPr>
-                          <m:e>
-                            <m:r>
-                              <a:rPr lang="en-US" altLang="ko-KR" b="0" i="1" smtClean="0">
-                                <a:latin typeface="Cambria Math" panose="02040503050406030204" pitchFamily="18" charset="0"/>
-                              </a:rPr>
-                              <m:t>𝑣</m:t>
-                            </m:r>
-                          </m:e>
-                          <m:sub>
-                            <m:r>
-                              <a:rPr lang="en-US" altLang="ko-KR" b="0" i="1" smtClean="0">
-                                <a:latin typeface="Cambria Math" panose="02040503050406030204" pitchFamily="18" charset="0"/>
-                              </a:rPr>
-                              <m:t>6</m:t>
-                            </m:r>
-                          </m:sub>
-                        </m:sSub>
-                      </m:oMath>
-                    </m:oMathPara>
-                  </a14:m>
-                  <a:endParaRPr lang="en-US" altLang="ko-KR" b="0" dirty="0"/>
-                </a:p>
-              </p:txBody>
-            </p:sp>
-          </mc:Choice>
-          <mc:Fallback>
-            <p:sp>
-              <p:nvSpPr>
-                <p:cNvPr id="58" name="TextBox 57">
-                  <a:extLst>
-                    <a:ext uri="{FF2B5EF4-FFF2-40B4-BE49-F238E27FC236}">
-                      <a16:creationId xmlns:a16="http://schemas.microsoft.com/office/drawing/2014/main" id="{43663B29-6541-4B6A-AAE6-6E20F59B8122}"/>
-                    </a:ext>
-                  </a:extLst>
-                </p:cNvPr>
-                <p:cNvSpPr txBox="1">
-                  <a:spLocks noRot="1" noChangeAspect="1" noMove="1" noResize="1" noEditPoints="1" noAdjustHandles="1" noChangeArrowheads="1" noChangeShapeType="1" noTextEdit="1"/>
-                </p:cNvSpPr>
-                <p:nvPr/>
-              </p:nvSpPr>
-              <p:spPr>
-                <a:xfrm>
-                  <a:off x="3355799" y="1978025"/>
-                  <a:ext cx="496546" cy="369332"/>
-                </a:xfrm>
-                <a:prstGeom prst="rect">
-                  <a:avLst/>
-                </a:prstGeom>
-                <a:blipFill>
-                  <a:blip r:embed="rId9"/>
-                  <a:stretch>
-                    <a:fillRect b="-1639"/>
-                  </a:stretch>
-                </a:blipFill>
-              </p:spPr>
-              <p:txBody>
-                <a:bodyPr/>
-                <a:lstStyle/>
-                <a:p>
-                  <a:r>
-                    <a:rPr lang="ko-KR" altLang="en-US">
-                      <a:noFill/>
-                    </a:rPr>
-                    <a:t> </a:t>
-                  </a:r>
-                </a:p>
-              </p:txBody>
-            </p:sp>
-          </mc:Fallback>
-        </mc:AlternateContent>
-        <mc:AlternateContent xmlns:mc="http://schemas.openxmlformats.org/markup-compatibility/2006">
-          <mc:Choice xmlns:a14="http://schemas.microsoft.com/office/drawing/2010/main" Requires="a14">
-            <p:sp>
-              <p:nvSpPr>
-                <p:cNvPr id="59" name="TextBox 58">
-                  <a:extLst>
-                    <a:ext uri="{FF2B5EF4-FFF2-40B4-BE49-F238E27FC236}">
-                      <a16:creationId xmlns:a16="http://schemas.microsoft.com/office/drawing/2014/main" id="{982A1BF9-8506-4464-A646-BB6FA7C2BCF3}"/>
-                    </a:ext>
-                  </a:extLst>
-                </p:cNvPr>
-                <p:cNvSpPr txBox="1"/>
-                <p:nvPr/>
-              </p:nvSpPr>
-              <p:spPr>
-                <a:xfrm>
-                  <a:off x="3653525" y="1292605"/>
-                  <a:ext cx="496546" cy="369332"/>
-                </a:xfrm>
-                <a:prstGeom prst="rect">
-                  <a:avLst/>
-                </a:prstGeom>
-                <a:noFill/>
-              </p:spPr>
-              <p:txBody>
-                <a:bodyPr wrap="none" rtlCol="0">
-                  <a:spAutoFit/>
-                </a:bodyPr>
-                <a:lstStyle/>
-                <a:p>
-                  <a:pPr/>
-                  <a14:m>
-                    <m:oMathPara xmlns:m="http://schemas.openxmlformats.org/officeDocument/2006/math">
-                      <m:oMathParaPr>
-                        <m:jc m:val="centerGroup"/>
-                      </m:oMathParaPr>
-                      <m:oMath xmlns:m="http://schemas.openxmlformats.org/officeDocument/2006/math">
-                        <m:sSub>
-                          <m:sSubPr>
-                            <m:ctrlPr>
-                              <a:rPr lang="en-US" altLang="ko-KR" b="0" i="1" smtClean="0">
-                                <a:latin typeface="Cambria Math" panose="02040503050406030204" pitchFamily="18" charset="0"/>
-                              </a:rPr>
-                            </m:ctrlPr>
-                          </m:sSubPr>
-                          <m:e>
-                            <m:r>
-                              <a:rPr lang="en-US" altLang="ko-KR" b="0" i="1" smtClean="0">
-                                <a:latin typeface="Cambria Math" panose="02040503050406030204" pitchFamily="18" charset="0"/>
-                              </a:rPr>
-                              <m:t>𝑣</m:t>
-                            </m:r>
-                          </m:e>
-                          <m:sub>
-                            <m:r>
-                              <a:rPr lang="en-US" altLang="ko-KR" b="0" i="1" smtClean="0">
-                                <a:latin typeface="Cambria Math" panose="02040503050406030204" pitchFamily="18" charset="0"/>
-                              </a:rPr>
-                              <m:t>5</m:t>
-                            </m:r>
-                          </m:sub>
-                        </m:sSub>
-                      </m:oMath>
-                    </m:oMathPara>
-                  </a14:m>
-                  <a:endParaRPr lang="en-US" altLang="ko-KR" b="0" dirty="0"/>
-                </a:p>
-              </p:txBody>
-            </p:sp>
-          </mc:Choice>
-          <mc:Fallback>
-            <p:sp>
-              <p:nvSpPr>
-                <p:cNvPr id="59" name="TextBox 58">
-                  <a:extLst>
-                    <a:ext uri="{FF2B5EF4-FFF2-40B4-BE49-F238E27FC236}">
-                      <a16:creationId xmlns:a16="http://schemas.microsoft.com/office/drawing/2014/main" id="{982A1BF9-8506-4464-A646-BB6FA7C2BCF3}"/>
-                    </a:ext>
-                  </a:extLst>
-                </p:cNvPr>
-                <p:cNvSpPr txBox="1">
-                  <a:spLocks noRot="1" noChangeAspect="1" noMove="1" noResize="1" noEditPoints="1" noAdjustHandles="1" noChangeArrowheads="1" noChangeShapeType="1" noTextEdit="1"/>
-                </p:cNvSpPr>
-                <p:nvPr/>
-              </p:nvSpPr>
-              <p:spPr>
-                <a:xfrm>
-                  <a:off x="3653525" y="1292605"/>
-                  <a:ext cx="496546" cy="369332"/>
-                </a:xfrm>
-                <a:prstGeom prst="rect">
-                  <a:avLst/>
-                </a:prstGeom>
-                <a:blipFill>
-                  <a:blip r:embed="rId10"/>
-                  <a:stretch>
-                    <a:fillRect b="-3279"/>
-                  </a:stretch>
-                </a:blipFill>
-              </p:spPr>
-              <p:txBody>
-                <a:bodyPr/>
-                <a:lstStyle/>
-                <a:p>
-                  <a:r>
-                    <a:rPr lang="ko-KR" altLang="en-US">
-                      <a:noFill/>
-                    </a:rPr>
-                    <a:t> </a:t>
-                  </a:r>
-                </a:p>
-              </p:txBody>
-            </p:sp>
-          </mc:Fallback>
-        </mc:AlternateContent>
-        <p:cxnSp>
-          <p:nvCxnSpPr>
-            <p:cNvPr id="60" name="직선 연결선 59">
-              <a:extLst>
-                <a:ext uri="{FF2B5EF4-FFF2-40B4-BE49-F238E27FC236}">
-                  <a16:creationId xmlns:a16="http://schemas.microsoft.com/office/drawing/2014/main" id="{D721F629-2928-4DF3-B678-D3212F069F41}"/>
-                </a:ext>
-              </a:extLst>
-            </p:cNvPr>
-            <p:cNvCxnSpPr>
-              <a:cxnSpLocks/>
-            </p:cNvCxnSpPr>
-            <p:nvPr/>
-          </p:nvCxnSpPr>
-          <p:spPr>
-            <a:xfrm flipH="1">
-              <a:off x="5148086" y="1611086"/>
-              <a:ext cx="460835" cy="1172058"/>
-            </a:xfrm>
-            <a:prstGeom prst="line">
-              <a:avLst/>
-            </a:prstGeom>
-            <a:ln w="19050">
-              <a:solidFill>
-                <a:schemeClr val="bg1">
-                  <a:lumMod val="65000"/>
-                </a:schemeClr>
-              </a:solidFill>
-              <a:headEnd type="none" w="med" len="med"/>
-              <a:tailEnd type="arrow" w="med" len="med"/>
-            </a:ln>
-          </p:spPr>
-          <p:style>
-            <a:lnRef idx="1">
-              <a:schemeClr val="accent1"/>
-            </a:lnRef>
-            <a:fillRef idx="0">
-              <a:schemeClr val="accent1"/>
-            </a:fillRef>
-            <a:effectRef idx="0">
-              <a:schemeClr val="accent1"/>
-            </a:effectRef>
-            <a:fontRef idx="minor">
-              <a:schemeClr val="tx1"/>
-            </a:fontRef>
-          </p:style>
-        </p:cxnSp>
-        <p:cxnSp>
-          <p:nvCxnSpPr>
-            <p:cNvPr id="61" name="직선 연결선 60">
-              <a:extLst>
-                <a:ext uri="{FF2B5EF4-FFF2-40B4-BE49-F238E27FC236}">
-                  <a16:creationId xmlns:a16="http://schemas.microsoft.com/office/drawing/2014/main" id="{7A8F608C-FC89-41C5-A9AB-6CB9D135A795}"/>
-                </a:ext>
-              </a:extLst>
-            </p:cNvPr>
-            <p:cNvCxnSpPr>
-              <a:cxnSpLocks/>
-            </p:cNvCxnSpPr>
-            <p:nvPr/>
-          </p:nvCxnSpPr>
-          <p:spPr>
-            <a:xfrm>
-              <a:off x="5608921" y="1611086"/>
-              <a:ext cx="300475" cy="1213790"/>
-            </a:xfrm>
-            <a:prstGeom prst="line">
-              <a:avLst/>
-            </a:prstGeom>
-            <a:ln w="19050">
-              <a:solidFill>
-                <a:schemeClr val="bg1">
-                  <a:lumMod val="65000"/>
-                </a:schemeClr>
-              </a:solidFill>
-              <a:headEnd type="none" w="med" len="med"/>
-              <a:tailEnd type="arrow" w="med" len="med"/>
-            </a:ln>
-          </p:spPr>
-          <p:style>
-            <a:lnRef idx="1">
-              <a:schemeClr val="accent1"/>
-            </a:lnRef>
-            <a:fillRef idx="0">
-              <a:schemeClr val="accent1"/>
-            </a:fillRef>
-            <a:effectRef idx="0">
-              <a:schemeClr val="accent1"/>
-            </a:effectRef>
-            <a:fontRef idx="minor">
-              <a:schemeClr val="tx1"/>
-            </a:fontRef>
-          </p:style>
-        </p:cxnSp>
-        <mc:AlternateContent xmlns:mc="http://schemas.openxmlformats.org/markup-compatibility/2006">
-          <mc:Choice xmlns:a14="http://schemas.microsoft.com/office/drawing/2010/main" Requires="a14">
-            <p:sp>
-              <p:nvSpPr>
-                <p:cNvPr id="64" name="TextBox 63">
-                  <a:extLst>
-                    <a:ext uri="{FF2B5EF4-FFF2-40B4-BE49-F238E27FC236}">
-                      <a16:creationId xmlns:a16="http://schemas.microsoft.com/office/drawing/2014/main" id="{D06B9E96-FFF6-42D5-B34A-550F1529CCA1}"/>
-                    </a:ext>
-                  </a:extLst>
-                </p:cNvPr>
-                <p:cNvSpPr txBox="1"/>
-                <p:nvPr/>
-              </p:nvSpPr>
-              <p:spPr>
-                <a:xfrm>
-                  <a:off x="5188076" y="2167221"/>
-                  <a:ext cx="496546" cy="369332"/>
-                </a:xfrm>
-                <a:prstGeom prst="rect">
-                  <a:avLst/>
-                </a:prstGeom>
-                <a:noFill/>
-              </p:spPr>
-              <p:txBody>
-                <a:bodyPr wrap="none" rtlCol="0">
-                  <a:spAutoFit/>
-                </a:bodyPr>
-                <a:lstStyle/>
-                <a:p>
-                  <a:pPr/>
-                  <a14:m>
-                    <m:oMathPara xmlns:m="http://schemas.openxmlformats.org/officeDocument/2006/math">
-                      <m:oMathParaPr>
-                        <m:jc m:val="centerGroup"/>
-                      </m:oMathParaPr>
-                      <m:oMath xmlns:m="http://schemas.openxmlformats.org/officeDocument/2006/math">
-                        <m:sSub>
-                          <m:sSubPr>
-                            <m:ctrlPr>
-                              <a:rPr lang="en-US" altLang="ko-KR" b="0" i="1" smtClean="0">
-                                <a:latin typeface="Cambria Math" panose="02040503050406030204" pitchFamily="18" charset="0"/>
-                              </a:rPr>
-                            </m:ctrlPr>
-                          </m:sSubPr>
-                          <m:e>
-                            <m:r>
-                              <a:rPr lang="en-US" altLang="ko-KR" b="0" i="1" smtClean="0">
-                                <a:latin typeface="Cambria Math" panose="02040503050406030204" pitchFamily="18" charset="0"/>
-                              </a:rPr>
-                              <m:t>𝑣</m:t>
-                            </m:r>
-                          </m:e>
-                          <m:sub>
-                            <m:r>
-                              <a:rPr lang="en-US" altLang="ko-KR" b="0" i="1" smtClean="0">
-                                <a:latin typeface="Cambria Math" panose="02040503050406030204" pitchFamily="18" charset="0"/>
-                              </a:rPr>
-                              <m:t>3</m:t>
-                            </m:r>
-                          </m:sub>
-                        </m:sSub>
-                      </m:oMath>
-                    </m:oMathPara>
-                  </a14:m>
-                  <a:endParaRPr lang="en-US" altLang="ko-KR" b="0" dirty="0"/>
-                </a:p>
-              </p:txBody>
-            </p:sp>
-          </mc:Choice>
-          <mc:Fallback>
-            <p:sp>
-              <p:nvSpPr>
-                <p:cNvPr id="64" name="TextBox 63">
-                  <a:extLst>
-                    <a:ext uri="{FF2B5EF4-FFF2-40B4-BE49-F238E27FC236}">
-                      <a16:creationId xmlns:a16="http://schemas.microsoft.com/office/drawing/2014/main" id="{D06B9E96-FFF6-42D5-B34A-550F1529CCA1}"/>
-                    </a:ext>
-                  </a:extLst>
-                </p:cNvPr>
-                <p:cNvSpPr txBox="1">
-                  <a:spLocks noRot="1" noChangeAspect="1" noMove="1" noResize="1" noEditPoints="1" noAdjustHandles="1" noChangeArrowheads="1" noChangeShapeType="1" noTextEdit="1"/>
-                </p:cNvSpPr>
-                <p:nvPr/>
-              </p:nvSpPr>
-              <p:spPr>
-                <a:xfrm>
-                  <a:off x="5188076" y="2167221"/>
-                  <a:ext cx="496546" cy="369332"/>
-                </a:xfrm>
-                <a:prstGeom prst="rect">
-                  <a:avLst/>
-                </a:prstGeom>
-                <a:blipFill>
-                  <a:blip r:embed="rId11"/>
-                  <a:stretch>
-                    <a:fillRect b="-3333"/>
-                  </a:stretch>
-                </a:blipFill>
-              </p:spPr>
-              <p:txBody>
-                <a:bodyPr/>
-                <a:lstStyle/>
-                <a:p>
-                  <a:r>
-                    <a:rPr lang="ko-KR" altLang="en-US">
-                      <a:noFill/>
-                    </a:rPr>
-                    <a:t> </a:t>
-                  </a:r>
-                </a:p>
-              </p:txBody>
-            </p:sp>
-          </mc:Fallback>
-        </mc:AlternateContent>
-        <mc:AlternateContent xmlns:mc="http://schemas.openxmlformats.org/markup-compatibility/2006">
-          <mc:Choice xmlns:a14="http://schemas.microsoft.com/office/drawing/2010/main" Requires="a14">
-            <p:sp>
-              <p:nvSpPr>
-                <p:cNvPr id="65" name="TextBox 64">
-                  <a:extLst>
-                    <a:ext uri="{FF2B5EF4-FFF2-40B4-BE49-F238E27FC236}">
-                      <a16:creationId xmlns:a16="http://schemas.microsoft.com/office/drawing/2014/main" id="{5DC177E3-0275-455F-B7E7-5B1C41BEAF71}"/>
-                    </a:ext>
-                  </a:extLst>
-                </p:cNvPr>
-                <p:cNvSpPr txBox="1"/>
-                <p:nvPr/>
-              </p:nvSpPr>
-              <p:spPr>
-                <a:xfrm>
-                  <a:off x="5682503" y="2064671"/>
-                  <a:ext cx="486672" cy="369332"/>
-                </a:xfrm>
-                <a:prstGeom prst="rect">
-                  <a:avLst/>
-                </a:prstGeom>
-                <a:noFill/>
-              </p:spPr>
-              <p:txBody>
-                <a:bodyPr wrap="none" rtlCol="0">
-                  <a:spAutoFit/>
-                </a:bodyPr>
-                <a:lstStyle/>
-                <a:p>
-                  <a:pPr/>
-                  <a14:m>
-                    <m:oMathPara xmlns:m="http://schemas.openxmlformats.org/officeDocument/2006/math">
-                      <m:oMathParaPr>
-                        <m:jc m:val="centerGroup"/>
-                      </m:oMathParaPr>
-                      <m:oMath xmlns:m="http://schemas.openxmlformats.org/officeDocument/2006/math">
-                        <m:sSub>
-                          <m:sSubPr>
-                            <m:ctrlPr>
-                              <a:rPr lang="en-US" altLang="ko-KR" b="0" i="1" smtClean="0">
-                                <a:latin typeface="Cambria Math" panose="02040503050406030204" pitchFamily="18" charset="0"/>
-                              </a:rPr>
-                            </m:ctrlPr>
-                          </m:sSubPr>
-                          <m:e>
-                            <m:r>
-                              <a:rPr lang="en-US" altLang="ko-KR" b="0" i="1" smtClean="0">
-                                <a:latin typeface="Cambria Math" panose="02040503050406030204" pitchFamily="18" charset="0"/>
-                              </a:rPr>
-                              <m:t>𝑣</m:t>
-                            </m:r>
-                          </m:e>
-                          <m:sub>
-                            <m:r>
-                              <a:rPr lang="en-US" altLang="ko-KR" b="0" i="1" smtClean="0">
-                                <a:latin typeface="Cambria Math" panose="02040503050406030204" pitchFamily="18" charset="0"/>
-                              </a:rPr>
-                              <m:t>4</m:t>
-                            </m:r>
-                          </m:sub>
-                        </m:sSub>
-                      </m:oMath>
-                    </m:oMathPara>
-                  </a14:m>
-                  <a:endParaRPr lang="en-US" altLang="ko-KR" b="0" dirty="0"/>
-                </a:p>
-              </p:txBody>
-            </p:sp>
-          </mc:Choice>
-          <mc:Fallback>
-            <p:sp>
-              <p:nvSpPr>
-                <p:cNvPr id="65" name="TextBox 64">
-                  <a:extLst>
-                    <a:ext uri="{FF2B5EF4-FFF2-40B4-BE49-F238E27FC236}">
-                      <a16:creationId xmlns:a16="http://schemas.microsoft.com/office/drawing/2014/main" id="{5DC177E3-0275-455F-B7E7-5B1C41BEAF71}"/>
-                    </a:ext>
-                  </a:extLst>
-                </p:cNvPr>
-                <p:cNvSpPr txBox="1">
-                  <a:spLocks noRot="1" noChangeAspect="1" noMove="1" noResize="1" noEditPoints="1" noAdjustHandles="1" noChangeArrowheads="1" noChangeShapeType="1" noTextEdit="1"/>
-                </p:cNvSpPr>
-                <p:nvPr/>
-              </p:nvSpPr>
-              <p:spPr>
-                <a:xfrm>
-                  <a:off x="5682503" y="2064671"/>
-                  <a:ext cx="486672" cy="369332"/>
-                </a:xfrm>
-                <a:prstGeom prst="rect">
-                  <a:avLst/>
-                </a:prstGeom>
-                <a:blipFill>
-                  <a:blip r:embed="rId12"/>
-                  <a:stretch>
-                    <a:fillRect b="-3333"/>
-                  </a:stretch>
-                </a:blipFill>
-              </p:spPr>
-              <p:txBody>
-                <a:bodyPr/>
-                <a:lstStyle/>
-                <a:p>
-                  <a:r>
-                    <a:rPr lang="ko-KR" altLang="en-US">
-                      <a:noFill/>
-                    </a:rPr>
-                    <a:t> </a:t>
-                  </a:r>
-                </a:p>
-              </p:txBody>
-            </p:sp>
-          </mc:Fallback>
-        </mc:AlternateContent>
-        <p:cxnSp>
-          <p:nvCxnSpPr>
-            <p:cNvPr id="66" name="직선 화살표 연결선 65">
-              <a:extLst>
-                <a:ext uri="{FF2B5EF4-FFF2-40B4-BE49-F238E27FC236}">
-                  <a16:creationId xmlns:a16="http://schemas.microsoft.com/office/drawing/2014/main" id="{760C391D-5915-48B4-9B34-27DA19B44906}"/>
-                </a:ext>
-              </a:extLst>
-            </p:cNvPr>
-            <p:cNvCxnSpPr>
-              <a:cxnSpLocks/>
-            </p:cNvCxnSpPr>
-            <p:nvPr/>
-          </p:nvCxnSpPr>
-          <p:spPr>
-            <a:xfrm flipV="1">
-              <a:off x="4866083" y="1084943"/>
-              <a:ext cx="0" cy="1579148"/>
-            </a:xfrm>
-            <a:prstGeom prst="straightConnector1">
-              <a:avLst/>
-            </a:prstGeom>
-            <a:ln w="19050">
-              <a:solidFill>
-                <a:schemeClr val="bg1">
-                  <a:lumMod val="65000"/>
-                </a:schemeClr>
-              </a:solidFill>
-              <a:tailEnd type="triangle"/>
-            </a:ln>
-          </p:spPr>
-          <p:style>
-            <a:lnRef idx="1">
-              <a:schemeClr val="accent1"/>
-            </a:lnRef>
-            <a:fillRef idx="0">
-              <a:schemeClr val="accent1"/>
-            </a:fillRef>
-            <a:effectRef idx="0">
-              <a:schemeClr val="accent1"/>
-            </a:effectRef>
-            <a:fontRef idx="minor">
-              <a:schemeClr val="tx1"/>
-            </a:fontRef>
-          </p:style>
-        </p:cxnSp>
-        <mc:AlternateContent xmlns:mc="http://schemas.openxmlformats.org/markup-compatibility/2006">
-          <mc:Choice xmlns:a14="http://schemas.microsoft.com/office/drawing/2010/main" Requires="a14">
-            <p:sp>
-              <p:nvSpPr>
-                <p:cNvPr id="67" name="TextBox 66">
-                  <a:extLst>
-                    <a:ext uri="{FF2B5EF4-FFF2-40B4-BE49-F238E27FC236}">
-                      <a16:creationId xmlns:a16="http://schemas.microsoft.com/office/drawing/2014/main" id="{468352D4-B8C6-44C7-AD56-847525BC79DB}"/>
-                    </a:ext>
-                  </a:extLst>
-                </p:cNvPr>
-                <p:cNvSpPr txBox="1"/>
-                <p:nvPr/>
-              </p:nvSpPr>
-              <p:spPr>
-                <a:xfrm>
-                  <a:off x="4798739" y="1967713"/>
-                  <a:ext cx="402995" cy="369332"/>
-                </a:xfrm>
-                <a:prstGeom prst="rect">
-                  <a:avLst/>
-                </a:prstGeom>
-                <a:noFill/>
-              </p:spPr>
-              <p:txBody>
-                <a:bodyPr wrap="none" rtlCol="0">
-                  <a:spAutoFit/>
-                </a:bodyPr>
-                <a:lstStyle/>
-                <a:p>
-                  <a:pPr/>
-                  <a14:m>
-                    <m:oMathPara xmlns:m="http://schemas.openxmlformats.org/officeDocument/2006/math">
-                      <m:oMathParaPr>
-                        <m:jc m:val="centerGroup"/>
-                      </m:oMathParaPr>
-                      <m:oMath xmlns:m="http://schemas.openxmlformats.org/officeDocument/2006/math">
-                        <m:r>
-                          <a:rPr lang="en-US" altLang="ko-KR" b="0" i="1" smtClean="0">
-                            <a:latin typeface="Cambria Math" panose="02040503050406030204" pitchFamily="18" charset="0"/>
-                          </a:rPr>
-                          <m:t>𝜃</m:t>
-                        </m:r>
-                      </m:oMath>
-                    </m:oMathPara>
-                  </a14:m>
-                  <a:endParaRPr lang="en-US" altLang="ko-KR" b="0" dirty="0"/>
-                </a:p>
-              </p:txBody>
-            </p:sp>
-          </mc:Choice>
-          <mc:Fallback>
-            <p:sp>
-              <p:nvSpPr>
-                <p:cNvPr id="67" name="TextBox 66">
-                  <a:extLst>
-                    <a:ext uri="{FF2B5EF4-FFF2-40B4-BE49-F238E27FC236}">
-                      <a16:creationId xmlns:a16="http://schemas.microsoft.com/office/drawing/2014/main" id="{468352D4-B8C6-44C7-AD56-847525BC79DB}"/>
-                    </a:ext>
-                  </a:extLst>
-                </p:cNvPr>
-                <p:cNvSpPr txBox="1">
-                  <a:spLocks noRot="1" noChangeAspect="1" noMove="1" noResize="1" noEditPoints="1" noAdjustHandles="1" noChangeArrowheads="1" noChangeShapeType="1" noTextEdit="1"/>
-                </p:cNvSpPr>
-                <p:nvPr/>
-              </p:nvSpPr>
-              <p:spPr>
-                <a:xfrm>
-                  <a:off x="4798739" y="1967713"/>
-                  <a:ext cx="402995" cy="369332"/>
-                </a:xfrm>
-                <a:prstGeom prst="rect">
-                  <a:avLst/>
-                </a:prstGeom>
-                <a:blipFill>
-                  <a:blip r:embed="rId13"/>
-                  <a:stretch>
-                    <a:fillRect/>
-                  </a:stretch>
-                </a:blipFill>
-              </p:spPr>
-              <p:txBody>
-                <a:bodyPr/>
-                <a:lstStyle/>
-                <a:p>
-                  <a:r>
-                    <a:rPr lang="ko-KR" altLang="en-US">
-                      <a:noFill/>
-                    </a:rPr>
-                    <a:t> </a:t>
-                  </a:r>
-                </a:p>
-              </p:txBody>
-            </p:sp>
-          </mc:Fallback>
-        </mc:AlternateContent>
-        <p:sp>
-          <p:nvSpPr>
-            <p:cNvPr id="68" name="부분 원형 67">
-              <a:extLst>
-                <a:ext uri="{FF2B5EF4-FFF2-40B4-BE49-F238E27FC236}">
-                  <a16:creationId xmlns:a16="http://schemas.microsoft.com/office/drawing/2014/main" id="{8F52A7AB-9CF7-4FD5-8140-DAEF7790B7F0}"/>
-                </a:ext>
-              </a:extLst>
-            </p:cNvPr>
-            <p:cNvSpPr/>
-            <p:nvPr/>
-          </p:nvSpPr>
-          <p:spPr>
-            <a:xfrm>
-              <a:off x="4573316" y="2281005"/>
-              <a:ext cx="593272" cy="593272"/>
-            </a:xfrm>
-            <a:prstGeom prst="pie">
-              <a:avLst>
-                <a:gd name="adj1" fmla="val 16148038"/>
-                <a:gd name="adj2" fmla="val 19025696"/>
-              </a:avLst>
-            </a:prstGeom>
-            <a:noFill/>
-            <a:ln>
-              <a:solidFill>
-                <a:schemeClr val="bg1">
-                  <a:lumMod val="65000"/>
-                </a:schemeClr>
-              </a:solidFill>
-            </a:ln>
-          </p:spPr>
-          <p:style>
-            <a:lnRef idx="2">
-              <a:schemeClr val="accent1">
-                <a:shade val="50000"/>
-              </a:schemeClr>
-            </a:lnRef>
-            <a:fillRef idx="1">
-              <a:schemeClr val="accent1"/>
-            </a:fillRef>
-            <a:effectRef idx="0">
-              <a:schemeClr val="accent1"/>
-            </a:effectRef>
-            <a:fontRef idx="minor">
-              <a:schemeClr val="lt1"/>
-            </a:fontRef>
-          </p:style>
-          <p:txBody>
-            <a:bodyPr rtlCol="0" anchor="ctr"/>
-            <a:lstStyle/>
-            <a:p>
-              <a:pPr algn="ctr"/>
-              <a:endParaRPr lang="ko-KR" altLang="en-US">
-                <a:solidFill>
-                  <a:schemeClr val="tx1"/>
-                </a:solidFill>
-              </a:endParaRPr>
-            </a:p>
-          </p:txBody>
-        </p:sp>
-        <p:sp>
-          <p:nvSpPr>
-            <p:cNvPr id="52" name="원호 51">
-              <a:extLst>
-                <a:ext uri="{FF2B5EF4-FFF2-40B4-BE49-F238E27FC236}">
-                  <a16:creationId xmlns:a16="http://schemas.microsoft.com/office/drawing/2014/main" id="{F8537441-0E19-4C5C-BBDF-3C1B5D818D96}"/>
-                </a:ext>
-              </a:extLst>
-            </p:cNvPr>
-            <p:cNvSpPr/>
-            <p:nvPr/>
-          </p:nvSpPr>
-          <p:spPr>
-            <a:xfrm rot="8265375">
-              <a:off x="2190927" y="-84091"/>
-              <a:ext cx="3595935" cy="3432865"/>
-            </a:xfrm>
-            <a:prstGeom prst="arc">
-              <a:avLst/>
-            </a:prstGeom>
-            <a:ln w="19050">
-              <a:solidFill>
-                <a:schemeClr val="bg1">
-                  <a:lumMod val="65000"/>
-                </a:schemeClr>
-              </a:solidFill>
-            </a:ln>
-          </p:spPr>
-          <p:style>
-            <a:lnRef idx="1">
-              <a:schemeClr val="accent1"/>
-            </a:lnRef>
-            <a:fillRef idx="0">
-              <a:schemeClr val="accent1"/>
-            </a:fillRef>
-            <a:effectRef idx="0">
-              <a:schemeClr val="accent1"/>
-            </a:effectRef>
-            <a:fontRef idx="minor">
-              <a:schemeClr val="tx1"/>
-            </a:fontRef>
-          </p:style>
-          <p:txBody>
-            <a:bodyPr rtlCol="0" anchor="ctr"/>
-            <a:lstStyle/>
-            <a:p>
-              <a:pPr algn="ctr"/>
-              <a:endParaRPr lang="ko-KR" altLang="en-US"/>
-            </a:p>
-          </p:txBody>
-        </p:sp>
       </p:grpSp>
     </p:spTree>
     <p:extLst>

--- a/docs/figures.pptx
+++ b/docs/figures.pptx
@@ -3327,8 +3327,8 @@
           <a:chExt cx="0" cy="0"/>
         </a:xfrm>
       </p:grpSpPr>
-      <mc:AlternateContent xmlns:mc="http://schemas.openxmlformats.org/markup-compatibility/2006">
-        <mc:Choice xmlns:a14="http://schemas.microsoft.com/office/drawing/2010/main" Requires="a14">
+      <mc:AlternateContent xmlns:mc="http://schemas.openxmlformats.org/markup-compatibility/2006" xmlns:a14="http://schemas.microsoft.com/office/drawing/2010/main">
+        <mc:Choice Requires="a14">
           <p:sp>
             <p:nvSpPr>
               <p:cNvPr id="51" name="TextBox 50">
@@ -3854,7 +3854,7 @@
             </p:txBody>
           </p:sp>
         </mc:Choice>
-        <mc:Fallback>
+        <mc:Fallback xmlns="">
           <p:sp>
             <p:nvSpPr>
               <p:cNvPr id="51" name="TextBox 50">
@@ -4190,10 +4190,10 @@
       </p:sp>
       <p:grpSp>
         <p:nvGrpSpPr>
-          <p:cNvPr id="17" name="그룹 16">
+          <p:cNvPr id="20" name="그룹 19">
             <a:extLst>
               <a:ext uri="{FF2B5EF4-FFF2-40B4-BE49-F238E27FC236}">
-                <a16:creationId xmlns:a16="http://schemas.microsoft.com/office/drawing/2014/main" id="{16A3A67F-EE6E-4D31-880A-6219276B1FA2}"/>
+                <a16:creationId xmlns:a16="http://schemas.microsoft.com/office/drawing/2014/main" id="{A81DEB18-31AA-4450-87B1-1DD3F73B2B62}"/>
               </a:ext>
             </a:extLst>
           </p:cNvPr>
@@ -4202,10 +4202,10 @@
         </p:nvGrpSpPr>
         <p:grpSpPr>
           <a:xfrm>
-            <a:off x="3018674" y="334383"/>
-            <a:ext cx="5098303" cy="3950457"/>
-            <a:chOff x="3018674" y="334383"/>
-            <a:chExt cx="5098303" cy="3950457"/>
+            <a:off x="2023359" y="289252"/>
+            <a:ext cx="5550887" cy="3950457"/>
+            <a:chOff x="2566090" y="334383"/>
+            <a:chExt cx="5550887" cy="3950457"/>
           </a:xfrm>
         </p:grpSpPr>
         <p:grpSp>
@@ -4731,7 +4731,7 @@
               <p:spPr>
                 <a:xfrm>
                   <a:off x="3567181" y="1231524"/>
-                  <a:ext cx="483146" cy="369332"/>
+                  <a:ext cx="470192" cy="369332"/>
                 </a:xfrm>
                 <a:prstGeom prst="rect">
                   <a:avLst/>
@@ -4772,7 +4772,7 @@
                               <a:rPr lang="en-US" altLang="ko-KR" b="0" i="1" smtClean="0">
                                 <a:latin typeface="Cambria Math" panose="02040503050406030204" pitchFamily="18" charset="0"/>
                               </a:rPr>
-                              <m:t>𝑎</m:t>
+                              <m:t>1</m:t>
                             </m:r>
                           </m:sub>
                         </m:sSub>
@@ -4802,7 +4802,7 @@
               <p:spPr>
                 <a:xfrm>
                   <a:off x="3567181" y="1231524"/>
-                  <a:ext cx="483146" cy="369332"/>
+                  <a:ext cx="470192" cy="369332"/>
                 </a:xfrm>
                 <a:prstGeom prst="rect">
                   <a:avLst/>
@@ -4810,7 +4810,7 @@
                 <a:blipFill>
                   <a:blip r:embed="rId17"/>
                   <a:stretch>
-                    <a:fillRect/>
+                    <a:fillRect b="-3333"/>
                   </a:stretch>
                 </a:blipFill>
               </p:spPr>
@@ -4846,7 +4846,7 @@
               <p:spPr>
                 <a:xfrm>
                   <a:off x="3988011" y="1854064"/>
-                  <a:ext cx="492955" cy="369332"/>
+                  <a:ext cx="475515" cy="369332"/>
                 </a:xfrm>
                 <a:prstGeom prst="rect">
                   <a:avLst/>
@@ -4887,7 +4887,7 @@
                               <a:rPr lang="en-US" altLang="ko-KR" b="0" i="1" smtClean="0">
                                 <a:latin typeface="Cambria Math" panose="02040503050406030204" pitchFamily="18" charset="0"/>
                               </a:rPr>
-                              <m:t>𝑎</m:t>
+                              <m:t>1</m:t>
                             </m:r>
                           </m:sub>
                         </m:sSub>
@@ -4917,7 +4917,7 @@
               <p:spPr>
                 <a:xfrm>
                   <a:off x="3988011" y="1854064"/>
-                  <a:ext cx="492955" cy="369332"/>
+                  <a:ext cx="475515" cy="369332"/>
                 </a:xfrm>
                 <a:prstGeom prst="rect">
                   <a:avLst/>
@@ -4925,7 +4925,7 @@
                 <a:blipFill>
                   <a:blip r:embed="rId18"/>
                   <a:stretch>
-                    <a:fillRect/>
+                    <a:fillRect b="-3333"/>
                   </a:stretch>
                 </a:blipFill>
               </p:spPr>
@@ -4960,8 +4960,8 @@
               </p:nvSpPr>
               <p:spPr>
                 <a:xfrm>
-                  <a:off x="6573636" y="3146821"/>
-                  <a:ext cx="488532" cy="369332"/>
+                  <a:off x="6509379" y="3592487"/>
+                  <a:ext cx="480837" cy="369332"/>
                 </a:xfrm>
                 <a:prstGeom prst="rect">
                   <a:avLst/>
@@ -5002,7 +5002,7 @@
                               <a:rPr lang="en-US" altLang="ko-KR" b="0" i="1" smtClean="0">
                                 <a:latin typeface="Cambria Math" panose="02040503050406030204" pitchFamily="18" charset="0"/>
                               </a:rPr>
-                              <m:t>𝑏</m:t>
+                              <m:t>2</m:t>
                             </m:r>
                           </m:sub>
                         </m:sSub>
@@ -5031,8 +5031,8 @@
               </p:nvSpPr>
               <p:spPr>
                 <a:xfrm>
-                  <a:off x="6573636" y="3146821"/>
-                  <a:ext cx="488532" cy="369332"/>
+                  <a:off x="6509379" y="3592487"/>
+                  <a:ext cx="480837" cy="369332"/>
                 </a:xfrm>
                 <a:prstGeom prst="rect">
                   <a:avLst/>
@@ -5040,7 +5040,7 @@
                 <a:blipFill>
                   <a:blip r:embed="rId19"/>
                   <a:stretch>
-                    <a:fillRect b="-3279"/>
+                    <a:fillRect b="-1639"/>
                   </a:stretch>
                 </a:blipFill>
               </p:spPr>
@@ -5121,8 +5121,8 @@
               </p:nvSpPr>
               <p:spPr>
                 <a:xfrm>
-                  <a:off x="6158072" y="2922678"/>
-                  <a:ext cx="483209" cy="369332"/>
+                  <a:off x="5944296" y="3202526"/>
+                  <a:ext cx="475515" cy="369332"/>
                 </a:xfrm>
                 <a:prstGeom prst="rect">
                   <a:avLst/>
@@ -5163,7 +5163,7 @@
                               <a:rPr lang="en-US" altLang="ko-KR" b="0" i="1" smtClean="0">
                                 <a:latin typeface="Cambria Math" panose="02040503050406030204" pitchFamily="18" charset="0"/>
                               </a:rPr>
-                              <m:t>𝑏</m:t>
+                              <m:t>2</m:t>
                             </m:r>
                           </m:sub>
                         </m:sSub>
@@ -5192,8 +5192,8 @@
               </p:nvSpPr>
               <p:spPr>
                 <a:xfrm>
-                  <a:off x="6158072" y="2922678"/>
-                  <a:ext cx="483209" cy="369332"/>
+                  <a:off x="5944296" y="3202526"/>
+                  <a:ext cx="475515" cy="369332"/>
                 </a:xfrm>
                 <a:prstGeom prst="rect">
                   <a:avLst/>
@@ -5201,134 +5201,7 @@
                 <a:blipFill>
                   <a:blip r:embed="rId20"/>
                   <a:stretch>
-                    <a:fillRect b="-3279"/>
-                  </a:stretch>
-                </a:blipFill>
-              </p:spPr>
-              <p:txBody>
-                <a:bodyPr/>
-                <a:lstStyle/>
-                <a:p>
-                  <a:r>
-                    <a:rPr lang="ko-KR" altLang="en-US">
-                      <a:noFill/>
-                    </a:rPr>
-                    <a:t> </a:t>
-                  </a:r>
-                </a:p>
-              </p:txBody>
-            </p:sp>
-          </mc:Fallback>
-        </mc:AlternateContent>
-        <mc:AlternateContent xmlns:mc="http://schemas.openxmlformats.org/markup-compatibility/2006">
-          <mc:Choice xmlns:a14="http://schemas.microsoft.com/office/drawing/2010/main" Requires="a14">
-            <p:sp>
-              <p:nvSpPr>
-                <p:cNvPr id="43" name="TextBox 42">
-                  <a:extLst>
-                    <a:ext uri="{FF2B5EF4-FFF2-40B4-BE49-F238E27FC236}">
-                      <a16:creationId xmlns:a16="http://schemas.microsoft.com/office/drawing/2014/main" id="{DDD18310-45B8-4A94-ABF3-39D91505A1E8}"/>
-                    </a:ext>
-                  </a:extLst>
-                </p:cNvPr>
-                <p:cNvSpPr txBox="1"/>
-                <p:nvPr/>
-              </p:nvSpPr>
-              <p:spPr>
-                <a:xfrm>
-                  <a:off x="5710971" y="3367422"/>
-                  <a:ext cx="919098" cy="369332"/>
-                </a:xfrm>
-                <a:prstGeom prst="rect">
-                  <a:avLst/>
-                </a:prstGeom>
-                <a:noFill/>
-              </p:spPr>
-              <p:txBody>
-                <a:bodyPr wrap="none" rtlCol="0">
-                  <a:spAutoFit/>
-                </a:bodyPr>
-                <a:lstStyle/>
-                <a:p>
-                  <a:pPr/>
-                  <a14:m>
-                    <m:oMathPara xmlns:m="http://schemas.openxmlformats.org/officeDocument/2006/math">
-                      <m:oMathParaPr>
-                        <m:jc m:val="centerGroup"/>
-                      </m:oMathParaPr>
-                      <m:oMath xmlns:m="http://schemas.openxmlformats.org/officeDocument/2006/math">
-                        <m:r>
-                          <a:rPr lang="en-US" altLang="ko-KR" b="0" i="1" smtClean="0">
-                            <a:latin typeface="Cambria Math" panose="02040503050406030204" pitchFamily="18" charset="0"/>
-                          </a:rPr>
-                          <m:t>𝜋</m:t>
-                        </m:r>
-                        <m:r>
-                          <a:rPr lang="en-US" altLang="ko-KR" b="0" i="1" smtClean="0">
-                            <a:latin typeface="Cambria Math" panose="02040503050406030204" pitchFamily="18" charset="0"/>
-                          </a:rPr>
-                          <m:t>−</m:t>
-                        </m:r>
-                        <m:sSub>
-                          <m:sSubPr>
-                            <m:ctrlPr>
-                              <a:rPr lang="en-US" altLang="ko-KR" b="0" i="1" smtClean="0">
-                                <a:latin typeface="Cambria Math" panose="02040503050406030204" pitchFamily="18" charset="0"/>
-                              </a:rPr>
-                            </m:ctrlPr>
-                          </m:sSubPr>
-                          <m:e>
-                            <m:r>
-                              <a:rPr lang="en-US" altLang="ko-KR" b="0" i="1" smtClean="0">
-                                <a:latin typeface="Cambria Math" panose="02040503050406030204" pitchFamily="18" charset="0"/>
-                              </a:rPr>
-                              <m:t>𝜃</m:t>
-                            </m:r>
-                          </m:e>
-                          <m:sub>
-                            <m:r>
-                              <a:rPr lang="en-US" altLang="ko-KR" b="0" i="1" smtClean="0">
-                                <a:latin typeface="Cambria Math" panose="02040503050406030204" pitchFamily="18" charset="0"/>
-                              </a:rPr>
-                              <m:t>𝑎</m:t>
-                            </m:r>
-                          </m:sub>
-                        </m:sSub>
-                      </m:oMath>
-                    </m:oMathPara>
-                  </a14:m>
-                  <a:endParaRPr lang="en-US" altLang="ko-KR" b="0" dirty="0"/>
-                </a:p>
-              </p:txBody>
-            </p:sp>
-          </mc:Choice>
-          <mc:Fallback>
-            <p:sp>
-              <p:nvSpPr>
-                <p:cNvPr id="43" name="TextBox 42">
-                  <a:extLst>
-                    <a:ext uri="{FF2B5EF4-FFF2-40B4-BE49-F238E27FC236}">
-                      <a16:creationId xmlns:a16="http://schemas.microsoft.com/office/drawing/2014/main" id="{DDD18310-45B8-4A94-ABF3-39D91505A1E8}"/>
-                    </a:ext>
-                  </a:extLst>
-                </p:cNvPr>
-                <p:cNvSpPr txBox="1">
-                  <a:spLocks noRot="1" noChangeAspect="1" noMove="1" noResize="1" noEditPoints="1" noAdjustHandles="1" noChangeArrowheads="1" noChangeShapeType="1" noTextEdit="1"/>
-                </p:cNvSpPr>
-                <p:nvPr/>
-              </p:nvSpPr>
-              <p:spPr>
-                <a:xfrm>
-                  <a:off x="5710971" y="3367422"/>
-                  <a:ext cx="919098" cy="369332"/>
-                </a:xfrm>
-                <a:prstGeom prst="rect">
-                  <a:avLst/>
-                </a:prstGeom>
-                <a:blipFill>
-                  <a:blip r:embed="rId21"/>
-                  <a:stretch>
-                    <a:fillRect/>
+                    <a:fillRect b="-1639"/>
                   </a:stretch>
                 </a:blipFill>
               </p:spPr>
@@ -5363,8 +5236,8 @@
               </p:nvSpPr>
               <p:spPr>
                 <a:xfrm>
-                  <a:off x="6100487" y="2610118"/>
-                  <a:ext cx="503150" cy="369332"/>
+                  <a:off x="6099438" y="2762716"/>
+                  <a:ext cx="495456" cy="369332"/>
                 </a:xfrm>
                 <a:prstGeom prst="rect">
                   <a:avLst/>
@@ -5405,7 +5278,7 @@
                               <a:rPr lang="en-US" altLang="ko-KR" b="0" i="1" smtClean="0">
                                 <a:latin typeface="Cambria Math" panose="02040503050406030204" pitchFamily="18" charset="0"/>
                               </a:rPr>
-                              <m:t>𝑏</m:t>
+                              <m:t>2</m:t>
                             </m:r>
                           </m:sub>
                         </m:sSub>
@@ -5434,16 +5307,16 @@
               </p:nvSpPr>
               <p:spPr>
                 <a:xfrm>
-                  <a:off x="6100487" y="2610118"/>
-                  <a:ext cx="503150" cy="369332"/>
+                  <a:off x="6099438" y="2762716"/>
+                  <a:ext cx="495456" cy="369332"/>
                 </a:xfrm>
                 <a:prstGeom prst="rect">
                   <a:avLst/>
                 </a:prstGeom>
                 <a:blipFill>
-                  <a:blip r:embed="rId22"/>
+                  <a:blip r:embed="rId21"/>
                   <a:stretch>
-                    <a:fillRect b="-3279"/>
+                    <a:fillRect b="-3333"/>
                   </a:stretch>
                 </a:blipFill>
               </p:spPr>
@@ -5479,7 +5352,7 @@
               <p:spPr>
                 <a:xfrm>
                   <a:off x="3290816" y="908598"/>
-                  <a:ext cx="502189" cy="369332"/>
+                  <a:ext cx="490134" cy="369332"/>
                 </a:xfrm>
                 <a:prstGeom prst="rect">
                   <a:avLst/>
@@ -5520,7 +5393,7 @@
                               <a:rPr lang="en-US" altLang="ko-KR" b="0" i="1" smtClean="0">
                                 <a:latin typeface="Cambria Math" panose="02040503050406030204" pitchFamily="18" charset="0"/>
                               </a:rPr>
-                              <m:t>𝑎</m:t>
+                              <m:t>1</m:t>
                             </m:r>
                           </m:sub>
                         </m:sSub>
@@ -5550,131 +5423,13 @@
               <p:spPr>
                 <a:xfrm>
                   <a:off x="3290816" y="908598"/>
-                  <a:ext cx="502189" cy="369332"/>
+                  <a:ext cx="490134" cy="369332"/>
                 </a:xfrm>
                 <a:prstGeom prst="rect">
                   <a:avLst/>
                 </a:prstGeom>
                 <a:blipFill>
-                  <a:blip r:embed="rId23"/>
-                  <a:stretch>
-                    <a:fillRect/>
-                  </a:stretch>
-                </a:blipFill>
-              </p:spPr>
-              <p:txBody>
-                <a:bodyPr/>
-                <a:lstStyle/>
-                <a:p>
-                  <a:r>
-                    <a:rPr lang="ko-KR" altLang="en-US">
-                      <a:noFill/>
-                    </a:rPr>
-                    <a:t> </a:t>
-                  </a:r>
-                </a:p>
-              </p:txBody>
-            </p:sp>
-          </mc:Fallback>
-        </mc:AlternateContent>
-        <mc:AlternateContent xmlns:mc="http://schemas.openxmlformats.org/markup-compatibility/2006">
-          <mc:Choice xmlns:a14="http://schemas.microsoft.com/office/drawing/2010/main" Requires="a14">
-            <p:sp>
-              <p:nvSpPr>
-                <p:cNvPr id="48" name="TextBox 47">
-                  <a:extLst>
-                    <a:ext uri="{FF2B5EF4-FFF2-40B4-BE49-F238E27FC236}">
-                      <a16:creationId xmlns:a16="http://schemas.microsoft.com/office/drawing/2014/main" id="{CAAA0859-BF04-48F6-95C2-333B3D748468}"/>
-                    </a:ext>
-                  </a:extLst>
-                </p:cNvPr>
-                <p:cNvSpPr txBox="1"/>
-                <p:nvPr/>
-              </p:nvSpPr>
-              <p:spPr>
-                <a:xfrm>
-                  <a:off x="5820809" y="2242710"/>
-                  <a:ext cx="509883" cy="369332"/>
-                </a:xfrm>
-                <a:prstGeom prst="rect">
-                  <a:avLst/>
-                </a:prstGeom>
-                <a:noFill/>
-              </p:spPr>
-              <p:txBody>
-                <a:bodyPr wrap="none" rtlCol="0">
-                  <a:spAutoFit/>
-                </a:bodyPr>
-                <a:lstStyle/>
-                <a:p>
-                  <a:pPr/>
-                  <a14:m>
-                    <m:oMathPara xmlns:m="http://schemas.openxmlformats.org/officeDocument/2006/math">
-                      <m:oMathParaPr>
-                        <m:jc m:val="centerGroup"/>
-                      </m:oMathParaPr>
-                      <m:oMath xmlns:m="http://schemas.openxmlformats.org/officeDocument/2006/math">
-                        <m:sSub>
-                          <m:sSubPr>
-                            <m:ctrlPr>
-                              <a:rPr lang="en-US" altLang="ko-KR" b="0" i="1" smtClean="0">
-                                <a:latin typeface="Cambria Math" panose="02040503050406030204" pitchFamily="18" charset="0"/>
-                              </a:rPr>
-                            </m:ctrlPr>
-                          </m:sSubPr>
-                          <m:e>
-                            <m:r>
-                              <a:rPr lang="en-US" altLang="ko-KR" b="0" i="1" smtClean="0">
-                                <a:latin typeface="Cambria Math" panose="02040503050406030204" pitchFamily="18" charset="0"/>
-                              </a:rPr>
-                              <m:t>𝜃</m:t>
-                            </m:r>
-                          </m:e>
-                          <m:sub>
-                            <m:r>
-                              <m:rPr>
-                                <m:sty m:val="p"/>
-                              </m:rPr>
-                              <a:rPr lang="en-US" altLang="ko-KR" b="0" i="0" smtClean="0">
-                                <a:latin typeface="Cambria Math" panose="02040503050406030204" pitchFamily="18" charset="0"/>
-                              </a:rPr>
-                              <m:t>Δ</m:t>
-                            </m:r>
-                          </m:sub>
-                        </m:sSub>
-                      </m:oMath>
-                    </m:oMathPara>
-                  </a14:m>
-                  <a:endParaRPr lang="en-US" altLang="ko-KR" b="0" dirty="0"/>
-                </a:p>
-              </p:txBody>
-            </p:sp>
-          </mc:Choice>
-          <mc:Fallback>
-            <p:sp>
-              <p:nvSpPr>
-                <p:cNvPr id="48" name="TextBox 47">
-                  <a:extLst>
-                    <a:ext uri="{FF2B5EF4-FFF2-40B4-BE49-F238E27FC236}">
-                      <a16:creationId xmlns:a16="http://schemas.microsoft.com/office/drawing/2014/main" id="{CAAA0859-BF04-48F6-95C2-333B3D748468}"/>
-                    </a:ext>
-                  </a:extLst>
-                </p:cNvPr>
-                <p:cNvSpPr txBox="1">
-                  <a:spLocks noRot="1" noChangeAspect="1" noMove="1" noResize="1" noEditPoints="1" noAdjustHandles="1" noChangeArrowheads="1" noChangeShapeType="1" noTextEdit="1"/>
-                </p:cNvSpPr>
-                <p:nvPr/>
-              </p:nvSpPr>
-              <p:spPr>
-                <a:xfrm>
-                  <a:off x="5820809" y="2242710"/>
-                  <a:ext cx="509883" cy="369332"/>
-                </a:xfrm>
-                <a:prstGeom prst="rect">
-                  <a:avLst/>
-                </a:prstGeom>
-                <a:blipFill>
-                  <a:blip r:embed="rId24"/>
+                  <a:blip r:embed="rId22"/>
                   <a:stretch>
                     <a:fillRect b="-3333"/>
                   </a:stretch>
@@ -5695,6 +5450,39 @@
             </p:sp>
           </mc:Fallback>
         </mc:AlternateContent>
+        <p:sp>
+          <p:nvSpPr>
+            <p:cNvPr id="48" name="TextBox 47">
+              <a:extLst>
+                <a:ext uri="{FF2B5EF4-FFF2-40B4-BE49-F238E27FC236}">
+                  <a16:creationId xmlns:a16="http://schemas.microsoft.com/office/drawing/2014/main" id="{CAAA0859-BF04-48F6-95C2-333B3D748468}"/>
+                </a:ext>
+              </a:extLst>
+            </p:cNvPr>
+            <p:cNvSpPr txBox="1"/>
+            <p:nvPr/>
+          </p:nvSpPr>
+          <p:spPr>
+            <a:xfrm>
+              <a:off x="5820809" y="2242710"/>
+              <a:ext cx="184731" cy="369332"/>
+            </a:xfrm>
+            <a:prstGeom prst="rect">
+              <a:avLst/>
+            </a:prstGeom>
+            <a:noFill/>
+          </p:spPr>
+          <p:txBody>
+            <a:bodyPr wrap="none" rtlCol="0">
+              <a:spAutoFit/>
+            </a:bodyPr>
+            <a:lstStyle/>
+            <a:p>
+              <a:pPr/>
+              <a:endParaRPr lang="en-US" altLang="ko-KR" b="0" dirty="0"/>
+            </a:p>
+          </p:txBody>
+        </p:sp>
         <p:sp>
           <p:nvSpPr>
             <p:cNvPr id="49" name="부분 원형 48">
@@ -5831,7 +5619,7 @@
                   <a:avLst/>
                 </a:prstGeom>
                 <a:blipFill>
-                  <a:blip r:embed="rId25"/>
+                  <a:blip r:embed="rId23"/>
                   <a:stretch>
                     <a:fillRect/>
                   </a:stretch>
@@ -5952,7 +5740,7 @@
                   <a:avLst/>
                 </a:prstGeom>
                 <a:blipFill>
-                  <a:blip r:embed="rId26"/>
+                  <a:blip r:embed="rId24"/>
                   <a:stretch>
                     <a:fillRect/>
                   </a:stretch>
@@ -6073,9 +5861,9 @@
                   <a:avLst/>
                 </a:prstGeom>
                 <a:blipFill>
-                  <a:blip r:embed="rId27"/>
+                  <a:blip r:embed="rId25"/>
                   <a:stretch>
-                    <a:fillRect b="-3279"/>
+                    <a:fillRect b="-3333"/>
                   </a:stretch>
                 </a:blipFill>
               </p:spPr>
@@ -6239,9 +6027,9 @@
                   <a:avLst/>
                 </a:prstGeom>
                 <a:blipFill>
-                  <a:blip r:embed="rId28"/>
+                  <a:blip r:embed="rId26"/>
                   <a:stretch>
-                    <a:fillRect b="-1639"/>
+                    <a:fillRect b="-3333"/>
                   </a:stretch>
                 </a:blipFill>
               </p:spPr>
@@ -6354,7 +6142,7 @@
                   <a:avLst/>
                 </a:prstGeom>
                 <a:blipFill>
-                  <a:blip r:embed="rId29"/>
+                  <a:blip r:embed="rId27"/>
                   <a:stretch>
                     <a:fillRect/>
                   </a:stretch>
@@ -6391,8 +6179,8 @@
           </p:nvCxnSpPr>
           <p:spPr>
             <a:xfrm>
-              <a:off x="3180827" y="1229751"/>
-              <a:ext cx="1915219" cy="1279361"/>
+              <a:off x="3263950" y="1277930"/>
+              <a:ext cx="498120" cy="334740"/>
             </a:xfrm>
             <a:prstGeom prst="line">
               <a:avLst/>
@@ -6587,60 +6375,6 @@
         </p:sp>
         <p:sp>
           <p:nvSpPr>
-            <p:cNvPr id="88" name="원호 87">
-              <a:extLst>
-                <a:ext uri="{FF2B5EF4-FFF2-40B4-BE49-F238E27FC236}">
-                  <a16:creationId xmlns:a16="http://schemas.microsoft.com/office/drawing/2014/main" id="{9C7240AA-4C85-4051-B148-DD169A199DFE}"/>
-                </a:ext>
-              </a:extLst>
-            </p:cNvPr>
-            <p:cNvSpPr/>
-            <p:nvPr/>
-          </p:nvSpPr>
-          <p:spPr>
-            <a:xfrm rot="10800000">
-              <a:off x="5497378" y="2627176"/>
-              <a:ext cx="824228" cy="824228"/>
-            </a:xfrm>
-            <a:prstGeom prst="arc">
-              <a:avLst>
-                <a:gd name="adj1" fmla="val 13063511"/>
-                <a:gd name="adj2" fmla="val 16231480"/>
-              </a:avLst>
-            </a:prstGeom>
-            <a:ln w="12700">
-              <a:solidFill>
-                <a:schemeClr val="bg1">
-                  <a:lumMod val="65000"/>
-                </a:schemeClr>
-              </a:solidFill>
-            </a:ln>
-          </p:spPr>
-          <p:style>
-            <a:lnRef idx="1">
-              <a:schemeClr val="accent1"/>
-            </a:lnRef>
-            <a:fillRef idx="0">
-              <a:schemeClr val="accent1"/>
-            </a:fillRef>
-            <a:effectRef idx="0">
-              <a:schemeClr val="accent1"/>
-            </a:effectRef>
-            <a:fontRef idx="minor">
-              <a:schemeClr val="tx1"/>
-            </a:fontRef>
-          </p:style>
-          <p:txBody>
-            <a:bodyPr rtlCol="0" anchor="ctr"/>
-            <a:lstStyle/>
-            <a:p>
-              <a:pPr algn="ctr"/>
-              <a:endParaRPr lang="ko-KR" altLang="en-US"/>
-            </a:p>
-          </p:txBody>
-        </p:sp>
-        <p:sp>
-          <p:nvSpPr>
             <p:cNvPr id="90" name="원호 89">
               <a:extLst>
                 <a:ext uri="{FF2B5EF4-FFF2-40B4-BE49-F238E27FC236}">
@@ -6693,6 +6427,431 @@
             </a:p>
           </p:txBody>
         </p:sp>
+        <mc:AlternateContent xmlns:mc="http://schemas.openxmlformats.org/markup-compatibility/2006">
+          <mc:Choice xmlns:a14="http://schemas.microsoft.com/office/drawing/2010/main" Requires="a14">
+            <p:sp>
+              <p:nvSpPr>
+                <p:cNvPr id="42" name="TextBox 41">
+                  <a:extLst>
+                    <a:ext uri="{FF2B5EF4-FFF2-40B4-BE49-F238E27FC236}">
+                      <a16:creationId xmlns:a16="http://schemas.microsoft.com/office/drawing/2014/main" id="{75D6A1A4-C842-4FBA-A953-6A02F0C5FDD6}"/>
+                    </a:ext>
+                  </a:extLst>
+                </p:cNvPr>
+                <p:cNvSpPr txBox="1"/>
+                <p:nvPr/>
+              </p:nvSpPr>
+              <p:spPr>
+                <a:xfrm>
+                  <a:off x="2566090" y="1792347"/>
+                  <a:ext cx="440569" cy="369332"/>
+                </a:xfrm>
+                <a:prstGeom prst="rect">
+                  <a:avLst/>
+                </a:prstGeom>
+                <a:noFill/>
+              </p:spPr>
+              <p:txBody>
+                <a:bodyPr wrap="none" rtlCol="0">
+                  <a:spAutoFit/>
+                </a:bodyPr>
+                <a:lstStyle/>
+                <a:p>
+                  <a:pPr/>
+                  <a14:m>
+                    <m:oMathPara xmlns:m="http://schemas.openxmlformats.org/officeDocument/2006/math">
+                      <m:oMathParaPr>
+                        <m:jc m:val="centerGroup"/>
+                      </m:oMathParaPr>
+                      <m:oMath xmlns:m="http://schemas.openxmlformats.org/officeDocument/2006/math">
+                        <m:sSub>
+                          <m:sSubPr>
+                            <m:ctrlPr>
+                              <a:rPr lang="en-US" altLang="ko-KR" b="0" i="1" smtClean="0">
+                                <a:latin typeface="Cambria Math" panose="02040503050406030204" pitchFamily="18" charset="0"/>
+                              </a:rPr>
+                            </m:ctrlPr>
+                          </m:sSubPr>
+                          <m:e>
+                            <m:r>
+                              <a:rPr lang="en-US" altLang="ko-KR" b="0" i="1" smtClean="0">
+                                <a:latin typeface="Cambria Math" panose="02040503050406030204" pitchFamily="18" charset="0"/>
+                              </a:rPr>
+                              <m:t>𝑙</m:t>
+                            </m:r>
+                          </m:e>
+                          <m:sub>
+                            <m:r>
+                              <a:rPr lang="en-US" altLang="ko-KR" b="0" i="1" smtClean="0">
+                                <a:latin typeface="Cambria Math" panose="02040503050406030204" pitchFamily="18" charset="0"/>
+                              </a:rPr>
+                              <m:t>1</m:t>
+                            </m:r>
+                          </m:sub>
+                        </m:sSub>
+                      </m:oMath>
+                    </m:oMathPara>
+                  </a14:m>
+                  <a:endParaRPr lang="en-US" altLang="ko-KR" b="0" dirty="0"/>
+                </a:p>
+              </p:txBody>
+            </p:sp>
+          </mc:Choice>
+          <mc:Fallback>
+            <p:sp>
+              <p:nvSpPr>
+                <p:cNvPr id="42" name="TextBox 41">
+                  <a:extLst>
+                    <a:ext uri="{FF2B5EF4-FFF2-40B4-BE49-F238E27FC236}">
+                      <a16:creationId xmlns:a16="http://schemas.microsoft.com/office/drawing/2014/main" id="{75D6A1A4-C842-4FBA-A953-6A02F0C5FDD6}"/>
+                    </a:ext>
+                  </a:extLst>
+                </p:cNvPr>
+                <p:cNvSpPr txBox="1">
+                  <a:spLocks noRot="1" noChangeAspect="1" noMove="1" noResize="1" noEditPoints="1" noAdjustHandles="1" noChangeArrowheads="1" noChangeShapeType="1" noTextEdit="1"/>
+                </p:cNvSpPr>
+                <p:nvPr/>
+              </p:nvSpPr>
+              <p:spPr>
+                <a:xfrm>
+                  <a:off x="2566090" y="1792347"/>
+                  <a:ext cx="440569" cy="369332"/>
+                </a:xfrm>
+                <a:prstGeom prst="rect">
+                  <a:avLst/>
+                </a:prstGeom>
+                <a:blipFill>
+                  <a:blip r:embed="rId28"/>
+                  <a:stretch>
+                    <a:fillRect b="-3333"/>
+                  </a:stretch>
+                </a:blipFill>
+              </p:spPr>
+              <p:txBody>
+                <a:bodyPr/>
+                <a:lstStyle/>
+                <a:p>
+                  <a:r>
+                    <a:rPr lang="ko-KR" altLang="en-US">
+                      <a:noFill/>
+                    </a:rPr>
+                    <a:t> </a:t>
+                  </a:r>
+                </a:p>
+              </p:txBody>
+            </p:sp>
+          </mc:Fallback>
+        </mc:AlternateContent>
+        <mc:AlternateContent xmlns:mc="http://schemas.openxmlformats.org/markup-compatibility/2006">
+          <mc:Choice xmlns:a14="http://schemas.microsoft.com/office/drawing/2010/main" Requires="a14">
+            <p:sp>
+              <p:nvSpPr>
+                <p:cNvPr id="47" name="TextBox 46">
+                  <a:extLst>
+                    <a:ext uri="{FF2B5EF4-FFF2-40B4-BE49-F238E27FC236}">
+                      <a16:creationId xmlns:a16="http://schemas.microsoft.com/office/drawing/2014/main" id="{EA6B499F-6079-4B90-9950-631264CCAD08}"/>
+                    </a:ext>
+                  </a:extLst>
+                </p:cNvPr>
+                <p:cNvSpPr txBox="1"/>
+                <p:nvPr/>
+              </p:nvSpPr>
+              <p:spPr>
+                <a:xfrm>
+                  <a:off x="7582598" y="3035600"/>
+                  <a:ext cx="445891" cy="369332"/>
+                </a:xfrm>
+                <a:prstGeom prst="rect">
+                  <a:avLst/>
+                </a:prstGeom>
+                <a:noFill/>
+              </p:spPr>
+              <p:txBody>
+                <a:bodyPr wrap="none" rtlCol="0">
+                  <a:spAutoFit/>
+                </a:bodyPr>
+                <a:lstStyle/>
+                <a:p>
+                  <a:pPr/>
+                  <a14:m>
+                    <m:oMathPara xmlns:m="http://schemas.openxmlformats.org/officeDocument/2006/math">
+                      <m:oMathParaPr>
+                        <m:jc m:val="centerGroup"/>
+                      </m:oMathParaPr>
+                      <m:oMath xmlns:m="http://schemas.openxmlformats.org/officeDocument/2006/math">
+                        <m:sSub>
+                          <m:sSubPr>
+                            <m:ctrlPr>
+                              <a:rPr lang="en-US" altLang="ko-KR" b="0" i="1" smtClean="0">
+                                <a:latin typeface="Cambria Math" panose="02040503050406030204" pitchFamily="18" charset="0"/>
+                              </a:rPr>
+                            </m:ctrlPr>
+                          </m:sSubPr>
+                          <m:e>
+                            <m:r>
+                              <a:rPr lang="en-US" altLang="ko-KR" b="0" i="1" smtClean="0">
+                                <a:latin typeface="Cambria Math" panose="02040503050406030204" pitchFamily="18" charset="0"/>
+                              </a:rPr>
+                              <m:t>𝑙</m:t>
+                            </m:r>
+                          </m:e>
+                          <m:sub>
+                            <m:r>
+                              <a:rPr lang="en-US" altLang="ko-KR" b="0" i="1" smtClean="0">
+                                <a:latin typeface="Cambria Math" panose="02040503050406030204" pitchFamily="18" charset="0"/>
+                              </a:rPr>
+                              <m:t>2</m:t>
+                            </m:r>
+                          </m:sub>
+                        </m:sSub>
+                      </m:oMath>
+                    </m:oMathPara>
+                  </a14:m>
+                  <a:endParaRPr lang="en-US" altLang="ko-KR" b="0" dirty="0"/>
+                </a:p>
+              </p:txBody>
+            </p:sp>
+          </mc:Choice>
+          <mc:Fallback>
+            <p:sp>
+              <p:nvSpPr>
+                <p:cNvPr id="47" name="TextBox 46">
+                  <a:extLst>
+                    <a:ext uri="{FF2B5EF4-FFF2-40B4-BE49-F238E27FC236}">
+                      <a16:creationId xmlns:a16="http://schemas.microsoft.com/office/drawing/2014/main" id="{EA6B499F-6079-4B90-9950-631264CCAD08}"/>
+                    </a:ext>
+                  </a:extLst>
+                </p:cNvPr>
+                <p:cNvSpPr txBox="1">
+                  <a:spLocks noRot="1" noChangeAspect="1" noMove="1" noResize="1" noEditPoints="1" noAdjustHandles="1" noChangeArrowheads="1" noChangeShapeType="1" noTextEdit="1"/>
+                </p:cNvSpPr>
+                <p:nvPr/>
+              </p:nvSpPr>
+              <p:spPr>
+                <a:xfrm>
+                  <a:off x="7582598" y="3035600"/>
+                  <a:ext cx="445891" cy="369332"/>
+                </a:xfrm>
+                <a:prstGeom prst="rect">
+                  <a:avLst/>
+                </a:prstGeom>
+                <a:blipFill>
+                  <a:blip r:embed="rId29"/>
+                  <a:stretch>
+                    <a:fillRect b="-3333"/>
+                  </a:stretch>
+                </a:blipFill>
+              </p:spPr>
+              <p:txBody>
+                <a:bodyPr/>
+                <a:lstStyle/>
+                <a:p>
+                  <a:r>
+                    <a:rPr lang="ko-KR" altLang="en-US">
+                      <a:noFill/>
+                    </a:rPr>
+                    <a:t> </a:t>
+                  </a:r>
+                </a:p>
+              </p:txBody>
+            </p:sp>
+          </mc:Fallback>
+        </mc:AlternateContent>
+        <p:cxnSp>
+          <p:nvCxnSpPr>
+            <p:cNvPr id="14" name="직선 연결선 13">
+              <a:extLst>
+                <a:ext uri="{FF2B5EF4-FFF2-40B4-BE49-F238E27FC236}">
+                  <a16:creationId xmlns:a16="http://schemas.microsoft.com/office/drawing/2014/main" id="{B15CB4C1-F09A-4130-9EF2-CD80C78B74B2}"/>
+                </a:ext>
+              </a:extLst>
+            </p:cNvPr>
+            <p:cNvCxnSpPr/>
+            <p:nvPr/>
+          </p:nvCxnSpPr>
+          <p:spPr>
+            <a:xfrm flipH="1">
+              <a:off x="2882214" y="1740071"/>
+              <a:ext cx="1054687" cy="222587"/>
+            </a:xfrm>
+            <a:prstGeom prst="line">
+              <a:avLst/>
+            </a:prstGeom>
+            <a:ln w="19050">
+              <a:solidFill>
+                <a:schemeClr val="bg1">
+                  <a:lumMod val="65000"/>
+                </a:schemeClr>
+              </a:solidFill>
+              <a:prstDash val="dash"/>
+            </a:ln>
+          </p:spPr>
+          <p:style>
+            <a:lnRef idx="1">
+              <a:schemeClr val="accent1"/>
+            </a:lnRef>
+            <a:fillRef idx="0">
+              <a:schemeClr val="accent1"/>
+            </a:fillRef>
+            <a:effectRef idx="0">
+              <a:schemeClr val="accent1"/>
+            </a:effectRef>
+            <a:fontRef idx="minor">
+              <a:schemeClr val="tx1"/>
+            </a:fontRef>
+          </p:style>
+        </p:cxnSp>
+        <p:cxnSp>
+          <p:nvCxnSpPr>
+            <p:cNvPr id="50" name="직선 연결선 49">
+              <a:extLst>
+                <a:ext uri="{FF2B5EF4-FFF2-40B4-BE49-F238E27FC236}">
+                  <a16:creationId xmlns:a16="http://schemas.microsoft.com/office/drawing/2014/main" id="{8DBED830-E20B-45B4-B826-D5839B65685D}"/>
+                </a:ext>
+              </a:extLst>
+            </p:cNvPr>
+            <p:cNvCxnSpPr>
+              <a:cxnSpLocks/>
+            </p:cNvCxnSpPr>
+            <p:nvPr/>
+          </p:nvCxnSpPr>
+          <p:spPr>
+            <a:xfrm flipH="1">
+              <a:off x="6527134" y="3250246"/>
+              <a:ext cx="1117675" cy="206576"/>
+            </a:xfrm>
+            <a:prstGeom prst="line">
+              <a:avLst/>
+            </a:prstGeom>
+            <a:ln w="19050">
+              <a:solidFill>
+                <a:schemeClr val="bg1">
+                  <a:lumMod val="65000"/>
+                </a:schemeClr>
+              </a:solidFill>
+              <a:prstDash val="dash"/>
+            </a:ln>
+          </p:spPr>
+          <p:style>
+            <a:lnRef idx="1">
+              <a:schemeClr val="accent1"/>
+            </a:lnRef>
+            <a:fillRef idx="0">
+              <a:schemeClr val="accent1"/>
+            </a:fillRef>
+            <a:effectRef idx="0">
+              <a:schemeClr val="accent1"/>
+            </a:effectRef>
+            <a:fontRef idx="minor">
+              <a:schemeClr val="tx1"/>
+            </a:fontRef>
+          </p:style>
+        </p:cxnSp>
+        <mc:AlternateContent xmlns:mc="http://schemas.openxmlformats.org/markup-compatibility/2006">
+          <mc:Choice xmlns:a14="http://schemas.microsoft.com/office/drawing/2010/main" Requires="a14">
+            <p:sp>
+              <p:nvSpPr>
+                <p:cNvPr id="53" name="TextBox 52">
+                  <a:extLst>
+                    <a:ext uri="{FF2B5EF4-FFF2-40B4-BE49-F238E27FC236}">
+                      <a16:creationId xmlns:a16="http://schemas.microsoft.com/office/drawing/2014/main" id="{E08D4BE2-C463-444F-ACFC-8C1F90E5445E}"/>
+                    </a:ext>
+                  </a:extLst>
+                </p:cNvPr>
+                <p:cNvSpPr txBox="1"/>
+                <p:nvPr/>
+              </p:nvSpPr>
+              <p:spPr>
+                <a:xfrm>
+                  <a:off x="5813741" y="2276289"/>
+                  <a:ext cx="540853" cy="369332"/>
+                </a:xfrm>
+                <a:prstGeom prst="rect">
+                  <a:avLst/>
+                </a:prstGeom>
+                <a:noFill/>
+              </p:spPr>
+              <p:txBody>
+                <a:bodyPr wrap="none" rtlCol="0">
+                  <a:spAutoFit/>
+                </a:bodyPr>
+                <a:lstStyle/>
+                <a:p>
+                  <a:pPr/>
+                  <a14:m>
+                    <m:oMathPara xmlns:m="http://schemas.openxmlformats.org/officeDocument/2006/math">
+                      <m:oMathParaPr>
+                        <m:jc m:val="centerGroup"/>
+                      </m:oMathParaPr>
+                      <m:oMath xmlns:m="http://schemas.openxmlformats.org/officeDocument/2006/math">
+                        <m:r>
+                          <m:rPr>
+                            <m:sty m:val="p"/>
+                          </m:rPr>
+                          <a:rPr lang="en-US" altLang="ko-KR" b="0" i="0" smtClean="0">
+                            <a:latin typeface="Cambria Math" panose="02040503050406030204" pitchFamily="18" charset="0"/>
+                          </a:rPr>
+                          <m:t>Δ</m:t>
+                        </m:r>
+                        <m:r>
+                          <a:rPr lang="en-US" altLang="ko-KR" b="0" i="1" smtClean="0">
+                            <a:latin typeface="Cambria Math" panose="02040503050406030204" pitchFamily="18" charset="0"/>
+                          </a:rPr>
+                          <m:t>𝜃</m:t>
+                        </m:r>
+                      </m:oMath>
+                    </m:oMathPara>
+                  </a14:m>
+                  <a:endParaRPr lang="en-US" altLang="ko-KR" b="0" dirty="0"/>
+                </a:p>
+              </p:txBody>
+            </p:sp>
+          </mc:Choice>
+          <mc:Fallback>
+            <p:sp>
+              <p:nvSpPr>
+                <p:cNvPr id="53" name="TextBox 52">
+                  <a:extLst>
+                    <a:ext uri="{FF2B5EF4-FFF2-40B4-BE49-F238E27FC236}">
+                      <a16:creationId xmlns:a16="http://schemas.microsoft.com/office/drawing/2014/main" id="{E08D4BE2-C463-444F-ACFC-8C1F90E5445E}"/>
+                    </a:ext>
+                  </a:extLst>
+                </p:cNvPr>
+                <p:cNvSpPr txBox="1">
+                  <a:spLocks noRot="1" noChangeAspect="1" noMove="1" noResize="1" noEditPoints="1" noAdjustHandles="1" noChangeArrowheads="1" noChangeShapeType="1" noTextEdit="1"/>
+                </p:cNvSpPr>
+                <p:nvPr/>
+              </p:nvSpPr>
+              <p:spPr>
+                <a:xfrm>
+                  <a:off x="5813741" y="2276289"/>
+                  <a:ext cx="540853" cy="369332"/>
+                </a:xfrm>
+                <a:prstGeom prst="rect">
+                  <a:avLst/>
+                </a:prstGeom>
+                <a:blipFill>
+                  <a:blip r:embed="rId30"/>
+                  <a:stretch>
+                    <a:fillRect/>
+                  </a:stretch>
+                </a:blipFill>
+              </p:spPr>
+              <p:txBody>
+                <a:bodyPr/>
+                <a:lstStyle/>
+                <a:p>
+                  <a:r>
+                    <a:rPr lang="ko-KR" altLang="en-US">
+                      <a:noFill/>
+                    </a:rPr>
+                    <a:t> </a:t>
+                  </a:r>
+                </a:p>
+              </p:txBody>
+            </p:sp>
+          </mc:Fallback>
+        </mc:AlternateContent>
       </p:grpSp>
     </p:spTree>
     <p:extLst>
@@ -8328,10 +8487,10 @@
         </p:nvGrpSpPr>
         <p:grpSpPr>
           <a:xfrm>
-            <a:off x="1469571" y="-84091"/>
-            <a:ext cx="4797587" cy="4911721"/>
-            <a:chOff x="1469571" y="-84091"/>
-            <a:chExt cx="4797587" cy="4911721"/>
+            <a:off x="1469571" y="-86714"/>
+            <a:ext cx="4797587" cy="4914344"/>
+            <a:chOff x="1469571" y="-86714"/>
+            <a:chExt cx="4797587" cy="4914344"/>
           </a:xfrm>
         </p:grpSpPr>
         <p:grpSp>
@@ -8348,10 +8507,10 @@
           </p:nvGrpSpPr>
           <p:grpSpPr>
             <a:xfrm>
-              <a:off x="1469571" y="-84091"/>
-              <a:ext cx="4797587" cy="4281483"/>
-              <a:chOff x="1469571" y="-84091"/>
-              <a:chExt cx="4797587" cy="4281483"/>
+              <a:off x="1469571" y="-86714"/>
+              <a:ext cx="4797587" cy="4284106"/>
+              <a:chOff x="1469571" y="-86714"/>
+              <a:chExt cx="4797587" cy="4284106"/>
             </a:xfrm>
           </p:grpSpPr>
           <p:grpSp>
@@ -10181,8 +10340,8 @@
             </p:nvSpPr>
             <p:spPr>
               <a:xfrm rot="8265375">
-                <a:off x="2190927" y="-84091"/>
-                <a:ext cx="3595935" cy="3432865"/>
+                <a:off x="2179455" y="-86714"/>
+                <a:ext cx="3614195" cy="3405794"/>
               </a:xfrm>
               <a:prstGeom prst="arc">
                 <a:avLst/>
